--- a/其他/项目前端设计.pptx
+++ b/其他/项目前端设计.pptx
@@ -5,10 +5,10 @@
     <p:sldMasterId id="2147483648" r:id="rId1"/>
   </p:sldMasterIdLst>
   <p:notesMasterIdLst>
-    <p:notesMasterId r:id="rId30"/>
+    <p:notesMasterId r:id="rId31"/>
   </p:notesMasterIdLst>
   <p:handoutMasterIdLst>
-    <p:handoutMasterId r:id="rId31"/>
+    <p:handoutMasterId r:id="rId32"/>
   </p:handoutMasterIdLst>
   <p:sldIdLst>
     <p:sldId id="256" r:id="rId3"/>
@@ -31,13 +31,14 @@
     <p:sldId id="277" r:id="rId20"/>
     <p:sldId id="278" r:id="rId21"/>
     <p:sldId id="279" r:id="rId22"/>
-    <p:sldId id="280" r:id="rId23"/>
-    <p:sldId id="281" r:id="rId24"/>
-    <p:sldId id="282" r:id="rId25"/>
-    <p:sldId id="283" r:id="rId26"/>
-    <p:sldId id="284" r:id="rId27"/>
-    <p:sldId id="285" r:id="rId28"/>
-    <p:sldId id="286" r:id="rId29"/>
+    <p:sldId id="287" r:id="rId23"/>
+    <p:sldId id="280" r:id="rId24"/>
+    <p:sldId id="281" r:id="rId25"/>
+    <p:sldId id="282" r:id="rId26"/>
+    <p:sldId id="283" r:id="rId27"/>
+    <p:sldId id="284" r:id="rId28"/>
+    <p:sldId id="285" r:id="rId29"/>
+    <p:sldId id="286" r:id="rId30"/>
   </p:sldIdLst>
   <p:sldSz cx="12192000" cy="6858000"/>
   <p:notesSz cx="6858000" cy="9144000"/>
@@ -8917,11 +8918,72 @@
           <a:p>
             <a:r>
               <a:rPr lang="zh-CN" altLang="en-US"/>
-              <a:t>默认呈现收藏</a:t>
+              <a:t>默认呈现我的发布</a:t>
             </a:r>
             <a:r>
               <a:rPr lang="zh-CN" altLang="en-US"/>
               <a:t>页面</a:t>
+            </a:r>
+            <a:endParaRPr lang="zh-CN" altLang="en-US"/>
+          </a:p>
+        </p:txBody>
+      </p:sp>
+      <p:sp>
+        <p:nvSpPr>
+          <p:cNvPr id="14" name="文本框 13"/>
+          <p:cNvSpPr txBox="1"/>
+          <p:nvPr/>
+        </p:nvSpPr>
+        <p:spPr>
+          <a:xfrm>
+            <a:off x="190500" y="1430020"/>
+            <a:ext cx="4064000" cy="1476375"/>
+          </a:xfrm>
+          <a:prstGeom prst="rect">
+            <a:avLst/>
+          </a:prstGeom>
+          <a:noFill/>
+        </p:spPr>
+        <p:txBody>
+          <a:bodyPr wrap="square" rtlCol="0">
+            <a:spAutoFit/>
+          </a:bodyPr>
+          <a:p>
+            <a:r>
+              <a:rPr lang="zh-CN" altLang="en-US"/>
+              <a:t>发布（</a:t>
+            </a:r>
+            <a:r>
+              <a:rPr lang="zh-CN" altLang="en-US"/>
+              <a:t>文章）</a:t>
+            </a:r>
+            <a:endParaRPr lang="zh-CN" altLang="en-US"/>
+          </a:p>
+          <a:p>
+            <a:r>
+              <a:rPr lang="zh-CN" altLang="en-US"/>
+              <a:t>收藏</a:t>
+            </a:r>
+            <a:endParaRPr lang="zh-CN" altLang="en-US"/>
+          </a:p>
+          <a:p>
+            <a:r>
+              <a:rPr lang="zh-CN" altLang="en-US"/>
+              <a:t>点赞</a:t>
+            </a:r>
+            <a:endParaRPr lang="zh-CN" altLang="en-US"/>
+          </a:p>
+          <a:p>
+            <a:r>
+              <a:rPr lang="zh-CN" altLang="en-US"/>
+              <a:t>消息</a:t>
+            </a:r>
+            <a:endParaRPr lang="zh-CN" altLang="en-US"/>
+          </a:p>
+          <a:p>
+            <a:r>
+              <a:rPr lang="zh-CN" altLang="en-US"/>
+              <a:t>设置</a:t>
             </a:r>
             <a:endParaRPr lang="zh-CN" altLang="en-US"/>
           </a:p>
@@ -13673,6 +13735,811 @@
         <p:spPr>
           <a:xfrm>
             <a:off x="351790" y="319405"/>
+            <a:ext cx="4064000" cy="706755"/>
+          </a:xfrm>
+          <a:prstGeom prst="rect">
+            <a:avLst/>
+          </a:prstGeom>
+          <a:noFill/>
+        </p:spPr>
+        <p:txBody>
+          <a:bodyPr wrap="square" rtlCol="0">
+            <a:spAutoFit/>
+          </a:bodyPr>
+          <a:p>
+            <a:r>
+              <a:rPr lang="en-US" altLang="zh-CN" sz="4000"/>
+              <a:t>6.2.5 </a:t>
+            </a:r>
+            <a:r>
+              <a:rPr lang="zh-CN" altLang="en-US" sz="4000"/>
+              <a:t>发布</a:t>
+            </a:r>
+            <a:endParaRPr lang="zh-CN" altLang="en-US" sz="4000"/>
+          </a:p>
+        </p:txBody>
+      </p:sp>
+      <p:sp>
+        <p:nvSpPr>
+          <p:cNvPr id="6" name="矩形 5"/>
+          <p:cNvSpPr/>
+          <p:nvPr/>
+        </p:nvSpPr>
+        <p:spPr>
+          <a:xfrm>
+            <a:off x="2821940" y="24765"/>
+            <a:ext cx="8985885" cy="6689090"/>
+          </a:xfrm>
+          <a:prstGeom prst="rect">
+            <a:avLst/>
+          </a:prstGeom>
+          <a:noFill/>
+          <a:ln>
+            <a:solidFill>
+              <a:schemeClr val="tx1"/>
+            </a:solidFill>
+          </a:ln>
+        </p:spPr>
+        <p:style>
+          <a:lnRef idx="2">
+            <a:schemeClr val="accent1">
+              <a:lumMod val="75000"/>
+            </a:schemeClr>
+          </a:lnRef>
+          <a:fillRef idx="1">
+            <a:schemeClr val="accent1"/>
+          </a:fillRef>
+          <a:effectRef idx="0">
+            <a:srgbClr val="FFFFFF"/>
+          </a:effectRef>
+          <a:fontRef idx="minor">
+            <a:schemeClr val="lt1"/>
+          </a:fontRef>
+        </p:style>
+        <p:txBody>
+          <a:bodyPr rtlCol="0" anchor="ctr"/>
+          <a:p>
+            <a:pPr algn="ctr"/>
+            <a:endParaRPr lang="zh-CN" altLang="en-US"/>
+          </a:p>
+        </p:txBody>
+      </p:sp>
+      <p:sp>
+        <p:nvSpPr>
+          <p:cNvPr id="7" name="矩形 6"/>
+          <p:cNvSpPr/>
+          <p:nvPr/>
+        </p:nvSpPr>
+        <p:spPr>
+          <a:xfrm>
+            <a:off x="2875915" y="83185"/>
+            <a:ext cx="8817610" cy="562610"/>
+          </a:xfrm>
+          <a:prstGeom prst="rect">
+            <a:avLst/>
+          </a:prstGeom>
+          <a:noFill/>
+        </p:spPr>
+        <p:style>
+          <a:lnRef idx="2">
+            <a:schemeClr val="accent1">
+              <a:lumMod val="75000"/>
+            </a:schemeClr>
+          </a:lnRef>
+          <a:fillRef idx="1">
+            <a:schemeClr val="accent1"/>
+          </a:fillRef>
+          <a:effectRef idx="0">
+            <a:srgbClr val="FFFFFF"/>
+          </a:effectRef>
+          <a:fontRef idx="minor">
+            <a:schemeClr val="lt1"/>
+          </a:fontRef>
+        </p:style>
+        <p:txBody>
+          <a:bodyPr rtlCol="0" anchor="ctr"/>
+          <a:p>
+            <a:pPr algn="ctr"/>
+            <a:endParaRPr lang="zh-CN" altLang="en-US"/>
+          </a:p>
+        </p:txBody>
+      </p:sp>
+      <p:sp>
+        <p:nvSpPr>
+          <p:cNvPr id="8" name="文本框 7"/>
+          <p:cNvSpPr txBox="1"/>
+          <p:nvPr/>
+        </p:nvSpPr>
+        <p:spPr>
+          <a:xfrm>
+            <a:off x="9465310" y="277495"/>
+            <a:ext cx="2394585" cy="368300"/>
+          </a:xfrm>
+          <a:prstGeom prst="rect">
+            <a:avLst/>
+          </a:prstGeom>
+          <a:noFill/>
+        </p:spPr>
+        <p:txBody>
+          <a:bodyPr wrap="square" rtlCol="0">
+            <a:spAutoFit/>
+          </a:bodyPr>
+          <a:p>
+            <a:r>
+              <a:rPr lang="zh-CN" altLang="en-US"/>
+              <a:t>注册</a:t>
+            </a:r>
+            <a:r>
+              <a:rPr lang="en-US" altLang="zh-CN"/>
+              <a:t>/</a:t>
+            </a:r>
+            <a:r>
+              <a:rPr lang="zh-CN" altLang="en-US"/>
+              <a:t>登录</a:t>
+            </a:r>
+            <a:r>
+              <a:rPr lang="en-US" altLang="zh-CN"/>
+              <a:t>/</a:t>
+            </a:r>
+            <a:r>
+              <a:rPr lang="zh-CN" altLang="en-US"/>
+              <a:t>个人</a:t>
+            </a:r>
+            <a:r>
+              <a:rPr lang="zh-CN" altLang="en-US"/>
+              <a:t>头像</a:t>
+            </a:r>
+            <a:endParaRPr lang="zh-CN" altLang="en-US"/>
+          </a:p>
+        </p:txBody>
+      </p:sp>
+      <p:sp>
+        <p:nvSpPr>
+          <p:cNvPr id="9" name="文本框 8"/>
+          <p:cNvSpPr txBox="1"/>
+          <p:nvPr/>
+        </p:nvSpPr>
+        <p:spPr>
+          <a:xfrm>
+            <a:off x="2821940" y="277495"/>
+            <a:ext cx="864870" cy="368300"/>
+          </a:xfrm>
+          <a:prstGeom prst="rect">
+            <a:avLst/>
+          </a:prstGeom>
+          <a:noFill/>
+        </p:spPr>
+        <p:txBody>
+          <a:bodyPr wrap="square" rtlCol="0">
+            <a:spAutoFit/>
+          </a:bodyPr>
+          <a:p>
+            <a:r>
+              <a:rPr lang="zh-CN" altLang="en-US"/>
+              <a:t>首页</a:t>
+            </a:r>
+            <a:endParaRPr lang="zh-CN" altLang="en-US"/>
+          </a:p>
+        </p:txBody>
+      </p:sp>
+      <p:sp>
+        <p:nvSpPr>
+          <p:cNvPr id="10" name="文本框 9"/>
+          <p:cNvSpPr txBox="1"/>
+          <p:nvPr/>
+        </p:nvSpPr>
+        <p:spPr>
+          <a:xfrm>
+            <a:off x="3948430" y="277495"/>
+            <a:ext cx="4064000" cy="368300"/>
+          </a:xfrm>
+          <a:prstGeom prst="rect">
+            <a:avLst/>
+          </a:prstGeom>
+          <a:noFill/>
+        </p:spPr>
+        <p:txBody>
+          <a:bodyPr wrap="square" rtlCol="0">
+            <a:spAutoFit/>
+          </a:bodyPr>
+          <a:p>
+            <a:r>
+              <a:rPr lang="zh-CN" altLang="en-US"/>
+              <a:t>概况</a:t>
+            </a:r>
+            <a:endParaRPr lang="zh-CN" altLang="en-US"/>
+          </a:p>
+        </p:txBody>
+      </p:sp>
+      <p:sp>
+        <p:nvSpPr>
+          <p:cNvPr id="11" name="文本框 10"/>
+          <p:cNvSpPr txBox="1"/>
+          <p:nvPr/>
+        </p:nvSpPr>
+        <p:spPr>
+          <a:xfrm>
+            <a:off x="5270500" y="299720"/>
+            <a:ext cx="1625600" cy="368300"/>
+          </a:xfrm>
+          <a:prstGeom prst="rect">
+            <a:avLst/>
+          </a:prstGeom>
+          <a:noFill/>
+        </p:spPr>
+        <p:txBody>
+          <a:bodyPr wrap="square" rtlCol="0">
+            <a:spAutoFit/>
+          </a:bodyPr>
+          <a:p>
+            <a:r>
+              <a:rPr lang="en-US" altLang="zh-CN"/>
+              <a:t>...</a:t>
+            </a:r>
+            <a:endParaRPr lang="zh-CN" altLang="en-US">
+              <a:highlight>
+                <a:srgbClr val="FFFF00"/>
+              </a:highlight>
+            </a:endParaRPr>
+          </a:p>
+        </p:txBody>
+      </p:sp>
+      <p:sp>
+        <p:nvSpPr>
+          <p:cNvPr id="12" name="矩形 11"/>
+          <p:cNvSpPr/>
+          <p:nvPr/>
+        </p:nvSpPr>
+        <p:spPr>
+          <a:xfrm>
+            <a:off x="2927985" y="1179195"/>
+            <a:ext cx="8696325" cy="4775835"/>
+          </a:xfrm>
+          <a:prstGeom prst="rect">
+            <a:avLst/>
+          </a:prstGeom>
+          <a:noFill/>
+        </p:spPr>
+        <p:style>
+          <a:lnRef idx="2">
+            <a:schemeClr val="accent1">
+              <a:lumMod val="75000"/>
+            </a:schemeClr>
+          </a:lnRef>
+          <a:fillRef idx="1">
+            <a:schemeClr val="accent1"/>
+          </a:fillRef>
+          <a:effectRef idx="0">
+            <a:srgbClr val="FFFFFF"/>
+          </a:effectRef>
+          <a:fontRef idx="minor">
+            <a:schemeClr val="lt1"/>
+          </a:fontRef>
+        </p:style>
+        <p:txBody>
+          <a:bodyPr rtlCol="0" anchor="ctr"/>
+          <a:p>
+            <a:pPr algn="ctr"/>
+            <a:endParaRPr lang="zh-CN" altLang="en-US"/>
+          </a:p>
+        </p:txBody>
+      </p:sp>
+      <p:sp>
+        <p:nvSpPr>
+          <p:cNvPr id="18" name="矩形 17"/>
+          <p:cNvSpPr/>
+          <p:nvPr/>
+        </p:nvSpPr>
+        <p:spPr>
+          <a:xfrm>
+            <a:off x="2997200" y="6017260"/>
+            <a:ext cx="8696325" cy="591185"/>
+          </a:xfrm>
+          <a:prstGeom prst="rect">
+            <a:avLst/>
+          </a:prstGeom>
+          <a:noFill/>
+        </p:spPr>
+        <p:style>
+          <a:lnRef idx="2">
+            <a:schemeClr val="accent1">
+              <a:lumMod val="75000"/>
+            </a:schemeClr>
+          </a:lnRef>
+          <a:fillRef idx="1">
+            <a:schemeClr val="accent1"/>
+          </a:fillRef>
+          <a:effectRef idx="0">
+            <a:srgbClr val="FFFFFF"/>
+          </a:effectRef>
+          <a:fontRef idx="minor">
+            <a:schemeClr val="lt1"/>
+          </a:fontRef>
+        </p:style>
+        <p:txBody>
+          <a:bodyPr rtlCol="0" anchor="ctr"/>
+          <a:p>
+            <a:pPr algn="ctr"/>
+            <a:endParaRPr lang="zh-CN" altLang="en-US"/>
+          </a:p>
+        </p:txBody>
+      </p:sp>
+      <p:sp>
+        <p:nvSpPr>
+          <p:cNvPr id="19" name="文本框 18"/>
+          <p:cNvSpPr txBox="1"/>
+          <p:nvPr/>
+        </p:nvSpPr>
+        <p:spPr>
+          <a:xfrm>
+            <a:off x="3209290" y="6090285"/>
+            <a:ext cx="4507230" cy="368300"/>
+          </a:xfrm>
+          <a:prstGeom prst="rect">
+            <a:avLst/>
+          </a:prstGeom>
+          <a:noFill/>
+        </p:spPr>
+        <p:txBody>
+          <a:bodyPr wrap="square" rtlCol="0">
+            <a:spAutoFit/>
+          </a:bodyPr>
+          <a:p>
+            <a:r>
+              <a:rPr lang="zh-CN" altLang="en-US"/>
+              <a:t>备案号</a:t>
+            </a:r>
+            <a:r>
+              <a:rPr lang="en-US" altLang="zh-CN"/>
+              <a:t>	</a:t>
+            </a:r>
+            <a:r>
+              <a:rPr lang="zh-CN" altLang="en-US"/>
+              <a:t>友情链接</a:t>
+            </a:r>
+            <a:r>
+              <a:rPr lang="en-US" altLang="zh-CN"/>
+              <a:t>	</a:t>
+            </a:r>
+            <a:r>
+              <a:rPr lang="zh-CN" altLang="en-US"/>
+              <a:t>联系我们：</a:t>
+            </a:r>
+            <a:r>
+              <a:rPr lang="en-US" altLang="zh-CN"/>
+              <a:t>XXX</a:t>
+            </a:r>
+            <a:endParaRPr lang="en-US" altLang="zh-CN"/>
+          </a:p>
+        </p:txBody>
+      </p:sp>
+      <p:sp>
+        <p:nvSpPr>
+          <p:cNvPr id="2" name="文本框 1"/>
+          <p:cNvSpPr txBox="1"/>
+          <p:nvPr/>
+        </p:nvSpPr>
+        <p:spPr>
+          <a:xfrm>
+            <a:off x="8295640" y="6090285"/>
+            <a:ext cx="4064000" cy="368300"/>
+          </a:xfrm>
+          <a:prstGeom prst="rect">
+            <a:avLst/>
+          </a:prstGeom>
+          <a:noFill/>
+        </p:spPr>
+        <p:txBody>
+          <a:bodyPr wrap="square" rtlCol="0">
+            <a:spAutoFit/>
+          </a:bodyPr>
+          <a:p>
+            <a:r>
+              <a:rPr lang="zh-CN" altLang="en-US"/>
+              <a:t>地址</a:t>
+            </a:r>
+            <a:endParaRPr lang="zh-CN" altLang="en-US"/>
+          </a:p>
+        </p:txBody>
+      </p:sp>
+      <p:sp>
+        <p:nvSpPr>
+          <p:cNvPr id="4" name="矩形 3"/>
+          <p:cNvSpPr/>
+          <p:nvPr/>
+        </p:nvSpPr>
+        <p:spPr>
+          <a:xfrm>
+            <a:off x="3239135" y="1438910"/>
+            <a:ext cx="1523365" cy="1594485"/>
+          </a:xfrm>
+          <a:prstGeom prst="rect">
+            <a:avLst/>
+          </a:prstGeom>
+          <a:noFill/>
+        </p:spPr>
+        <p:style>
+          <a:lnRef idx="2">
+            <a:schemeClr val="accent1">
+              <a:lumMod val="75000"/>
+            </a:schemeClr>
+          </a:lnRef>
+          <a:fillRef idx="1">
+            <a:schemeClr val="accent1"/>
+          </a:fillRef>
+          <a:effectRef idx="0">
+            <a:srgbClr val="FFFFFF"/>
+          </a:effectRef>
+          <a:fontRef idx="minor">
+            <a:schemeClr val="lt1"/>
+          </a:fontRef>
+        </p:style>
+        <p:txBody>
+          <a:bodyPr rtlCol="0" anchor="ctr"/>
+          <a:p>
+            <a:pPr algn="ctr"/>
+            <a:endParaRPr lang="zh-CN" altLang="en-US"/>
+          </a:p>
+        </p:txBody>
+      </p:sp>
+      <p:sp>
+        <p:nvSpPr>
+          <p:cNvPr id="3" name="文本框 2"/>
+          <p:cNvSpPr txBox="1"/>
+          <p:nvPr/>
+        </p:nvSpPr>
+        <p:spPr>
+          <a:xfrm>
+            <a:off x="8384540" y="319405"/>
+            <a:ext cx="1151890" cy="622935"/>
+          </a:xfrm>
+          <a:prstGeom prst="rect">
+            <a:avLst/>
+          </a:prstGeom>
+          <a:noFill/>
+        </p:spPr>
+        <p:txBody>
+          <a:bodyPr wrap="square" rtlCol="0">
+            <a:noAutofit/>
+          </a:bodyPr>
+          <a:p>
+            <a:r>
+              <a:rPr lang="en-US" altLang="zh-CN"/>
+              <a:t>zh/en</a:t>
+            </a:r>
+            <a:endParaRPr lang="en-US" altLang="zh-CN"/>
+          </a:p>
+          <a:p>
+            <a:r>
+              <a:rPr lang="en-US" altLang="zh-CN"/>
+              <a:t>[MAYBE]</a:t>
+            </a:r>
+            <a:endParaRPr lang="en-US" altLang="zh-CN"/>
+          </a:p>
+        </p:txBody>
+      </p:sp>
+      <p:sp>
+        <p:nvSpPr>
+          <p:cNvPr id="13" name="文本框 12"/>
+          <p:cNvSpPr txBox="1"/>
+          <p:nvPr/>
+        </p:nvSpPr>
+        <p:spPr>
+          <a:xfrm>
+            <a:off x="3477260" y="1870075"/>
+            <a:ext cx="1017905" cy="360045"/>
+          </a:xfrm>
+          <a:prstGeom prst="rect">
+            <a:avLst/>
+          </a:prstGeom>
+          <a:noFill/>
+        </p:spPr>
+        <p:txBody>
+          <a:bodyPr wrap="square" rtlCol="0">
+            <a:noAutofit/>
+          </a:bodyPr>
+          <a:p>
+            <a:r>
+              <a:rPr lang="zh-CN" altLang="en-US"/>
+              <a:t>头像</a:t>
+            </a:r>
+            <a:endParaRPr lang="zh-CN" altLang="en-US"/>
+          </a:p>
+        </p:txBody>
+      </p:sp>
+      <p:sp>
+        <p:nvSpPr>
+          <p:cNvPr id="16" name="文本框 15"/>
+          <p:cNvSpPr txBox="1"/>
+          <p:nvPr/>
+        </p:nvSpPr>
+        <p:spPr>
+          <a:xfrm>
+            <a:off x="3274060" y="3105150"/>
+            <a:ext cx="1141730" cy="368300"/>
+          </a:xfrm>
+          <a:prstGeom prst="rect">
+            <a:avLst/>
+          </a:prstGeom>
+          <a:noFill/>
+        </p:spPr>
+        <p:txBody>
+          <a:bodyPr wrap="square" rtlCol="0">
+            <a:spAutoFit/>
+          </a:bodyPr>
+          <a:p>
+            <a:r>
+              <a:rPr lang="zh-CN" altLang="en-US"/>
+              <a:t>用户名</a:t>
+            </a:r>
+            <a:endParaRPr lang="zh-CN" altLang="en-US"/>
+          </a:p>
+        </p:txBody>
+      </p:sp>
+      <p:graphicFrame>
+        <p:nvGraphicFramePr>
+          <p:cNvPr id="17" name="表格 16"/>
+          <p:cNvGraphicFramePr/>
+          <p:nvPr>
+            <p:custDataLst>
+              <p:tags r:id="rId1"/>
+            </p:custDataLst>
+          </p:nvPr>
+        </p:nvGraphicFramePr>
+        <p:xfrm>
+          <a:off x="3099435" y="3486150"/>
+          <a:ext cx="1772920" cy="2077085"/>
+        </p:xfrm>
+        <a:graphic>
+          <a:graphicData uri="http://schemas.openxmlformats.org/drawingml/2006/table">
+            <a:tbl>
+              <a:tblPr firstRow="1" bandRow="1">
+                <a:tableStyleId>{5C22544A-7EE6-4342-B048-85BDC9FD1C3A}</a:tableStyleId>
+              </a:tblPr>
+              <a:tblGrid>
+                <a:gridCol w="1772920"/>
+              </a:tblGrid>
+              <a:tr h="561340">
+                <a:tc>
+                  <a:txBody>
+                    <a:bodyPr/>
+                    <a:p>
+                      <a:pPr>
+                        <a:buNone/>
+                      </a:pPr>
+                      <a:r>
+                        <a:rPr lang="zh-CN" altLang="en-US"/>
+                        <a:t>发布</a:t>
+                      </a:r>
+                      <a:endParaRPr lang="zh-CN" altLang="en-US"/>
+                    </a:p>
+                  </a:txBody>
+                  <a:tcPr/>
+                </a:tc>
+              </a:tr>
+              <a:tr h="499110">
+                <a:tc>
+                  <a:txBody>
+                    <a:bodyPr/>
+                    <a:p>
+                      <a:pPr>
+                        <a:buNone/>
+                      </a:pPr>
+                      <a:r>
+                        <a:rPr lang="zh-CN" altLang="en-US" sz="1800"/>
+                        <a:t>收藏</a:t>
+                      </a:r>
+                      <a:endParaRPr lang="zh-CN" altLang="en-US" sz="1800"/>
+                    </a:p>
+                    <a:p>
+                      <a:pPr>
+                        <a:buNone/>
+                      </a:pPr>
+                      <a:endParaRPr lang="zh-CN" altLang="en-US"/>
+                    </a:p>
+                  </a:txBody>
+                  <a:tcPr/>
+                </a:tc>
+              </a:tr>
+              <a:tr h="455295">
+                <a:tc>
+                  <a:txBody>
+                    <a:bodyPr/>
+                    <a:p>
+                      <a:pPr>
+                        <a:buNone/>
+                      </a:pPr>
+                      <a:r>
+                        <a:rPr lang="zh-CN" altLang="en-US" sz="1800">
+                          <a:sym typeface="+mn-ea"/>
+                        </a:rPr>
+                        <a:t>消息</a:t>
+                      </a:r>
+                      <a:endParaRPr lang="zh-CN" altLang="en-US"/>
+                    </a:p>
+                  </a:txBody>
+                  <a:tcPr>
+                    <a:noFill/>
+                  </a:tcPr>
+                </a:tc>
+              </a:tr>
+              <a:tr h="561340">
+                <a:tc>
+                  <a:txBody>
+                    <a:bodyPr/>
+                    <a:p>
+                      <a:pPr>
+                        <a:buNone/>
+                      </a:pPr>
+                      <a:r>
+                        <a:rPr lang="zh-CN" altLang="en-US"/>
+                        <a:t>设置</a:t>
+                      </a:r>
+                      <a:endParaRPr lang="zh-CN" altLang="en-US"/>
+                    </a:p>
+                  </a:txBody>
+                  <a:tcPr/>
+                </a:tc>
+              </a:tr>
+            </a:tbl>
+          </a:graphicData>
+        </a:graphic>
+      </p:graphicFrame>
+      <p:sp>
+        <p:nvSpPr>
+          <p:cNvPr id="20" name="矩形 19"/>
+          <p:cNvSpPr/>
+          <p:nvPr/>
+        </p:nvSpPr>
+        <p:spPr>
+          <a:xfrm>
+            <a:off x="5008245" y="1430020"/>
+            <a:ext cx="6478905" cy="4401820"/>
+          </a:xfrm>
+          <a:prstGeom prst="rect">
+            <a:avLst/>
+          </a:prstGeom>
+          <a:noFill/>
+        </p:spPr>
+        <p:style>
+          <a:lnRef idx="2">
+            <a:schemeClr val="accent1">
+              <a:lumMod val="75000"/>
+            </a:schemeClr>
+          </a:lnRef>
+          <a:fillRef idx="1">
+            <a:schemeClr val="accent1"/>
+          </a:fillRef>
+          <a:effectRef idx="0">
+            <a:srgbClr val="FFFFFF"/>
+          </a:effectRef>
+          <a:fontRef idx="minor">
+            <a:schemeClr val="lt1"/>
+          </a:fontRef>
+        </p:style>
+        <p:txBody>
+          <a:bodyPr rtlCol="0" anchor="ctr"/>
+          <a:p>
+            <a:pPr algn="ctr"/>
+            <a:endParaRPr lang="zh-CN" altLang="en-US"/>
+          </a:p>
+        </p:txBody>
+      </p:sp>
+      <p:sp>
+        <p:nvSpPr>
+          <p:cNvPr id="14" name="文本框 13"/>
+          <p:cNvSpPr txBox="1"/>
+          <p:nvPr/>
+        </p:nvSpPr>
+        <p:spPr>
+          <a:xfrm>
+            <a:off x="60960" y="1509395"/>
+            <a:ext cx="2471420" cy="2119630"/>
+          </a:xfrm>
+          <a:prstGeom prst="rect">
+            <a:avLst/>
+          </a:prstGeom>
+          <a:noFill/>
+        </p:spPr>
+        <p:txBody>
+          <a:bodyPr wrap="square" rtlCol="0">
+            <a:noAutofit/>
+          </a:bodyPr>
+          <a:p>
+            <a:r>
+              <a:rPr lang="zh-CN" altLang="en-US"/>
+              <a:t>更换</a:t>
+            </a:r>
+            <a:r>
+              <a:rPr lang="zh-CN" altLang="en-US"/>
+              <a:t>头像</a:t>
+            </a:r>
+            <a:endParaRPr lang="zh-CN" altLang="en-US"/>
+          </a:p>
+          <a:p>
+            <a:r>
+              <a:rPr lang="zh-CN" altLang="en-US"/>
+              <a:t>更换</a:t>
+            </a:r>
+            <a:r>
+              <a:rPr lang="zh-CN" altLang="en-US"/>
+              <a:t>用户名</a:t>
+            </a:r>
+            <a:endParaRPr lang="zh-CN" altLang="en-US"/>
+          </a:p>
+          <a:p>
+            <a:r>
+              <a:rPr lang="zh-CN" altLang="en-US"/>
+              <a:t>修改</a:t>
+            </a:r>
+            <a:r>
+              <a:rPr lang="zh-CN" altLang="en-US"/>
+              <a:t>密码</a:t>
+            </a:r>
+            <a:endParaRPr lang="zh-CN" altLang="en-US"/>
+          </a:p>
+          <a:p>
+            <a:r>
+              <a:rPr lang="zh-CN" altLang="en-US"/>
+              <a:t>修改绑定的手机号</a:t>
+            </a:r>
+            <a:r>
+              <a:rPr lang="en-US" altLang="zh-CN"/>
+              <a:t>[MAYBE]</a:t>
+            </a:r>
+            <a:endParaRPr lang="en-US" altLang="zh-CN"/>
+          </a:p>
+          <a:p>
+            <a:r>
+              <a:rPr lang="zh-CN" altLang="en-US"/>
+              <a:t>语言设置</a:t>
+            </a:r>
+            <a:r>
+              <a:rPr lang="en-US" altLang="zh-CN"/>
+              <a:t>zh/en[MAYBE]</a:t>
+            </a:r>
+            <a:endParaRPr lang="en-US" altLang="zh-CN"/>
+          </a:p>
+          <a:p>
+            <a:r>
+              <a:rPr lang="zh-CN" altLang="en-US"/>
+              <a:t>个性签名</a:t>
+            </a:r>
+            <a:r>
+              <a:rPr lang="en-US" altLang="zh-CN"/>
+              <a:t>[MAYBE]</a:t>
+            </a:r>
+            <a:endParaRPr lang="en-US" altLang="zh-CN"/>
+          </a:p>
+        </p:txBody>
+      </p:sp>
+    </p:spTree>
+  </p:cSld>
+  <p:clrMapOvr>
+    <a:masterClrMapping/>
+  </p:clrMapOvr>
+</p:sld>
+</file>
+
+<file path=ppt/slides/slide22.xml><?xml version="1.0" encoding="utf-8"?>
+<p:sld xmlns:a="http://schemas.openxmlformats.org/drawingml/2006/main" xmlns:r="http://schemas.openxmlformats.org/officeDocument/2006/relationships" xmlns:p="http://schemas.openxmlformats.org/presentationml/2006/main">
+  <p:cSld>
+    <p:spTree>
+      <p:nvGrpSpPr>
+        <p:cNvPr id="1" name=""/>
+        <p:cNvGrpSpPr/>
+        <p:nvPr/>
+      </p:nvGrpSpPr>
+      <p:grpSpPr/>
+      <p:sp>
+        <p:nvSpPr>
+          <p:cNvPr id="5" name="文本框 4"/>
+          <p:cNvSpPr txBox="1"/>
+          <p:nvPr/>
+        </p:nvSpPr>
+        <p:spPr>
+          <a:xfrm>
+            <a:off x="351790" y="319405"/>
             <a:ext cx="6425565" cy="706755"/>
           </a:xfrm>
           <a:prstGeom prst="rect">
@@ -14546,7 +15413,7 @@
 </p:sld>
 </file>
 
-<file path=ppt/slides/slide22.xml><?xml version="1.0" encoding="utf-8"?>
+<file path=ppt/slides/slide23.xml><?xml version="1.0" encoding="utf-8"?>
 <p:sld xmlns:a="http://schemas.openxmlformats.org/drawingml/2006/main" xmlns:r="http://schemas.openxmlformats.org/officeDocument/2006/relationships" xmlns:p="http://schemas.openxmlformats.org/presentationml/2006/main">
   <p:cSld>
     <p:spTree>
@@ -15651,7 +16518,7 @@
 </p:sld>
 </file>
 
-<file path=ppt/slides/slide23.xml><?xml version="1.0" encoding="utf-8"?>
+<file path=ppt/slides/slide24.xml><?xml version="1.0" encoding="utf-8"?>
 <p:sld xmlns:a="http://schemas.openxmlformats.org/drawingml/2006/main" xmlns:r="http://schemas.openxmlformats.org/officeDocument/2006/relationships" xmlns:p="http://schemas.openxmlformats.org/presentationml/2006/main">
   <p:cSld>
     <p:spTree>
@@ -16960,7 +17827,7 @@
 </p:sld>
 </file>
 
-<file path=ppt/slides/slide24.xml><?xml version="1.0" encoding="utf-8"?>
+<file path=ppt/slides/slide25.xml><?xml version="1.0" encoding="utf-8"?>
 <p:sld xmlns:a="http://schemas.openxmlformats.org/drawingml/2006/main" xmlns:r="http://schemas.openxmlformats.org/officeDocument/2006/relationships" xmlns:p="http://schemas.openxmlformats.org/presentationml/2006/main">
   <p:cSld>
     <p:spTree>
@@ -18207,7 +19074,7 @@
 </p:sld>
 </file>
 
-<file path=ppt/slides/slide25.xml><?xml version="1.0" encoding="utf-8"?>
+<file path=ppt/slides/slide26.xml><?xml version="1.0" encoding="utf-8"?>
 <p:sld xmlns:a="http://schemas.openxmlformats.org/drawingml/2006/main" xmlns:r="http://schemas.openxmlformats.org/officeDocument/2006/relationships" xmlns:p="http://schemas.openxmlformats.org/presentationml/2006/main">
   <p:cSld>
     <p:spTree>
@@ -19344,7 +20211,7 @@
 </p:sld>
 </file>
 
-<file path=ppt/slides/slide26.xml><?xml version="1.0" encoding="utf-8"?>
+<file path=ppt/slides/slide27.xml><?xml version="1.0" encoding="utf-8"?>
 <p:sld xmlns:a="http://schemas.openxmlformats.org/drawingml/2006/main" xmlns:r="http://schemas.openxmlformats.org/officeDocument/2006/relationships" xmlns:p="http://schemas.openxmlformats.org/presentationml/2006/main">
   <p:cSld>
     <p:spTree>
@@ -20485,7 +21352,7 @@
 </p:sld>
 </file>
 
-<file path=ppt/slides/slide27.xml><?xml version="1.0" encoding="utf-8"?>
+<file path=ppt/slides/slide28.xml><?xml version="1.0" encoding="utf-8"?>
 <p:sld xmlns:a="http://schemas.openxmlformats.org/drawingml/2006/main" xmlns:r="http://schemas.openxmlformats.org/officeDocument/2006/relationships" xmlns:p="http://schemas.openxmlformats.org/presentationml/2006/main">
   <p:cSld>
     <p:spTree>
@@ -24934,6 +25801,13 @@
 </file>
 
 <file path=ppt/tags/tag12.xml><?xml version="1.0" encoding="utf-8"?>
+<p:tagLst xmlns:p="http://schemas.openxmlformats.org/presentationml/2006/main">
+  <p:tag name="TABLE_ENDDRAG_ORIGIN_RECT" val="139*176"/>
+  <p:tag name="TABLE_ENDDRAG_RECT" val="144*210*139*176"/>
+</p:tagLst>
+</file>
+
+<file path=ppt/tags/tag13.xml><?xml version="1.0" encoding="utf-8"?>
 <p:tagLst xmlns:p="http://schemas.openxmlformats.org/presentationml/2006/main">
   <p:tag name="TABLE_ENDDRAG_ORIGIN_RECT" val="139*176"/>
   <p:tag name="TABLE_ENDDRAG_RECT" val="144*210*139*176"/>

--- a/其他/项目前端设计.pptx
+++ b/其他/项目前端设计.pptx
@@ -5,10 +5,10 @@
     <p:sldMasterId id="2147483648" r:id="rId1"/>
   </p:sldMasterIdLst>
   <p:notesMasterIdLst>
-    <p:notesMasterId r:id="rId31"/>
+    <p:notesMasterId r:id="rId32"/>
   </p:notesMasterIdLst>
   <p:handoutMasterIdLst>
-    <p:handoutMasterId r:id="rId32"/>
+    <p:handoutMasterId r:id="rId33"/>
   </p:handoutMasterIdLst>
   <p:sldIdLst>
     <p:sldId id="256" r:id="rId3"/>
@@ -21,24 +21,25 @@
     <p:sldId id="268" r:id="rId10"/>
     <p:sldId id="263" r:id="rId11"/>
     <p:sldId id="264" r:id="rId12"/>
-    <p:sldId id="269" r:id="rId13"/>
-    <p:sldId id="270" r:id="rId14"/>
-    <p:sldId id="272" r:id="rId15"/>
-    <p:sldId id="273" r:id="rId16"/>
-    <p:sldId id="274" r:id="rId17"/>
-    <p:sldId id="275" r:id="rId18"/>
-    <p:sldId id="276" r:id="rId19"/>
-    <p:sldId id="277" r:id="rId20"/>
-    <p:sldId id="278" r:id="rId21"/>
-    <p:sldId id="279" r:id="rId22"/>
-    <p:sldId id="287" r:id="rId23"/>
-    <p:sldId id="280" r:id="rId24"/>
-    <p:sldId id="281" r:id="rId25"/>
-    <p:sldId id="282" r:id="rId26"/>
-    <p:sldId id="283" r:id="rId27"/>
-    <p:sldId id="284" r:id="rId28"/>
-    <p:sldId id="285" r:id="rId29"/>
-    <p:sldId id="286" r:id="rId30"/>
+    <p:sldId id="288" r:id="rId13"/>
+    <p:sldId id="269" r:id="rId14"/>
+    <p:sldId id="270" r:id="rId15"/>
+    <p:sldId id="272" r:id="rId16"/>
+    <p:sldId id="273" r:id="rId17"/>
+    <p:sldId id="274" r:id="rId18"/>
+    <p:sldId id="275" r:id="rId19"/>
+    <p:sldId id="276" r:id="rId20"/>
+    <p:sldId id="277" r:id="rId21"/>
+    <p:sldId id="278" r:id="rId22"/>
+    <p:sldId id="279" r:id="rId23"/>
+    <p:sldId id="287" r:id="rId24"/>
+    <p:sldId id="280" r:id="rId25"/>
+    <p:sldId id="281" r:id="rId26"/>
+    <p:sldId id="282" r:id="rId27"/>
+    <p:sldId id="283" r:id="rId28"/>
+    <p:sldId id="284" r:id="rId29"/>
+    <p:sldId id="285" r:id="rId30"/>
+    <p:sldId id="286" r:id="rId31"/>
   </p:sldIdLst>
   <p:sldSz cx="12192000" cy="6858000"/>
   <p:notesSz cx="6858000" cy="9144000"/>
@@ -4688,7 +4689,7 @@
           <a:p>
             <a:r>
               <a:rPr lang="en-US" altLang="zh-CN" sz="4000"/>
-              <a:t>4.2 </a:t>
+              <a:t>4.1 </a:t>
             </a:r>
             <a:r>
               <a:rPr lang="zh-CN" altLang="en-US" sz="4000"/>
@@ -4696,7 +4697,7 @@
             </a:r>
             <a:r>
               <a:rPr lang="zh-CN" altLang="en-US" sz="4000"/>
-              <a:t>选择</a:t>
+              <a:t>分类</a:t>
             </a:r>
             <a:endParaRPr lang="zh-CN" altLang="en-US" sz="4000"/>
           </a:p>
@@ -5145,6 +5146,1061 @@
           <a:xfrm>
             <a:off x="3209290" y="1330960"/>
             <a:ext cx="7566025" cy="368300"/>
+          </a:xfrm>
+          <a:prstGeom prst="rect">
+            <a:avLst/>
+          </a:prstGeom>
+          <a:noFill/>
+        </p:spPr>
+        <p:txBody>
+          <a:bodyPr wrap="square" rtlCol="0">
+            <a:spAutoFit/>
+          </a:bodyPr>
+          <a:p>
+            <a:r>
+              <a:rPr lang="en-US" altLang="zh-CN"/>
+              <a:t>[</a:t>
+            </a:r>
+            <a:r>
+              <a:rPr lang="zh-CN" altLang="en-US"/>
+              <a:t>搜索框</a:t>
+            </a:r>
+            <a:r>
+              <a:rPr lang="en-US" altLang="zh-CN"/>
+              <a:t>]	 </a:t>
+            </a:r>
+            <a:r>
+              <a:rPr lang="zh-CN" altLang="en-US"/>
+              <a:t>局部搜索</a:t>
+            </a:r>
+            <a:endParaRPr lang="en-US" altLang="zh-CN"/>
+          </a:p>
+        </p:txBody>
+      </p:sp>
+      <p:sp>
+        <p:nvSpPr>
+          <p:cNvPr id="4" name="文本框 3"/>
+          <p:cNvSpPr txBox="1"/>
+          <p:nvPr/>
+        </p:nvSpPr>
+        <p:spPr>
+          <a:xfrm>
+            <a:off x="283210" y="1141095"/>
+            <a:ext cx="2440305" cy="4366260"/>
+          </a:xfrm>
+          <a:prstGeom prst="rect">
+            <a:avLst/>
+          </a:prstGeom>
+          <a:noFill/>
+        </p:spPr>
+        <p:txBody>
+          <a:bodyPr wrap="square" rtlCol="0">
+            <a:noAutofit/>
+          </a:bodyPr>
+          <a:p>
+            <a:r>
+              <a:rPr lang="zh-CN" altLang="en-US"/>
+              <a:t>用户按展厅</a:t>
+            </a:r>
+            <a:r>
+              <a:rPr lang="en-US" altLang="zh-CN"/>
+              <a:t>/</a:t>
+            </a:r>
+            <a:r>
+              <a:rPr lang="zh-CN" altLang="en-US"/>
+              <a:t>按类别查看展品的</a:t>
+            </a:r>
+            <a:r>
+              <a:rPr lang="zh-CN" altLang="en-US"/>
+              <a:t>类别</a:t>
+            </a:r>
+            <a:endParaRPr lang="zh-CN" altLang="en-US"/>
+          </a:p>
+        </p:txBody>
+      </p:sp>
+      <p:grpSp>
+        <p:nvGrpSpPr>
+          <p:cNvPr id="13" name="组合 12"/>
+          <p:cNvGrpSpPr/>
+          <p:nvPr/>
+        </p:nvGrpSpPr>
+        <p:grpSpPr>
+          <a:xfrm>
+            <a:off x="10023475" y="4721860"/>
+            <a:ext cx="1339215" cy="481330"/>
+            <a:chOff x="12298" y="2392"/>
+            <a:chExt cx="4437" cy="993"/>
+          </a:xfrm>
+        </p:grpSpPr>
+        <p:sp>
+          <p:nvSpPr>
+            <p:cNvPr id="24" name="矩形 23"/>
+            <p:cNvSpPr/>
+            <p:nvPr/>
+          </p:nvSpPr>
+          <p:spPr>
+            <a:xfrm>
+              <a:off x="12298" y="2392"/>
+              <a:ext cx="4437" cy="993"/>
+            </a:xfrm>
+            <a:prstGeom prst="rect">
+              <a:avLst/>
+            </a:prstGeom>
+            <a:noFill/>
+          </p:spPr>
+          <p:style>
+            <a:lnRef idx="2">
+              <a:schemeClr val="accent1">
+                <a:lumMod val="75000"/>
+              </a:schemeClr>
+            </a:lnRef>
+            <a:fillRef idx="1">
+              <a:schemeClr val="accent1"/>
+            </a:fillRef>
+            <a:effectRef idx="0">
+              <a:srgbClr val="FFFFFF"/>
+            </a:effectRef>
+            <a:fontRef idx="minor">
+              <a:schemeClr val="lt1"/>
+            </a:fontRef>
+          </p:style>
+          <p:txBody>
+            <a:bodyPr rtlCol="0" anchor="ctr"/>
+            <a:p>
+              <a:pPr algn="ctr"/>
+              <a:endParaRPr lang="zh-CN" altLang="en-US"/>
+            </a:p>
+          </p:txBody>
+        </p:sp>
+        <p:sp>
+          <p:nvSpPr>
+            <p:cNvPr id="25" name="文本框 24"/>
+            <p:cNvSpPr txBox="1"/>
+            <p:nvPr/>
+          </p:nvSpPr>
+          <p:spPr>
+            <a:xfrm>
+              <a:off x="12298" y="2597"/>
+              <a:ext cx="4238" cy="760"/>
+            </a:xfrm>
+            <a:prstGeom prst="rect">
+              <a:avLst/>
+            </a:prstGeom>
+            <a:noFill/>
+          </p:spPr>
+          <p:txBody>
+            <a:bodyPr wrap="square" rtlCol="0">
+              <a:spAutoFit/>
+            </a:bodyPr>
+            <a:p>
+              <a:r>
+                <a:rPr lang="zh-CN" altLang="en-US"/>
+                <a:t>分页</a:t>
+              </a:r>
+              <a:r>
+                <a:rPr lang="zh-CN" altLang="en-US"/>
+                <a:t>功能</a:t>
+              </a:r>
+              <a:endParaRPr lang="zh-CN" altLang="en-US"/>
+            </a:p>
+          </p:txBody>
+        </p:sp>
+      </p:grpSp>
+      <p:grpSp>
+        <p:nvGrpSpPr>
+          <p:cNvPr id="35" name="组合 34"/>
+          <p:cNvGrpSpPr/>
+          <p:nvPr/>
+        </p:nvGrpSpPr>
+        <p:grpSpPr>
+          <a:xfrm>
+            <a:off x="3082290" y="1800225"/>
+            <a:ext cx="2439670" cy="1167765"/>
+            <a:chOff x="4854" y="2835"/>
+            <a:chExt cx="3842" cy="1839"/>
+          </a:xfrm>
+        </p:grpSpPr>
+        <p:sp>
+          <p:nvSpPr>
+            <p:cNvPr id="28" name="矩形 27"/>
+            <p:cNvSpPr/>
+            <p:nvPr/>
+          </p:nvSpPr>
+          <p:spPr>
+            <a:xfrm>
+              <a:off x="4854" y="2835"/>
+              <a:ext cx="3842" cy="1839"/>
+            </a:xfrm>
+            <a:prstGeom prst="rect">
+              <a:avLst/>
+            </a:prstGeom>
+            <a:noFill/>
+          </p:spPr>
+          <p:style>
+            <a:lnRef idx="2">
+              <a:schemeClr val="accent1">
+                <a:lumMod val="75000"/>
+              </a:schemeClr>
+            </a:lnRef>
+            <a:fillRef idx="1">
+              <a:schemeClr val="accent1"/>
+            </a:fillRef>
+            <a:effectRef idx="0">
+              <a:srgbClr val="FFFFFF"/>
+            </a:effectRef>
+            <a:fontRef idx="minor">
+              <a:schemeClr val="lt1"/>
+            </a:fontRef>
+          </p:style>
+          <p:txBody>
+            <a:bodyPr rtlCol="0" anchor="ctr"/>
+            <a:p>
+              <a:pPr algn="ctr"/>
+              <a:endParaRPr lang="zh-CN" altLang="en-US"/>
+            </a:p>
+          </p:txBody>
+        </p:sp>
+        <p:sp>
+          <p:nvSpPr>
+            <p:cNvPr id="30" name="文本框 29"/>
+            <p:cNvSpPr txBox="1"/>
+            <p:nvPr/>
+          </p:nvSpPr>
+          <p:spPr>
+            <a:xfrm>
+              <a:off x="6048" y="3465"/>
+              <a:ext cx="2620" cy="580"/>
+            </a:xfrm>
+            <a:prstGeom prst="rect">
+              <a:avLst/>
+            </a:prstGeom>
+            <a:noFill/>
+          </p:spPr>
+          <p:txBody>
+            <a:bodyPr wrap="square" rtlCol="0">
+              <a:spAutoFit/>
+            </a:bodyPr>
+            <a:p>
+              <a:r>
+                <a:rPr lang="zh-CN" altLang="en-US"/>
+                <a:t>类别</a:t>
+              </a:r>
+              <a:r>
+                <a:rPr lang="en-US" altLang="zh-CN"/>
+                <a:t>1[</a:t>
+              </a:r>
+              <a:r>
+                <a:rPr lang="zh-CN" altLang="en-US"/>
+                <a:t>图片</a:t>
+              </a:r>
+              <a:r>
+                <a:rPr lang="en-US" altLang="zh-CN"/>
+                <a:t>]</a:t>
+              </a:r>
+              <a:endParaRPr lang="en-US" altLang="zh-CN"/>
+            </a:p>
+          </p:txBody>
+        </p:sp>
+      </p:grpSp>
+      <p:grpSp>
+        <p:nvGrpSpPr>
+          <p:cNvPr id="36" name="组合 35"/>
+          <p:cNvGrpSpPr/>
+          <p:nvPr/>
+        </p:nvGrpSpPr>
+        <p:grpSpPr>
+          <a:xfrm>
+            <a:off x="7888605" y="1800860"/>
+            <a:ext cx="2439670" cy="1167765"/>
+            <a:chOff x="4854" y="2835"/>
+            <a:chExt cx="3842" cy="1839"/>
+          </a:xfrm>
+        </p:grpSpPr>
+        <p:sp>
+          <p:nvSpPr>
+            <p:cNvPr id="37" name="矩形 36"/>
+            <p:cNvSpPr/>
+            <p:nvPr/>
+          </p:nvSpPr>
+          <p:spPr>
+            <a:xfrm>
+              <a:off x="4854" y="2835"/>
+              <a:ext cx="3842" cy="1839"/>
+            </a:xfrm>
+            <a:prstGeom prst="rect">
+              <a:avLst/>
+            </a:prstGeom>
+            <a:noFill/>
+          </p:spPr>
+          <p:style>
+            <a:lnRef idx="2">
+              <a:schemeClr val="accent1">
+                <a:lumMod val="75000"/>
+              </a:schemeClr>
+            </a:lnRef>
+            <a:fillRef idx="1">
+              <a:schemeClr val="accent1"/>
+            </a:fillRef>
+            <a:effectRef idx="0">
+              <a:srgbClr val="FFFFFF"/>
+            </a:effectRef>
+            <a:fontRef idx="minor">
+              <a:schemeClr val="lt1"/>
+            </a:fontRef>
+          </p:style>
+          <p:txBody>
+            <a:bodyPr rtlCol="0" anchor="ctr"/>
+            <a:p>
+              <a:pPr algn="ctr"/>
+              <a:endParaRPr lang="zh-CN" altLang="en-US"/>
+            </a:p>
+          </p:txBody>
+        </p:sp>
+        <p:sp>
+          <p:nvSpPr>
+            <p:cNvPr id="38" name="文本框 37"/>
+            <p:cNvSpPr txBox="1"/>
+            <p:nvPr/>
+          </p:nvSpPr>
+          <p:spPr>
+            <a:xfrm>
+              <a:off x="6048" y="3465"/>
+              <a:ext cx="1659" cy="580"/>
+            </a:xfrm>
+            <a:prstGeom prst="rect">
+              <a:avLst/>
+            </a:prstGeom>
+            <a:noFill/>
+          </p:spPr>
+          <p:txBody>
+            <a:bodyPr wrap="square" rtlCol="0">
+              <a:spAutoFit/>
+            </a:bodyPr>
+            <a:p>
+              <a:r>
+                <a:rPr lang="zh-CN" altLang="en-US"/>
+                <a:t>类别</a:t>
+              </a:r>
+              <a:r>
+                <a:rPr lang="en-US" altLang="zh-CN"/>
+                <a:t>2</a:t>
+              </a:r>
+              <a:endParaRPr lang="en-US" altLang="zh-CN"/>
+            </a:p>
+          </p:txBody>
+        </p:sp>
+      </p:grpSp>
+      <p:grpSp>
+        <p:nvGrpSpPr>
+          <p:cNvPr id="39" name="组合 38"/>
+          <p:cNvGrpSpPr/>
+          <p:nvPr/>
+        </p:nvGrpSpPr>
+        <p:grpSpPr>
+          <a:xfrm>
+            <a:off x="3065145" y="3429000"/>
+            <a:ext cx="2439670" cy="1167765"/>
+            <a:chOff x="4854" y="2835"/>
+            <a:chExt cx="3842" cy="1839"/>
+          </a:xfrm>
+        </p:grpSpPr>
+        <p:sp>
+          <p:nvSpPr>
+            <p:cNvPr id="40" name="矩形 39"/>
+            <p:cNvSpPr/>
+            <p:nvPr/>
+          </p:nvSpPr>
+          <p:spPr>
+            <a:xfrm>
+              <a:off x="4854" y="2835"/>
+              <a:ext cx="3842" cy="1839"/>
+            </a:xfrm>
+            <a:prstGeom prst="rect">
+              <a:avLst/>
+            </a:prstGeom>
+            <a:noFill/>
+          </p:spPr>
+          <p:style>
+            <a:lnRef idx="2">
+              <a:schemeClr val="accent1">
+                <a:lumMod val="75000"/>
+              </a:schemeClr>
+            </a:lnRef>
+            <a:fillRef idx="1">
+              <a:schemeClr val="accent1"/>
+            </a:fillRef>
+            <a:effectRef idx="0">
+              <a:srgbClr val="FFFFFF"/>
+            </a:effectRef>
+            <a:fontRef idx="minor">
+              <a:schemeClr val="lt1"/>
+            </a:fontRef>
+          </p:style>
+          <p:txBody>
+            <a:bodyPr rtlCol="0" anchor="ctr"/>
+            <a:p>
+              <a:pPr algn="ctr"/>
+              <a:endParaRPr lang="zh-CN" altLang="en-US"/>
+            </a:p>
+          </p:txBody>
+        </p:sp>
+        <p:sp>
+          <p:nvSpPr>
+            <p:cNvPr id="41" name="文本框 40"/>
+            <p:cNvSpPr txBox="1"/>
+            <p:nvPr/>
+          </p:nvSpPr>
+          <p:spPr>
+            <a:xfrm>
+              <a:off x="6048" y="3465"/>
+              <a:ext cx="1659" cy="580"/>
+            </a:xfrm>
+            <a:prstGeom prst="rect">
+              <a:avLst/>
+            </a:prstGeom>
+            <a:noFill/>
+          </p:spPr>
+          <p:txBody>
+            <a:bodyPr wrap="square" rtlCol="0">
+              <a:spAutoFit/>
+            </a:bodyPr>
+            <a:p>
+              <a:r>
+                <a:rPr lang="zh-CN" altLang="en-US"/>
+                <a:t>类别</a:t>
+              </a:r>
+              <a:r>
+                <a:rPr lang="en-US" altLang="zh-CN"/>
+                <a:t>3</a:t>
+              </a:r>
+              <a:endParaRPr lang="en-US" altLang="zh-CN"/>
+            </a:p>
+          </p:txBody>
+        </p:sp>
+      </p:grpSp>
+      <p:grpSp>
+        <p:nvGrpSpPr>
+          <p:cNvPr id="42" name="组合 41"/>
+          <p:cNvGrpSpPr/>
+          <p:nvPr/>
+        </p:nvGrpSpPr>
+        <p:grpSpPr>
+          <a:xfrm>
+            <a:off x="7871460" y="3429635"/>
+            <a:ext cx="2439670" cy="1167765"/>
+            <a:chOff x="4854" y="2835"/>
+            <a:chExt cx="3842" cy="1839"/>
+          </a:xfrm>
+        </p:grpSpPr>
+        <p:sp>
+          <p:nvSpPr>
+            <p:cNvPr id="43" name="矩形 42"/>
+            <p:cNvSpPr/>
+            <p:nvPr/>
+          </p:nvSpPr>
+          <p:spPr>
+            <a:xfrm>
+              <a:off x="4854" y="2835"/>
+              <a:ext cx="3842" cy="1839"/>
+            </a:xfrm>
+            <a:prstGeom prst="rect">
+              <a:avLst/>
+            </a:prstGeom>
+            <a:noFill/>
+          </p:spPr>
+          <p:style>
+            <a:lnRef idx="2">
+              <a:schemeClr val="accent1">
+                <a:lumMod val="75000"/>
+              </a:schemeClr>
+            </a:lnRef>
+            <a:fillRef idx="1">
+              <a:schemeClr val="accent1"/>
+            </a:fillRef>
+            <a:effectRef idx="0">
+              <a:srgbClr val="FFFFFF"/>
+            </a:effectRef>
+            <a:fontRef idx="minor">
+              <a:schemeClr val="lt1"/>
+            </a:fontRef>
+          </p:style>
+          <p:txBody>
+            <a:bodyPr rtlCol="0" anchor="ctr"/>
+            <a:p>
+              <a:pPr algn="ctr"/>
+              <a:endParaRPr lang="zh-CN" altLang="en-US"/>
+            </a:p>
+          </p:txBody>
+        </p:sp>
+        <p:sp>
+          <p:nvSpPr>
+            <p:cNvPr id="44" name="文本框 43"/>
+            <p:cNvSpPr txBox="1"/>
+            <p:nvPr/>
+          </p:nvSpPr>
+          <p:spPr>
+            <a:xfrm>
+              <a:off x="6048" y="3465"/>
+              <a:ext cx="1659" cy="580"/>
+            </a:xfrm>
+            <a:prstGeom prst="rect">
+              <a:avLst/>
+            </a:prstGeom>
+            <a:noFill/>
+          </p:spPr>
+          <p:txBody>
+            <a:bodyPr wrap="square" rtlCol="0">
+              <a:spAutoFit/>
+            </a:bodyPr>
+            <a:p>
+              <a:r>
+                <a:rPr lang="zh-CN" altLang="en-US"/>
+                <a:t>类别</a:t>
+              </a:r>
+              <a:r>
+                <a:rPr lang="en-US" altLang="zh-CN"/>
+                <a:t>4</a:t>
+              </a:r>
+              <a:endParaRPr lang="en-US" altLang="zh-CN"/>
+            </a:p>
+          </p:txBody>
+        </p:sp>
+      </p:grpSp>
+      <p:sp>
+        <p:nvSpPr>
+          <p:cNvPr id="45" name="文本框 44"/>
+          <p:cNvSpPr txBox="1"/>
+          <p:nvPr/>
+        </p:nvSpPr>
+        <p:spPr>
+          <a:xfrm>
+            <a:off x="3686810" y="2568575"/>
+            <a:ext cx="1333500" cy="306705"/>
+          </a:xfrm>
+          <a:prstGeom prst="rect">
+            <a:avLst/>
+          </a:prstGeom>
+          <a:noFill/>
+        </p:spPr>
+        <p:txBody>
+          <a:bodyPr wrap="square" rtlCol="0">
+            <a:spAutoFit/>
+          </a:bodyPr>
+          <a:p>
+            <a:r>
+              <a:rPr lang="en-US" altLang="zh-CN" sz="1400"/>
+              <a:t>[</a:t>
+            </a:r>
+            <a:r>
+              <a:rPr lang="zh-CN" altLang="en-US" sz="1400"/>
+              <a:t>文字介绍</a:t>
+            </a:r>
+            <a:r>
+              <a:rPr lang="en-US" altLang="zh-CN" sz="1400"/>
+              <a:t>]</a:t>
+            </a:r>
+            <a:endParaRPr lang="en-US" altLang="zh-CN" sz="1400"/>
+          </a:p>
+        </p:txBody>
+      </p:sp>
+    </p:spTree>
+  </p:cSld>
+  <p:clrMapOvr>
+    <a:masterClrMapping/>
+  </p:clrMapOvr>
+</p:sld>
+</file>
+
+<file path=ppt/slides/slide12.xml><?xml version="1.0" encoding="utf-8"?>
+<p:sld xmlns:a="http://schemas.openxmlformats.org/drawingml/2006/main" xmlns:r="http://schemas.openxmlformats.org/officeDocument/2006/relationships" xmlns:p="http://schemas.openxmlformats.org/presentationml/2006/main">
+  <p:cSld>
+    <p:spTree>
+      <p:nvGrpSpPr>
+        <p:cNvPr id="1" name=""/>
+        <p:cNvGrpSpPr/>
+        <p:nvPr/>
+      </p:nvGrpSpPr>
+      <p:grpSpPr/>
+      <p:sp>
+        <p:nvSpPr>
+          <p:cNvPr id="5" name="文本框 4"/>
+          <p:cNvSpPr txBox="1"/>
+          <p:nvPr/>
+        </p:nvSpPr>
+        <p:spPr>
+          <a:xfrm>
+            <a:off x="351790" y="319405"/>
+            <a:ext cx="4064000" cy="706755"/>
+          </a:xfrm>
+          <a:prstGeom prst="rect">
+            <a:avLst/>
+          </a:prstGeom>
+          <a:noFill/>
+        </p:spPr>
+        <p:txBody>
+          <a:bodyPr wrap="square" rtlCol="0">
+            <a:spAutoFit/>
+          </a:bodyPr>
+          <a:p>
+            <a:r>
+              <a:rPr lang="en-US" altLang="zh-CN" sz="4000"/>
+              <a:t>4.2 </a:t>
+            </a:r>
+            <a:r>
+              <a:rPr lang="zh-CN" altLang="en-US" sz="4000"/>
+              <a:t>展品</a:t>
+            </a:r>
+            <a:r>
+              <a:rPr lang="zh-CN" altLang="en-US" sz="4000"/>
+              <a:t>选择</a:t>
+            </a:r>
+            <a:endParaRPr lang="zh-CN" altLang="en-US" sz="4000"/>
+          </a:p>
+        </p:txBody>
+      </p:sp>
+      <p:sp>
+        <p:nvSpPr>
+          <p:cNvPr id="6" name="矩形 5"/>
+          <p:cNvSpPr/>
+          <p:nvPr/>
+        </p:nvSpPr>
+        <p:spPr>
+          <a:xfrm>
+            <a:off x="2821940" y="24765"/>
+            <a:ext cx="8985885" cy="6689090"/>
+          </a:xfrm>
+          <a:prstGeom prst="rect">
+            <a:avLst/>
+          </a:prstGeom>
+          <a:noFill/>
+          <a:ln>
+            <a:solidFill>
+              <a:schemeClr val="tx1"/>
+            </a:solidFill>
+          </a:ln>
+        </p:spPr>
+        <p:style>
+          <a:lnRef idx="2">
+            <a:schemeClr val="accent1">
+              <a:lumMod val="75000"/>
+            </a:schemeClr>
+          </a:lnRef>
+          <a:fillRef idx="1">
+            <a:schemeClr val="accent1"/>
+          </a:fillRef>
+          <a:effectRef idx="0">
+            <a:srgbClr val="FFFFFF"/>
+          </a:effectRef>
+          <a:fontRef idx="minor">
+            <a:schemeClr val="lt1"/>
+          </a:fontRef>
+        </p:style>
+        <p:txBody>
+          <a:bodyPr rtlCol="0" anchor="ctr"/>
+          <a:p>
+            <a:pPr algn="ctr"/>
+            <a:endParaRPr lang="zh-CN" altLang="en-US"/>
+          </a:p>
+        </p:txBody>
+      </p:sp>
+      <p:sp>
+        <p:nvSpPr>
+          <p:cNvPr id="7" name="矩形 6"/>
+          <p:cNvSpPr/>
+          <p:nvPr/>
+        </p:nvSpPr>
+        <p:spPr>
+          <a:xfrm>
+            <a:off x="2875915" y="83185"/>
+            <a:ext cx="8817610" cy="562610"/>
+          </a:xfrm>
+          <a:prstGeom prst="rect">
+            <a:avLst/>
+          </a:prstGeom>
+          <a:noFill/>
+        </p:spPr>
+        <p:style>
+          <a:lnRef idx="2">
+            <a:schemeClr val="accent1">
+              <a:lumMod val="75000"/>
+            </a:schemeClr>
+          </a:lnRef>
+          <a:fillRef idx="1">
+            <a:schemeClr val="accent1"/>
+          </a:fillRef>
+          <a:effectRef idx="0">
+            <a:srgbClr val="FFFFFF"/>
+          </a:effectRef>
+          <a:fontRef idx="minor">
+            <a:schemeClr val="lt1"/>
+          </a:fontRef>
+        </p:style>
+        <p:txBody>
+          <a:bodyPr rtlCol="0" anchor="ctr"/>
+          <a:p>
+            <a:pPr algn="ctr"/>
+            <a:endParaRPr lang="zh-CN" altLang="en-US"/>
+          </a:p>
+        </p:txBody>
+      </p:sp>
+      <p:sp>
+        <p:nvSpPr>
+          <p:cNvPr id="8" name="文本框 7"/>
+          <p:cNvSpPr txBox="1"/>
+          <p:nvPr/>
+        </p:nvSpPr>
+        <p:spPr>
+          <a:xfrm>
+            <a:off x="9465310" y="277495"/>
+            <a:ext cx="2394585" cy="368300"/>
+          </a:xfrm>
+          <a:prstGeom prst="rect">
+            <a:avLst/>
+          </a:prstGeom>
+          <a:noFill/>
+        </p:spPr>
+        <p:txBody>
+          <a:bodyPr wrap="square" rtlCol="0">
+            <a:spAutoFit/>
+          </a:bodyPr>
+          <a:p>
+            <a:r>
+              <a:rPr lang="zh-CN" altLang="en-US"/>
+              <a:t>注册</a:t>
+            </a:r>
+            <a:r>
+              <a:rPr lang="en-US" altLang="zh-CN"/>
+              <a:t>/</a:t>
+            </a:r>
+            <a:r>
+              <a:rPr lang="zh-CN" altLang="en-US"/>
+              <a:t>登录</a:t>
+            </a:r>
+            <a:r>
+              <a:rPr lang="en-US" altLang="zh-CN"/>
+              <a:t>/</a:t>
+            </a:r>
+            <a:r>
+              <a:rPr lang="zh-CN" altLang="en-US"/>
+              <a:t>个人</a:t>
+            </a:r>
+            <a:r>
+              <a:rPr lang="zh-CN" altLang="en-US"/>
+              <a:t>头像</a:t>
+            </a:r>
+            <a:endParaRPr lang="zh-CN" altLang="en-US"/>
+          </a:p>
+        </p:txBody>
+      </p:sp>
+      <p:sp>
+        <p:nvSpPr>
+          <p:cNvPr id="9" name="文本框 8"/>
+          <p:cNvSpPr txBox="1"/>
+          <p:nvPr/>
+        </p:nvSpPr>
+        <p:spPr>
+          <a:xfrm>
+            <a:off x="2821940" y="277495"/>
+            <a:ext cx="864870" cy="368300"/>
+          </a:xfrm>
+          <a:prstGeom prst="rect">
+            <a:avLst/>
+          </a:prstGeom>
+          <a:noFill/>
+        </p:spPr>
+        <p:txBody>
+          <a:bodyPr wrap="square" rtlCol="0">
+            <a:spAutoFit/>
+          </a:bodyPr>
+          <a:p>
+            <a:r>
+              <a:rPr lang="zh-CN" altLang="en-US"/>
+              <a:t>首页</a:t>
+            </a:r>
+            <a:endParaRPr lang="zh-CN" altLang="en-US"/>
+          </a:p>
+        </p:txBody>
+      </p:sp>
+      <p:sp>
+        <p:nvSpPr>
+          <p:cNvPr id="10" name="文本框 9"/>
+          <p:cNvSpPr txBox="1"/>
+          <p:nvPr/>
+        </p:nvSpPr>
+        <p:spPr>
+          <a:xfrm>
+            <a:off x="3948430" y="277495"/>
+            <a:ext cx="4064000" cy="368300"/>
+          </a:xfrm>
+          <a:prstGeom prst="rect">
+            <a:avLst/>
+          </a:prstGeom>
+          <a:noFill/>
+        </p:spPr>
+        <p:txBody>
+          <a:bodyPr wrap="square" rtlCol="0">
+            <a:spAutoFit/>
+          </a:bodyPr>
+          <a:p>
+            <a:r>
+              <a:rPr lang="zh-CN" altLang="en-US">
+                <a:sym typeface="+mn-ea"/>
+              </a:rPr>
+              <a:t>概况</a:t>
+            </a:r>
+            <a:endParaRPr lang="zh-CN" altLang="en-US"/>
+          </a:p>
+        </p:txBody>
+      </p:sp>
+      <p:sp>
+        <p:nvSpPr>
+          <p:cNvPr id="11" name="文本框 10"/>
+          <p:cNvSpPr txBox="1"/>
+          <p:nvPr/>
+        </p:nvSpPr>
+        <p:spPr>
+          <a:xfrm>
+            <a:off x="5270500" y="277495"/>
+            <a:ext cx="4064000" cy="368300"/>
+          </a:xfrm>
+          <a:prstGeom prst="rect">
+            <a:avLst/>
+          </a:prstGeom>
+          <a:noFill/>
+        </p:spPr>
+        <p:txBody>
+          <a:bodyPr wrap="square" rtlCol="0">
+            <a:spAutoFit/>
+          </a:bodyPr>
+          <a:p>
+            <a:r>
+              <a:rPr lang="en-US" altLang="zh-CN"/>
+              <a:t>...	</a:t>
+            </a:r>
+            <a:r>
+              <a:rPr lang="zh-CN" altLang="en-US">
+                <a:highlight>
+                  <a:srgbClr val="FFFF00"/>
+                </a:highlight>
+              </a:rPr>
+              <a:t>馆藏展品</a:t>
+            </a:r>
+            <a:endParaRPr lang="zh-CN" altLang="en-US">
+              <a:highlight>
+                <a:srgbClr val="FFFF00"/>
+              </a:highlight>
+            </a:endParaRPr>
+          </a:p>
+        </p:txBody>
+      </p:sp>
+      <p:sp>
+        <p:nvSpPr>
+          <p:cNvPr id="12" name="矩形 11"/>
+          <p:cNvSpPr/>
+          <p:nvPr/>
+        </p:nvSpPr>
+        <p:spPr>
+          <a:xfrm>
+            <a:off x="2927985" y="1179195"/>
+            <a:ext cx="8696325" cy="4169410"/>
+          </a:xfrm>
+          <a:prstGeom prst="rect">
+            <a:avLst/>
+          </a:prstGeom>
+          <a:noFill/>
+        </p:spPr>
+        <p:style>
+          <a:lnRef idx="2">
+            <a:schemeClr val="accent1">
+              <a:lumMod val="75000"/>
+            </a:schemeClr>
+          </a:lnRef>
+          <a:fillRef idx="1">
+            <a:schemeClr val="accent1"/>
+          </a:fillRef>
+          <a:effectRef idx="0">
+            <a:srgbClr val="FFFFFF"/>
+          </a:effectRef>
+          <a:fontRef idx="minor">
+            <a:schemeClr val="lt1"/>
+          </a:fontRef>
+        </p:style>
+        <p:txBody>
+          <a:bodyPr rtlCol="0" anchor="ctr"/>
+          <a:p>
+            <a:pPr algn="ctr"/>
+            <a:endParaRPr lang="zh-CN" altLang="en-US"/>
+          </a:p>
+        </p:txBody>
+      </p:sp>
+      <p:sp>
+        <p:nvSpPr>
+          <p:cNvPr id="18" name="矩形 17"/>
+          <p:cNvSpPr/>
+          <p:nvPr/>
+        </p:nvSpPr>
+        <p:spPr>
+          <a:xfrm>
+            <a:off x="2997200" y="5859780"/>
+            <a:ext cx="8696325" cy="591185"/>
+          </a:xfrm>
+          <a:prstGeom prst="rect">
+            <a:avLst/>
+          </a:prstGeom>
+          <a:noFill/>
+        </p:spPr>
+        <p:style>
+          <a:lnRef idx="2">
+            <a:schemeClr val="accent1">
+              <a:lumMod val="75000"/>
+            </a:schemeClr>
+          </a:lnRef>
+          <a:fillRef idx="1">
+            <a:schemeClr val="accent1"/>
+          </a:fillRef>
+          <a:effectRef idx="0">
+            <a:srgbClr val="FFFFFF"/>
+          </a:effectRef>
+          <a:fontRef idx="minor">
+            <a:schemeClr val="lt1"/>
+          </a:fontRef>
+        </p:style>
+        <p:txBody>
+          <a:bodyPr rtlCol="0" anchor="ctr"/>
+          <a:p>
+            <a:pPr algn="ctr"/>
+            <a:endParaRPr lang="zh-CN" altLang="en-US"/>
+          </a:p>
+        </p:txBody>
+      </p:sp>
+      <p:sp>
+        <p:nvSpPr>
+          <p:cNvPr id="19" name="文本框 18"/>
+          <p:cNvSpPr txBox="1"/>
+          <p:nvPr/>
+        </p:nvSpPr>
+        <p:spPr>
+          <a:xfrm>
+            <a:off x="3209290" y="5932805"/>
+            <a:ext cx="4507230" cy="368300"/>
+          </a:xfrm>
+          <a:prstGeom prst="rect">
+            <a:avLst/>
+          </a:prstGeom>
+          <a:noFill/>
+        </p:spPr>
+        <p:txBody>
+          <a:bodyPr wrap="square" rtlCol="0">
+            <a:spAutoFit/>
+          </a:bodyPr>
+          <a:p>
+            <a:r>
+              <a:rPr lang="zh-CN" altLang="en-US"/>
+              <a:t>备案号</a:t>
+            </a:r>
+            <a:r>
+              <a:rPr lang="en-US" altLang="zh-CN"/>
+              <a:t>	</a:t>
+            </a:r>
+            <a:r>
+              <a:rPr lang="zh-CN" altLang="en-US"/>
+              <a:t>友情链接</a:t>
+            </a:r>
+            <a:r>
+              <a:rPr lang="en-US" altLang="zh-CN"/>
+              <a:t>	</a:t>
+            </a:r>
+            <a:r>
+              <a:rPr lang="zh-CN" altLang="en-US"/>
+              <a:t>联系我们：</a:t>
+            </a:r>
+            <a:r>
+              <a:rPr lang="en-US" altLang="zh-CN"/>
+              <a:t>XXX</a:t>
+            </a:r>
+            <a:endParaRPr lang="en-US" altLang="zh-CN"/>
+          </a:p>
+        </p:txBody>
+      </p:sp>
+      <p:sp>
+        <p:nvSpPr>
+          <p:cNvPr id="2" name="文本框 1"/>
+          <p:cNvSpPr txBox="1"/>
+          <p:nvPr/>
+        </p:nvSpPr>
+        <p:spPr>
+          <a:xfrm>
+            <a:off x="8295640" y="5932805"/>
+            <a:ext cx="4064000" cy="368300"/>
+          </a:xfrm>
+          <a:prstGeom prst="rect">
+            <a:avLst/>
+          </a:prstGeom>
+          <a:noFill/>
+        </p:spPr>
+        <p:txBody>
+          <a:bodyPr wrap="square" rtlCol="0">
+            <a:spAutoFit/>
+          </a:bodyPr>
+          <a:p>
+            <a:r>
+              <a:rPr lang="zh-CN" altLang="en-US"/>
+              <a:t>地址</a:t>
+            </a:r>
+            <a:endParaRPr lang="zh-CN" altLang="en-US"/>
+          </a:p>
+        </p:txBody>
+      </p:sp>
+      <p:sp>
+        <p:nvSpPr>
+          <p:cNvPr id="31" name="矩形 30"/>
+          <p:cNvSpPr/>
+          <p:nvPr/>
+        </p:nvSpPr>
+        <p:spPr>
+          <a:xfrm>
+            <a:off x="6564630" y="1305560"/>
+            <a:ext cx="3302000" cy="367665"/>
+          </a:xfrm>
+          <a:prstGeom prst="rect">
+            <a:avLst/>
+          </a:prstGeom>
+          <a:noFill/>
+        </p:spPr>
+        <p:style>
+          <a:lnRef idx="2">
+            <a:schemeClr val="accent1">
+              <a:lumMod val="75000"/>
+            </a:schemeClr>
+          </a:lnRef>
+          <a:fillRef idx="1">
+            <a:schemeClr val="accent1"/>
+          </a:fillRef>
+          <a:effectRef idx="0">
+            <a:srgbClr val="FFFFFF"/>
+          </a:effectRef>
+          <a:fontRef idx="minor">
+            <a:schemeClr val="lt1"/>
+          </a:fontRef>
+        </p:style>
+        <p:txBody>
+          <a:bodyPr rtlCol="0" anchor="ctr"/>
+          <a:p>
+            <a:pPr algn="ctr"/>
+            <a:endParaRPr lang="zh-CN" altLang="en-US"/>
+          </a:p>
+        </p:txBody>
+      </p:sp>
+      <p:sp>
+        <p:nvSpPr>
+          <p:cNvPr id="33" name="文本框 32"/>
+          <p:cNvSpPr txBox="1"/>
+          <p:nvPr/>
+        </p:nvSpPr>
+        <p:spPr>
+          <a:xfrm>
+            <a:off x="6691630" y="1330960"/>
+            <a:ext cx="2795270" cy="368300"/>
           </a:xfrm>
           <a:prstGeom prst="rect">
             <a:avLst/>
@@ -5438,8 +6494,8 @@
         </p:nvGrpSpPr>
         <p:grpSpPr>
           <a:xfrm>
-            <a:off x="7888605" y="1800860"/>
-            <a:ext cx="2439670" cy="1167765"/>
+            <a:off x="6059805" y="1908810"/>
+            <a:ext cx="2439670" cy="1237615"/>
             <a:chOff x="4854" y="2835"/>
             <a:chExt cx="3842" cy="1839"/>
           </a:xfrm>
@@ -5493,7 +6549,7 @@
           <p:spPr>
             <a:xfrm>
               <a:off x="6048" y="3465"/>
-              <a:ext cx="1659" cy="580"/>
+              <a:ext cx="1659" cy="547"/>
             </a:xfrm>
             <a:prstGeom prst="rect">
               <a:avLst/>
@@ -5526,7 +6582,7 @@
         </p:nvGrpSpPr>
         <p:grpSpPr>
           <a:xfrm>
-            <a:off x="3065145" y="3429000"/>
+            <a:off x="8707120" y="1862455"/>
             <a:ext cx="2439670" cy="1167765"/>
             <a:chOff x="4854" y="2835"/>
             <a:chExt cx="3842" cy="1839"/>
@@ -5614,7 +6670,7 @@
         </p:nvGrpSpPr>
         <p:grpSpPr>
           <a:xfrm>
-            <a:off x="7871460" y="3429635"/>
+            <a:off x="3082290" y="3429635"/>
             <a:ext cx="2439670" cy="1167765"/>
             <a:chOff x="4854" y="2835"/>
             <a:chExt cx="3842" cy="1839"/>
@@ -5731,6 +6787,354 @@
           </a:p>
         </p:txBody>
       </p:sp>
+      <p:grpSp>
+        <p:nvGrpSpPr>
+          <p:cNvPr id="3" name="组合 2"/>
+          <p:cNvGrpSpPr/>
+          <p:nvPr/>
+        </p:nvGrpSpPr>
+        <p:grpSpPr>
+          <a:xfrm>
+            <a:off x="10090150" y="1270014"/>
+            <a:ext cx="899160" cy="368541"/>
+            <a:chOff x="12298" y="2286"/>
+            <a:chExt cx="4437" cy="1099"/>
+          </a:xfrm>
+        </p:grpSpPr>
+        <p:sp>
+          <p:nvSpPr>
+            <p:cNvPr id="14" name="矩形 13"/>
+            <p:cNvSpPr/>
+            <p:nvPr/>
+          </p:nvSpPr>
+          <p:spPr>
+            <a:xfrm>
+              <a:off x="12298" y="2392"/>
+              <a:ext cx="4437" cy="993"/>
+            </a:xfrm>
+            <a:prstGeom prst="rect">
+              <a:avLst/>
+            </a:prstGeom>
+            <a:noFill/>
+          </p:spPr>
+          <p:style>
+            <a:lnRef idx="2">
+              <a:schemeClr val="accent1">
+                <a:lumMod val="75000"/>
+              </a:schemeClr>
+            </a:lnRef>
+            <a:fillRef idx="1">
+              <a:schemeClr val="accent1"/>
+            </a:fillRef>
+            <a:effectRef idx="0">
+              <a:srgbClr val="FFFFFF"/>
+            </a:effectRef>
+            <a:fontRef idx="minor">
+              <a:schemeClr val="lt1"/>
+            </a:fontRef>
+          </p:style>
+          <p:txBody>
+            <a:bodyPr rtlCol="0" anchor="ctr"/>
+            <a:p>
+              <a:pPr algn="ctr"/>
+              <a:endParaRPr lang="zh-CN" altLang="en-US"/>
+            </a:p>
+          </p:txBody>
+        </p:sp>
+        <p:sp>
+          <p:nvSpPr>
+            <p:cNvPr id="15" name="文本框 14"/>
+            <p:cNvSpPr txBox="1"/>
+            <p:nvPr/>
+          </p:nvSpPr>
+          <p:spPr>
+            <a:xfrm>
+              <a:off x="12298" y="2286"/>
+              <a:ext cx="4238" cy="1098"/>
+            </a:xfrm>
+            <a:prstGeom prst="rect">
+              <a:avLst/>
+            </a:prstGeom>
+            <a:noFill/>
+          </p:spPr>
+          <p:txBody>
+            <a:bodyPr wrap="square" rtlCol="0">
+              <a:spAutoFit/>
+            </a:bodyPr>
+            <a:p>
+              <a:r>
+                <a:rPr lang="zh-CN" altLang="en-US"/>
+                <a:t>搜索</a:t>
+              </a:r>
+              <a:endParaRPr lang="zh-CN" altLang="en-US"/>
+            </a:p>
+          </p:txBody>
+        </p:sp>
+      </p:grpSp>
+      <p:grpSp>
+        <p:nvGrpSpPr>
+          <p:cNvPr id="16" name="组合 15"/>
+          <p:cNvGrpSpPr/>
+          <p:nvPr/>
+        </p:nvGrpSpPr>
+        <p:grpSpPr>
+          <a:xfrm>
+            <a:off x="4095506" y="1231900"/>
+            <a:ext cx="2263717" cy="481330"/>
+            <a:chOff x="9234" y="2392"/>
+            <a:chExt cx="7500" cy="993"/>
+          </a:xfrm>
+        </p:grpSpPr>
+        <p:sp>
+          <p:nvSpPr>
+            <p:cNvPr id="17" name="矩形 16"/>
+            <p:cNvSpPr/>
+            <p:nvPr/>
+          </p:nvSpPr>
+          <p:spPr>
+            <a:xfrm>
+              <a:off x="9234" y="2392"/>
+              <a:ext cx="7500" cy="993"/>
+            </a:xfrm>
+            <a:prstGeom prst="rect">
+              <a:avLst/>
+            </a:prstGeom>
+            <a:noFill/>
+          </p:spPr>
+          <p:style>
+            <a:lnRef idx="2">
+              <a:schemeClr val="accent1">
+                <a:lumMod val="75000"/>
+              </a:schemeClr>
+            </a:lnRef>
+            <a:fillRef idx="1">
+              <a:schemeClr val="accent1"/>
+            </a:fillRef>
+            <a:effectRef idx="0">
+              <a:srgbClr val="FFFFFF"/>
+            </a:effectRef>
+            <a:fontRef idx="minor">
+              <a:schemeClr val="lt1"/>
+            </a:fontRef>
+          </p:style>
+          <p:txBody>
+            <a:bodyPr rtlCol="0" anchor="ctr"/>
+            <a:p>
+              <a:pPr algn="ctr"/>
+              <a:endParaRPr lang="zh-CN" altLang="en-US"/>
+            </a:p>
+          </p:txBody>
+        </p:sp>
+        <p:sp>
+          <p:nvSpPr>
+            <p:cNvPr id="20" name="文本框 19"/>
+            <p:cNvSpPr txBox="1"/>
+            <p:nvPr/>
+          </p:nvSpPr>
+          <p:spPr>
+            <a:xfrm>
+              <a:off x="9348" y="2596"/>
+              <a:ext cx="7187" cy="760"/>
+            </a:xfrm>
+            <a:prstGeom prst="rect">
+              <a:avLst/>
+            </a:prstGeom>
+            <a:noFill/>
+          </p:spPr>
+          <p:txBody>
+            <a:bodyPr wrap="square" rtlCol="0">
+              <a:spAutoFit/>
+            </a:bodyPr>
+            <a:p>
+              <a:r>
+                <a:rPr lang="zh-CN" altLang="en-US"/>
+                <a:t>选择类别（</a:t>
+              </a:r>
+              <a:r>
+                <a:rPr lang="zh-CN" altLang="en-US"/>
+                <a:t>下拉框）</a:t>
+              </a:r>
+              <a:endParaRPr lang="zh-CN" altLang="en-US"/>
+            </a:p>
+          </p:txBody>
+        </p:sp>
+      </p:grpSp>
+      <p:grpSp>
+        <p:nvGrpSpPr>
+          <p:cNvPr id="21" name="组合 20"/>
+          <p:cNvGrpSpPr/>
+          <p:nvPr/>
+        </p:nvGrpSpPr>
+        <p:grpSpPr>
+          <a:xfrm>
+            <a:off x="6122035" y="3405505"/>
+            <a:ext cx="2439670" cy="1237615"/>
+            <a:chOff x="4854" y="2835"/>
+            <a:chExt cx="3842" cy="1839"/>
+          </a:xfrm>
+        </p:grpSpPr>
+        <p:sp>
+          <p:nvSpPr>
+            <p:cNvPr id="22" name="矩形 21"/>
+            <p:cNvSpPr/>
+            <p:nvPr/>
+          </p:nvSpPr>
+          <p:spPr>
+            <a:xfrm>
+              <a:off x="4854" y="2835"/>
+              <a:ext cx="3842" cy="1839"/>
+            </a:xfrm>
+            <a:prstGeom prst="rect">
+              <a:avLst/>
+            </a:prstGeom>
+            <a:noFill/>
+          </p:spPr>
+          <p:style>
+            <a:lnRef idx="2">
+              <a:schemeClr val="accent1">
+                <a:lumMod val="75000"/>
+              </a:schemeClr>
+            </a:lnRef>
+            <a:fillRef idx="1">
+              <a:schemeClr val="accent1"/>
+            </a:fillRef>
+            <a:effectRef idx="0">
+              <a:srgbClr val="FFFFFF"/>
+            </a:effectRef>
+            <a:fontRef idx="minor">
+              <a:schemeClr val="lt1"/>
+            </a:fontRef>
+          </p:style>
+          <p:txBody>
+            <a:bodyPr rtlCol="0" anchor="ctr"/>
+            <a:p>
+              <a:pPr algn="ctr"/>
+              <a:endParaRPr lang="zh-CN" altLang="en-US"/>
+            </a:p>
+          </p:txBody>
+        </p:sp>
+        <p:sp>
+          <p:nvSpPr>
+            <p:cNvPr id="23" name="文本框 22"/>
+            <p:cNvSpPr txBox="1"/>
+            <p:nvPr/>
+          </p:nvSpPr>
+          <p:spPr>
+            <a:xfrm>
+              <a:off x="6048" y="3465"/>
+              <a:ext cx="1659" cy="547"/>
+            </a:xfrm>
+            <a:prstGeom prst="rect">
+              <a:avLst/>
+            </a:prstGeom>
+            <a:noFill/>
+          </p:spPr>
+          <p:txBody>
+            <a:bodyPr wrap="square" rtlCol="0">
+              <a:spAutoFit/>
+            </a:bodyPr>
+            <a:p>
+              <a:r>
+                <a:rPr lang="zh-CN" altLang="en-US"/>
+                <a:t>展品</a:t>
+              </a:r>
+              <a:r>
+                <a:rPr lang="en-US" altLang="zh-CN"/>
+                <a:t>5</a:t>
+              </a:r>
+              <a:endParaRPr lang="en-US" altLang="zh-CN"/>
+            </a:p>
+          </p:txBody>
+        </p:sp>
+      </p:grpSp>
+      <p:grpSp>
+        <p:nvGrpSpPr>
+          <p:cNvPr id="46" name="组合 45"/>
+          <p:cNvGrpSpPr/>
+          <p:nvPr/>
+        </p:nvGrpSpPr>
+        <p:grpSpPr>
+          <a:xfrm>
+            <a:off x="8862695" y="3405505"/>
+            <a:ext cx="2439670" cy="1237615"/>
+            <a:chOff x="4854" y="2835"/>
+            <a:chExt cx="3842" cy="1839"/>
+          </a:xfrm>
+        </p:grpSpPr>
+        <p:sp>
+          <p:nvSpPr>
+            <p:cNvPr id="47" name="矩形 46"/>
+            <p:cNvSpPr/>
+            <p:nvPr/>
+          </p:nvSpPr>
+          <p:spPr>
+            <a:xfrm>
+              <a:off x="4854" y="2835"/>
+              <a:ext cx="3842" cy="1839"/>
+            </a:xfrm>
+            <a:prstGeom prst="rect">
+              <a:avLst/>
+            </a:prstGeom>
+            <a:noFill/>
+          </p:spPr>
+          <p:style>
+            <a:lnRef idx="2">
+              <a:schemeClr val="accent1">
+                <a:lumMod val="75000"/>
+              </a:schemeClr>
+            </a:lnRef>
+            <a:fillRef idx="1">
+              <a:schemeClr val="accent1"/>
+            </a:fillRef>
+            <a:effectRef idx="0">
+              <a:srgbClr val="FFFFFF"/>
+            </a:effectRef>
+            <a:fontRef idx="minor">
+              <a:schemeClr val="lt1"/>
+            </a:fontRef>
+          </p:style>
+          <p:txBody>
+            <a:bodyPr rtlCol="0" anchor="ctr"/>
+            <a:p>
+              <a:pPr algn="ctr"/>
+              <a:endParaRPr lang="zh-CN" altLang="en-US"/>
+            </a:p>
+          </p:txBody>
+        </p:sp>
+        <p:sp>
+          <p:nvSpPr>
+            <p:cNvPr id="48" name="文本框 47"/>
+            <p:cNvSpPr txBox="1"/>
+            <p:nvPr/>
+          </p:nvSpPr>
+          <p:spPr>
+            <a:xfrm>
+              <a:off x="6048" y="3465"/>
+              <a:ext cx="1659" cy="547"/>
+            </a:xfrm>
+            <a:prstGeom prst="rect">
+              <a:avLst/>
+            </a:prstGeom>
+            <a:noFill/>
+          </p:spPr>
+          <p:txBody>
+            <a:bodyPr wrap="square" rtlCol="0">
+              <a:spAutoFit/>
+            </a:bodyPr>
+            <a:p>
+              <a:r>
+                <a:rPr lang="zh-CN" altLang="en-US"/>
+                <a:t>展品</a:t>
+              </a:r>
+              <a:r>
+                <a:rPr lang="en-US" altLang="zh-CN"/>
+                <a:t>6</a:t>
+              </a:r>
+              <a:endParaRPr lang="en-US" altLang="zh-CN"/>
+            </a:p>
+          </p:txBody>
+        </p:sp>
+      </p:grpSp>
     </p:spTree>
   </p:cSld>
   <p:clrMapOvr>
@@ -5739,7 +7143,7 @@
 </p:sld>
 </file>
 
-<file path=ppt/slides/slide12.xml><?xml version="1.0" encoding="utf-8"?>
+<file path=ppt/slides/slide13.xml><?xml version="1.0" encoding="utf-8"?>
 <p:sld xmlns:a="http://schemas.openxmlformats.org/drawingml/2006/main" xmlns:r="http://schemas.openxmlformats.org/officeDocument/2006/relationships" xmlns:p="http://schemas.openxmlformats.org/presentationml/2006/main">
   <p:cSld>
     <p:spTree>
@@ -6427,7 +7831,7 @@
 </p:sld>
 </file>
 
-<file path=ppt/slides/slide13.xml><?xml version="1.0" encoding="utf-8"?>
+<file path=ppt/slides/slide14.xml><?xml version="1.0" encoding="utf-8"?>
 <p:sld xmlns:a="http://schemas.openxmlformats.org/drawingml/2006/main" xmlns:r="http://schemas.openxmlformats.org/officeDocument/2006/relationships" xmlns:p="http://schemas.openxmlformats.org/presentationml/2006/main">
   <p:cSld>
     <p:spTree>
@@ -6989,533 +8393,6 @@
           <a:xfrm>
             <a:off x="3239135" y="1438910"/>
             <a:ext cx="8063230" cy="1831340"/>
-          </a:xfrm>
-          <a:prstGeom prst="rect">
-            <a:avLst/>
-          </a:prstGeom>
-          <a:noFill/>
-        </p:spPr>
-        <p:style>
-          <a:lnRef idx="2">
-            <a:schemeClr val="accent1">
-              <a:lumMod val="75000"/>
-            </a:schemeClr>
-          </a:lnRef>
-          <a:fillRef idx="1">
-            <a:schemeClr val="accent1"/>
-          </a:fillRef>
-          <a:effectRef idx="0">
-            <a:srgbClr val="FFFFFF"/>
-          </a:effectRef>
-          <a:fontRef idx="minor">
-            <a:schemeClr val="lt1"/>
-          </a:fontRef>
-        </p:style>
-        <p:txBody>
-          <a:bodyPr rtlCol="0" anchor="ctr"/>
-          <a:p>
-            <a:pPr algn="ctr"/>
-            <a:endParaRPr lang="zh-CN" altLang="en-US"/>
-          </a:p>
-        </p:txBody>
-      </p:sp>
-    </p:spTree>
-  </p:cSld>
-  <p:clrMapOvr>
-    <a:masterClrMapping/>
-  </p:clrMapOvr>
-</p:sld>
-</file>
-
-<file path=ppt/slides/slide14.xml><?xml version="1.0" encoding="utf-8"?>
-<p:sld xmlns:a="http://schemas.openxmlformats.org/drawingml/2006/main" xmlns:r="http://schemas.openxmlformats.org/officeDocument/2006/relationships" xmlns:p="http://schemas.openxmlformats.org/presentationml/2006/main">
-  <p:cSld>
-    <p:spTree>
-      <p:nvGrpSpPr>
-        <p:cNvPr id="1" name=""/>
-        <p:cNvGrpSpPr/>
-        <p:nvPr/>
-      </p:nvGrpSpPr>
-      <p:grpSpPr/>
-      <p:sp>
-        <p:nvSpPr>
-          <p:cNvPr id="5" name="文本框 4"/>
-          <p:cNvSpPr txBox="1"/>
-          <p:nvPr/>
-        </p:nvSpPr>
-        <p:spPr>
-          <a:xfrm>
-            <a:off x="351790" y="319405"/>
-            <a:ext cx="4064000" cy="706755"/>
-          </a:xfrm>
-          <a:prstGeom prst="rect">
-            <a:avLst/>
-          </a:prstGeom>
-          <a:noFill/>
-        </p:spPr>
-        <p:txBody>
-          <a:bodyPr wrap="square" rtlCol="0">
-            <a:spAutoFit/>
-          </a:bodyPr>
-          <a:p>
-            <a:r>
-              <a:rPr lang="en-US" altLang="zh-CN" sz="4000"/>
-              <a:t>5.2 </a:t>
-            </a:r>
-            <a:r>
-              <a:rPr lang="zh-CN" altLang="en-US" sz="4000"/>
-              <a:t>用户</a:t>
-            </a:r>
-            <a:r>
-              <a:rPr lang="zh-CN" altLang="en-US" sz="4000"/>
-              <a:t>反馈</a:t>
-            </a:r>
-            <a:endParaRPr lang="zh-CN" altLang="en-US" sz="4000"/>
-          </a:p>
-        </p:txBody>
-      </p:sp>
-      <p:sp>
-        <p:nvSpPr>
-          <p:cNvPr id="6" name="矩形 5"/>
-          <p:cNvSpPr/>
-          <p:nvPr/>
-        </p:nvSpPr>
-        <p:spPr>
-          <a:xfrm>
-            <a:off x="2821940" y="24765"/>
-            <a:ext cx="8985885" cy="6689090"/>
-          </a:xfrm>
-          <a:prstGeom prst="rect">
-            <a:avLst/>
-          </a:prstGeom>
-          <a:noFill/>
-          <a:ln>
-            <a:solidFill>
-              <a:schemeClr val="tx1"/>
-            </a:solidFill>
-          </a:ln>
-        </p:spPr>
-        <p:style>
-          <a:lnRef idx="2">
-            <a:schemeClr val="accent1">
-              <a:lumMod val="75000"/>
-            </a:schemeClr>
-          </a:lnRef>
-          <a:fillRef idx="1">
-            <a:schemeClr val="accent1"/>
-          </a:fillRef>
-          <a:effectRef idx="0">
-            <a:srgbClr val="FFFFFF"/>
-          </a:effectRef>
-          <a:fontRef idx="minor">
-            <a:schemeClr val="lt1"/>
-          </a:fontRef>
-        </p:style>
-        <p:txBody>
-          <a:bodyPr rtlCol="0" anchor="ctr"/>
-          <a:p>
-            <a:pPr algn="ctr"/>
-            <a:endParaRPr lang="zh-CN" altLang="en-US"/>
-          </a:p>
-        </p:txBody>
-      </p:sp>
-      <p:sp>
-        <p:nvSpPr>
-          <p:cNvPr id="7" name="矩形 6"/>
-          <p:cNvSpPr/>
-          <p:nvPr/>
-        </p:nvSpPr>
-        <p:spPr>
-          <a:xfrm>
-            <a:off x="2875915" y="83185"/>
-            <a:ext cx="8817610" cy="562610"/>
-          </a:xfrm>
-          <a:prstGeom prst="rect">
-            <a:avLst/>
-          </a:prstGeom>
-          <a:noFill/>
-        </p:spPr>
-        <p:style>
-          <a:lnRef idx="2">
-            <a:schemeClr val="accent1">
-              <a:lumMod val="75000"/>
-            </a:schemeClr>
-          </a:lnRef>
-          <a:fillRef idx="1">
-            <a:schemeClr val="accent1"/>
-          </a:fillRef>
-          <a:effectRef idx="0">
-            <a:srgbClr val="FFFFFF"/>
-          </a:effectRef>
-          <a:fontRef idx="minor">
-            <a:schemeClr val="lt1"/>
-          </a:fontRef>
-        </p:style>
-        <p:txBody>
-          <a:bodyPr rtlCol="0" anchor="ctr"/>
-          <a:p>
-            <a:pPr algn="ctr"/>
-            <a:endParaRPr lang="zh-CN" altLang="en-US"/>
-          </a:p>
-        </p:txBody>
-      </p:sp>
-      <p:sp>
-        <p:nvSpPr>
-          <p:cNvPr id="8" name="文本框 7"/>
-          <p:cNvSpPr txBox="1"/>
-          <p:nvPr/>
-        </p:nvSpPr>
-        <p:spPr>
-          <a:xfrm>
-            <a:off x="9465310" y="277495"/>
-            <a:ext cx="2394585" cy="368300"/>
-          </a:xfrm>
-          <a:prstGeom prst="rect">
-            <a:avLst/>
-          </a:prstGeom>
-          <a:noFill/>
-        </p:spPr>
-        <p:txBody>
-          <a:bodyPr wrap="square" rtlCol="0">
-            <a:spAutoFit/>
-          </a:bodyPr>
-          <a:p>
-            <a:r>
-              <a:rPr lang="zh-CN" altLang="en-US"/>
-              <a:t>注册</a:t>
-            </a:r>
-            <a:r>
-              <a:rPr lang="en-US" altLang="zh-CN"/>
-              <a:t>/</a:t>
-            </a:r>
-            <a:r>
-              <a:rPr lang="zh-CN" altLang="en-US"/>
-              <a:t>登录</a:t>
-            </a:r>
-            <a:r>
-              <a:rPr lang="en-US" altLang="zh-CN"/>
-              <a:t>/</a:t>
-            </a:r>
-            <a:r>
-              <a:rPr lang="zh-CN" altLang="en-US"/>
-              <a:t>个人</a:t>
-            </a:r>
-            <a:r>
-              <a:rPr lang="zh-CN" altLang="en-US"/>
-              <a:t>头像</a:t>
-            </a:r>
-            <a:endParaRPr lang="zh-CN" altLang="en-US"/>
-          </a:p>
-        </p:txBody>
-      </p:sp>
-      <p:sp>
-        <p:nvSpPr>
-          <p:cNvPr id="9" name="文本框 8"/>
-          <p:cNvSpPr txBox="1"/>
-          <p:nvPr/>
-        </p:nvSpPr>
-        <p:spPr>
-          <a:xfrm>
-            <a:off x="2821940" y="277495"/>
-            <a:ext cx="864870" cy="368300"/>
-          </a:xfrm>
-          <a:prstGeom prst="rect">
-            <a:avLst/>
-          </a:prstGeom>
-          <a:noFill/>
-        </p:spPr>
-        <p:txBody>
-          <a:bodyPr wrap="square" rtlCol="0">
-            <a:spAutoFit/>
-          </a:bodyPr>
-          <a:p>
-            <a:r>
-              <a:rPr lang="zh-CN" altLang="en-US"/>
-              <a:t>首页</a:t>
-            </a:r>
-            <a:endParaRPr lang="zh-CN" altLang="en-US"/>
-          </a:p>
-        </p:txBody>
-      </p:sp>
-      <p:sp>
-        <p:nvSpPr>
-          <p:cNvPr id="10" name="文本框 9"/>
-          <p:cNvSpPr txBox="1"/>
-          <p:nvPr/>
-        </p:nvSpPr>
-        <p:spPr>
-          <a:xfrm>
-            <a:off x="3948430" y="277495"/>
-            <a:ext cx="4064000" cy="368300"/>
-          </a:xfrm>
-          <a:prstGeom prst="rect">
-            <a:avLst/>
-          </a:prstGeom>
-          <a:noFill/>
-        </p:spPr>
-        <p:txBody>
-          <a:bodyPr wrap="square" rtlCol="0">
-            <a:spAutoFit/>
-          </a:bodyPr>
-          <a:p>
-            <a:r>
-              <a:rPr lang="zh-CN" altLang="en-US"/>
-              <a:t>概况</a:t>
-            </a:r>
-            <a:endParaRPr lang="zh-CN" altLang="en-US"/>
-          </a:p>
-        </p:txBody>
-      </p:sp>
-      <p:sp>
-        <p:nvSpPr>
-          <p:cNvPr id="11" name="文本框 10"/>
-          <p:cNvSpPr txBox="1"/>
-          <p:nvPr/>
-        </p:nvSpPr>
-        <p:spPr>
-          <a:xfrm>
-            <a:off x="5270500" y="299720"/>
-            <a:ext cx="4064000" cy="368300"/>
-          </a:xfrm>
-          <a:prstGeom prst="rect">
-            <a:avLst/>
-          </a:prstGeom>
-          <a:noFill/>
-        </p:spPr>
-        <p:txBody>
-          <a:bodyPr wrap="square" rtlCol="0">
-            <a:spAutoFit/>
-          </a:bodyPr>
-          <a:p>
-            <a:r>
-              <a:rPr lang="en-US" altLang="zh-CN"/>
-              <a:t>...	</a:t>
-            </a:r>
-            <a:r>
-              <a:rPr lang="zh-CN" altLang="en-US">
-                <a:highlight>
-                  <a:srgbClr val="FFFF00"/>
-                </a:highlight>
-              </a:rPr>
-              <a:t>问卷</a:t>
-            </a:r>
-            <a:r>
-              <a:rPr lang="zh-CN" altLang="en-US">
-                <a:highlight>
-                  <a:srgbClr val="FFFF00"/>
-                </a:highlight>
-              </a:rPr>
-              <a:t>反馈</a:t>
-            </a:r>
-            <a:endParaRPr lang="zh-CN" altLang="en-US">
-              <a:highlight>
-                <a:srgbClr val="FFFF00"/>
-              </a:highlight>
-            </a:endParaRPr>
-          </a:p>
-        </p:txBody>
-      </p:sp>
-      <p:sp>
-        <p:nvSpPr>
-          <p:cNvPr id="12" name="矩形 11"/>
-          <p:cNvSpPr/>
-          <p:nvPr/>
-        </p:nvSpPr>
-        <p:spPr>
-          <a:xfrm>
-            <a:off x="2927985" y="1179195"/>
-            <a:ext cx="8696325" cy="4169410"/>
-          </a:xfrm>
-          <a:prstGeom prst="rect">
-            <a:avLst/>
-          </a:prstGeom>
-          <a:noFill/>
-        </p:spPr>
-        <p:style>
-          <a:lnRef idx="2">
-            <a:schemeClr val="accent1">
-              <a:lumMod val="75000"/>
-            </a:schemeClr>
-          </a:lnRef>
-          <a:fillRef idx="1">
-            <a:schemeClr val="accent1"/>
-          </a:fillRef>
-          <a:effectRef idx="0">
-            <a:srgbClr val="FFFFFF"/>
-          </a:effectRef>
-          <a:fontRef idx="minor">
-            <a:schemeClr val="lt1"/>
-          </a:fontRef>
-        </p:style>
-        <p:txBody>
-          <a:bodyPr rtlCol="0" anchor="ctr"/>
-          <a:p>
-            <a:pPr algn="ctr"/>
-            <a:endParaRPr lang="zh-CN" altLang="en-US"/>
-          </a:p>
-        </p:txBody>
-      </p:sp>
-      <p:sp>
-        <p:nvSpPr>
-          <p:cNvPr id="13" name="文本框 12"/>
-          <p:cNvSpPr txBox="1"/>
-          <p:nvPr/>
-        </p:nvSpPr>
-        <p:spPr>
-          <a:xfrm>
-            <a:off x="3406140" y="1648460"/>
-            <a:ext cx="5828665" cy="368300"/>
-          </a:xfrm>
-          <a:prstGeom prst="rect">
-            <a:avLst/>
-          </a:prstGeom>
-          <a:noFill/>
-        </p:spPr>
-        <p:txBody>
-          <a:bodyPr wrap="square" rtlCol="0">
-            <a:spAutoFit/>
-          </a:bodyPr>
-          <a:p>
-            <a:r>
-              <a:rPr lang="zh-CN" altLang="en-US"/>
-              <a:t>填写反馈问题</a:t>
-            </a:r>
-            <a:r>
-              <a:rPr lang="zh-CN" altLang="en-US"/>
-              <a:t>区</a:t>
-            </a:r>
-            <a:endParaRPr lang="zh-CN" altLang="en-US"/>
-          </a:p>
-        </p:txBody>
-      </p:sp>
-      <p:sp>
-        <p:nvSpPr>
-          <p:cNvPr id="18" name="矩形 17"/>
-          <p:cNvSpPr/>
-          <p:nvPr/>
-        </p:nvSpPr>
-        <p:spPr>
-          <a:xfrm>
-            <a:off x="2997200" y="5859780"/>
-            <a:ext cx="8696325" cy="591185"/>
-          </a:xfrm>
-          <a:prstGeom prst="rect">
-            <a:avLst/>
-          </a:prstGeom>
-          <a:noFill/>
-        </p:spPr>
-        <p:style>
-          <a:lnRef idx="2">
-            <a:schemeClr val="accent1">
-              <a:lumMod val="75000"/>
-            </a:schemeClr>
-          </a:lnRef>
-          <a:fillRef idx="1">
-            <a:schemeClr val="accent1"/>
-          </a:fillRef>
-          <a:effectRef idx="0">
-            <a:srgbClr val="FFFFFF"/>
-          </a:effectRef>
-          <a:fontRef idx="minor">
-            <a:schemeClr val="lt1"/>
-          </a:fontRef>
-        </p:style>
-        <p:txBody>
-          <a:bodyPr rtlCol="0" anchor="ctr"/>
-          <a:p>
-            <a:pPr algn="ctr"/>
-            <a:endParaRPr lang="zh-CN" altLang="en-US"/>
-          </a:p>
-        </p:txBody>
-      </p:sp>
-      <p:sp>
-        <p:nvSpPr>
-          <p:cNvPr id="19" name="文本框 18"/>
-          <p:cNvSpPr txBox="1"/>
-          <p:nvPr/>
-        </p:nvSpPr>
-        <p:spPr>
-          <a:xfrm>
-            <a:off x="3209290" y="5932805"/>
-            <a:ext cx="4507230" cy="368300"/>
-          </a:xfrm>
-          <a:prstGeom prst="rect">
-            <a:avLst/>
-          </a:prstGeom>
-          <a:noFill/>
-        </p:spPr>
-        <p:txBody>
-          <a:bodyPr wrap="square" rtlCol="0">
-            <a:spAutoFit/>
-          </a:bodyPr>
-          <a:p>
-            <a:r>
-              <a:rPr lang="zh-CN" altLang="en-US"/>
-              <a:t>备案号</a:t>
-            </a:r>
-            <a:r>
-              <a:rPr lang="en-US" altLang="zh-CN"/>
-              <a:t>	</a:t>
-            </a:r>
-            <a:r>
-              <a:rPr lang="zh-CN" altLang="en-US"/>
-              <a:t>友情链接</a:t>
-            </a:r>
-            <a:r>
-              <a:rPr lang="en-US" altLang="zh-CN"/>
-              <a:t>	</a:t>
-            </a:r>
-            <a:r>
-              <a:rPr lang="zh-CN" altLang="en-US"/>
-              <a:t>联系我们：</a:t>
-            </a:r>
-            <a:r>
-              <a:rPr lang="en-US" altLang="zh-CN"/>
-              <a:t>XXX</a:t>
-            </a:r>
-            <a:endParaRPr lang="en-US" altLang="zh-CN"/>
-          </a:p>
-        </p:txBody>
-      </p:sp>
-      <p:sp>
-        <p:nvSpPr>
-          <p:cNvPr id="2" name="文本框 1"/>
-          <p:cNvSpPr txBox="1"/>
-          <p:nvPr/>
-        </p:nvSpPr>
-        <p:spPr>
-          <a:xfrm>
-            <a:off x="8295640" y="5932805"/>
-            <a:ext cx="4064000" cy="368300"/>
-          </a:xfrm>
-          <a:prstGeom prst="rect">
-            <a:avLst/>
-          </a:prstGeom>
-          <a:noFill/>
-        </p:spPr>
-        <p:txBody>
-          <a:bodyPr wrap="square" rtlCol="0">
-            <a:spAutoFit/>
-          </a:bodyPr>
-          <a:p>
-            <a:r>
-              <a:rPr lang="zh-CN" altLang="en-US"/>
-              <a:t>地址</a:t>
-            </a:r>
-            <a:endParaRPr lang="zh-CN" altLang="en-US"/>
-          </a:p>
-        </p:txBody>
-      </p:sp>
-      <p:sp>
-        <p:nvSpPr>
-          <p:cNvPr id="4" name="矩形 3"/>
-          <p:cNvSpPr/>
-          <p:nvPr/>
-        </p:nvSpPr>
-        <p:spPr>
-          <a:xfrm>
-            <a:off x="3239135" y="1438910"/>
-            <a:ext cx="8063230" cy="3389630"/>
           </a:xfrm>
           <a:prstGeom prst="rect">
             <a:avLst/>
@@ -7587,19 +8464,15 @@
           <a:p>
             <a:r>
               <a:rPr lang="en-US" altLang="zh-CN" sz="4000"/>
-              <a:t>6.1 </a:t>
+              <a:t>5.2 </a:t>
             </a:r>
             <a:r>
               <a:rPr lang="zh-CN" altLang="en-US" sz="4000"/>
-              <a:t>登录</a:t>
-            </a:r>
-            <a:r>
-              <a:rPr lang="en-US" altLang="zh-CN" sz="4000"/>
-              <a:t>/</a:t>
+              <a:t>用户</a:t>
             </a:r>
             <a:r>
               <a:rPr lang="zh-CN" altLang="en-US" sz="4000"/>
-              <a:t>注册</a:t>
+              <a:t>反馈</a:t>
             </a:r>
             <a:endParaRPr lang="zh-CN" altLang="en-US" sz="4000"/>
           </a:p>
@@ -7806,7 +8679,7 @@
         <p:spPr>
           <a:xfrm>
             <a:off x="5270500" y="299720"/>
-            <a:ext cx="1625600" cy="368300"/>
+            <a:ext cx="4064000" cy="368300"/>
           </a:xfrm>
           <a:prstGeom prst="rect">
             <a:avLst/>
@@ -7820,7 +8693,23 @@
           <a:p>
             <a:r>
               <a:rPr lang="en-US" altLang="zh-CN"/>
-              <a:t>...</a:t>
+              <a:t>...	</a:t>
+            </a:r>
+            <a:r>
+              <a:rPr lang="zh-CN" altLang="en-US">
+                <a:highlight>
+                  <a:srgbClr val="FFFF00"/>
+                </a:highlight>
+              </a:rPr>
+              <a:t>问卷</a:t>
+            </a:r>
+            <a:r>
+              <a:rPr lang="zh-CN" altLang="en-US">
+                <a:highlight>
+                  <a:srgbClr val="FFFF00"/>
+                </a:highlight>
+              </a:rPr>
+              <a:t>反馈</a:t>
             </a:r>
             <a:endParaRPr lang="zh-CN" altLang="en-US">
               <a:highlight>
@@ -7872,6 +8761,39 @@
       </p:sp>
       <p:sp>
         <p:nvSpPr>
+          <p:cNvPr id="13" name="文本框 12"/>
+          <p:cNvSpPr txBox="1"/>
+          <p:nvPr/>
+        </p:nvSpPr>
+        <p:spPr>
+          <a:xfrm>
+            <a:off x="3406140" y="1648460"/>
+            <a:ext cx="5828665" cy="368300"/>
+          </a:xfrm>
+          <a:prstGeom prst="rect">
+            <a:avLst/>
+          </a:prstGeom>
+          <a:noFill/>
+        </p:spPr>
+        <p:txBody>
+          <a:bodyPr wrap="square" rtlCol="0">
+            <a:spAutoFit/>
+          </a:bodyPr>
+          <a:p>
+            <a:r>
+              <a:rPr lang="zh-CN" altLang="en-US"/>
+              <a:t>填写反馈问题</a:t>
+            </a:r>
+            <a:r>
+              <a:rPr lang="zh-CN" altLang="en-US"/>
+              <a:t>区</a:t>
+            </a:r>
+            <a:endParaRPr lang="zh-CN" altLang="en-US"/>
+          </a:p>
+        </p:txBody>
+      </p:sp>
+      <p:sp>
+        <p:nvSpPr>
           <p:cNvPr id="18" name="矩形 17"/>
           <p:cNvSpPr/>
           <p:nvPr/>
@@ -8028,150 +8950,6 @@
           </a:p>
         </p:txBody>
       </p:sp>
-      <p:sp>
-        <p:nvSpPr>
-          <p:cNvPr id="3" name="文本框 2"/>
-          <p:cNvSpPr txBox="1"/>
-          <p:nvPr/>
-        </p:nvSpPr>
-        <p:spPr>
-          <a:xfrm>
-            <a:off x="8384540" y="319405"/>
-            <a:ext cx="1151890" cy="622935"/>
-          </a:xfrm>
-          <a:prstGeom prst="rect">
-            <a:avLst/>
-          </a:prstGeom>
-          <a:noFill/>
-        </p:spPr>
-        <p:txBody>
-          <a:bodyPr wrap="square" rtlCol="0">
-            <a:noAutofit/>
-          </a:bodyPr>
-          <a:p>
-            <a:r>
-              <a:rPr lang="en-US" altLang="zh-CN"/>
-              <a:t>zh/en</a:t>
-            </a:r>
-            <a:endParaRPr lang="en-US" altLang="zh-CN"/>
-          </a:p>
-          <a:p>
-            <a:r>
-              <a:rPr lang="en-US" altLang="zh-CN"/>
-              <a:t>[MAYBE]</a:t>
-            </a:r>
-            <a:endParaRPr lang="en-US" altLang="zh-CN"/>
-          </a:p>
-        </p:txBody>
-      </p:sp>
-      <p:sp>
-        <p:nvSpPr>
-          <p:cNvPr id="14" name="文本框 13"/>
-          <p:cNvSpPr txBox="1"/>
-          <p:nvPr/>
-        </p:nvSpPr>
-        <p:spPr>
-          <a:xfrm>
-            <a:off x="6188075" y="2231390"/>
-            <a:ext cx="4064000" cy="368300"/>
-          </a:xfrm>
-          <a:prstGeom prst="rect">
-            <a:avLst/>
-          </a:prstGeom>
-          <a:noFill/>
-        </p:spPr>
-        <p:txBody>
-          <a:bodyPr wrap="square" rtlCol="0">
-            <a:spAutoFit/>
-          </a:bodyPr>
-          <a:p>
-            <a:r>
-              <a:rPr lang="zh-CN" altLang="en-US"/>
-              <a:t>登录注册</a:t>
-            </a:r>
-            <a:r>
-              <a:rPr lang="zh-CN" altLang="en-US"/>
-              <a:t>页面</a:t>
-            </a:r>
-            <a:endParaRPr lang="zh-CN" altLang="en-US"/>
-          </a:p>
-        </p:txBody>
-      </p:sp>
-      <p:sp>
-        <p:nvSpPr>
-          <p:cNvPr id="15" name="文本框 14"/>
-          <p:cNvSpPr txBox="1"/>
-          <p:nvPr/>
-        </p:nvSpPr>
-        <p:spPr>
-          <a:xfrm>
-            <a:off x="386715" y="1456690"/>
-            <a:ext cx="4064000" cy="922020"/>
-          </a:xfrm>
-          <a:prstGeom prst="rect">
-            <a:avLst/>
-          </a:prstGeom>
-          <a:noFill/>
-        </p:spPr>
-        <p:txBody>
-          <a:bodyPr wrap="square" rtlCol="0">
-            <a:spAutoFit/>
-          </a:bodyPr>
-          <a:p>
-            <a:r>
-              <a:rPr lang="en-US" altLang="zh-CN"/>
-              <a:t>jwt</a:t>
-            </a:r>
-            <a:r>
-              <a:rPr lang="zh-CN" altLang="en-US"/>
-              <a:t>验证</a:t>
-            </a:r>
-            <a:endParaRPr lang="zh-CN" altLang="en-US"/>
-          </a:p>
-          <a:p>
-            <a:r>
-              <a:rPr lang="zh-CN" altLang="en-US"/>
-              <a:t>选择身份</a:t>
-            </a:r>
-            <a:r>
-              <a:rPr lang="en-US" altLang="zh-CN"/>
-              <a:t>[</a:t>
-            </a:r>
-            <a:r>
-              <a:rPr lang="zh-CN" altLang="en-US"/>
-              <a:t>用户</a:t>
-            </a:r>
-            <a:r>
-              <a:rPr lang="en-US" altLang="zh-CN"/>
-              <a:t>/</a:t>
-            </a:r>
-            <a:r>
-              <a:rPr lang="zh-CN" altLang="en-US"/>
-              <a:t>管理员</a:t>
-            </a:r>
-            <a:r>
-              <a:rPr lang="en-US" altLang="zh-CN"/>
-              <a:t>]</a:t>
-            </a:r>
-            <a:endParaRPr lang="zh-CN" altLang="en-US"/>
-          </a:p>
-          <a:p>
-            <a:r>
-              <a:rPr lang="en-US" altLang="zh-CN"/>
-              <a:t>app</a:t>
-            </a:r>
-            <a:r>
-              <a:rPr lang="zh-CN" altLang="en-US"/>
-              <a:t>端验证登录</a:t>
-            </a:r>
-            <a:r>
-              <a:rPr lang="en-US" altLang="zh-CN"/>
-              <a:t>[MAYBE]</a:t>
-            </a:r>
-            <a:endParaRPr lang="en-US" altLang="zh-CN"/>
-          </a:p>
-        </p:txBody>
-      </p:sp>
     </p:spTree>
   </p:cSld>
   <p:clrMapOvr>
@@ -8181,6 +8959,632 @@
 </file>
 
 <file path=ppt/slides/slide16.xml><?xml version="1.0" encoding="utf-8"?>
+<p:sld xmlns:a="http://schemas.openxmlformats.org/drawingml/2006/main" xmlns:r="http://schemas.openxmlformats.org/officeDocument/2006/relationships" xmlns:p="http://schemas.openxmlformats.org/presentationml/2006/main">
+  <p:cSld>
+    <p:spTree>
+      <p:nvGrpSpPr>
+        <p:cNvPr id="1" name=""/>
+        <p:cNvGrpSpPr/>
+        <p:nvPr/>
+      </p:nvGrpSpPr>
+      <p:grpSpPr/>
+      <p:sp>
+        <p:nvSpPr>
+          <p:cNvPr id="5" name="文本框 4"/>
+          <p:cNvSpPr txBox="1"/>
+          <p:nvPr/>
+        </p:nvSpPr>
+        <p:spPr>
+          <a:xfrm>
+            <a:off x="351790" y="319405"/>
+            <a:ext cx="4064000" cy="706755"/>
+          </a:xfrm>
+          <a:prstGeom prst="rect">
+            <a:avLst/>
+          </a:prstGeom>
+          <a:noFill/>
+        </p:spPr>
+        <p:txBody>
+          <a:bodyPr wrap="square" rtlCol="0">
+            <a:spAutoFit/>
+          </a:bodyPr>
+          <a:p>
+            <a:r>
+              <a:rPr lang="en-US" altLang="zh-CN" sz="4000"/>
+              <a:t>6.1 </a:t>
+            </a:r>
+            <a:r>
+              <a:rPr lang="zh-CN" altLang="en-US" sz="4000"/>
+              <a:t>登录</a:t>
+            </a:r>
+            <a:r>
+              <a:rPr lang="en-US" altLang="zh-CN" sz="4000"/>
+              <a:t>/</a:t>
+            </a:r>
+            <a:r>
+              <a:rPr lang="zh-CN" altLang="en-US" sz="4000"/>
+              <a:t>注册</a:t>
+            </a:r>
+            <a:endParaRPr lang="zh-CN" altLang="en-US" sz="4000"/>
+          </a:p>
+        </p:txBody>
+      </p:sp>
+      <p:sp>
+        <p:nvSpPr>
+          <p:cNvPr id="6" name="矩形 5"/>
+          <p:cNvSpPr/>
+          <p:nvPr/>
+        </p:nvSpPr>
+        <p:spPr>
+          <a:xfrm>
+            <a:off x="2821940" y="24765"/>
+            <a:ext cx="8985885" cy="6689090"/>
+          </a:xfrm>
+          <a:prstGeom prst="rect">
+            <a:avLst/>
+          </a:prstGeom>
+          <a:noFill/>
+          <a:ln>
+            <a:solidFill>
+              <a:schemeClr val="tx1"/>
+            </a:solidFill>
+          </a:ln>
+        </p:spPr>
+        <p:style>
+          <a:lnRef idx="2">
+            <a:schemeClr val="accent1">
+              <a:lumMod val="75000"/>
+            </a:schemeClr>
+          </a:lnRef>
+          <a:fillRef idx="1">
+            <a:schemeClr val="accent1"/>
+          </a:fillRef>
+          <a:effectRef idx="0">
+            <a:srgbClr val="FFFFFF"/>
+          </a:effectRef>
+          <a:fontRef idx="minor">
+            <a:schemeClr val="lt1"/>
+          </a:fontRef>
+        </p:style>
+        <p:txBody>
+          <a:bodyPr rtlCol="0" anchor="ctr"/>
+          <a:p>
+            <a:pPr algn="ctr"/>
+            <a:endParaRPr lang="zh-CN" altLang="en-US"/>
+          </a:p>
+        </p:txBody>
+      </p:sp>
+      <p:sp>
+        <p:nvSpPr>
+          <p:cNvPr id="7" name="矩形 6"/>
+          <p:cNvSpPr/>
+          <p:nvPr/>
+        </p:nvSpPr>
+        <p:spPr>
+          <a:xfrm>
+            <a:off x="2875915" y="83185"/>
+            <a:ext cx="8817610" cy="562610"/>
+          </a:xfrm>
+          <a:prstGeom prst="rect">
+            <a:avLst/>
+          </a:prstGeom>
+          <a:noFill/>
+        </p:spPr>
+        <p:style>
+          <a:lnRef idx="2">
+            <a:schemeClr val="accent1">
+              <a:lumMod val="75000"/>
+            </a:schemeClr>
+          </a:lnRef>
+          <a:fillRef idx="1">
+            <a:schemeClr val="accent1"/>
+          </a:fillRef>
+          <a:effectRef idx="0">
+            <a:srgbClr val="FFFFFF"/>
+          </a:effectRef>
+          <a:fontRef idx="minor">
+            <a:schemeClr val="lt1"/>
+          </a:fontRef>
+        </p:style>
+        <p:txBody>
+          <a:bodyPr rtlCol="0" anchor="ctr"/>
+          <a:p>
+            <a:pPr algn="ctr"/>
+            <a:endParaRPr lang="zh-CN" altLang="en-US"/>
+          </a:p>
+        </p:txBody>
+      </p:sp>
+      <p:sp>
+        <p:nvSpPr>
+          <p:cNvPr id="8" name="文本框 7"/>
+          <p:cNvSpPr txBox="1"/>
+          <p:nvPr/>
+        </p:nvSpPr>
+        <p:spPr>
+          <a:xfrm>
+            <a:off x="9465310" y="277495"/>
+            <a:ext cx="2394585" cy="368300"/>
+          </a:xfrm>
+          <a:prstGeom prst="rect">
+            <a:avLst/>
+          </a:prstGeom>
+          <a:noFill/>
+        </p:spPr>
+        <p:txBody>
+          <a:bodyPr wrap="square" rtlCol="0">
+            <a:spAutoFit/>
+          </a:bodyPr>
+          <a:p>
+            <a:r>
+              <a:rPr lang="zh-CN" altLang="en-US"/>
+              <a:t>注册</a:t>
+            </a:r>
+            <a:r>
+              <a:rPr lang="en-US" altLang="zh-CN"/>
+              <a:t>/</a:t>
+            </a:r>
+            <a:r>
+              <a:rPr lang="zh-CN" altLang="en-US"/>
+              <a:t>登录</a:t>
+            </a:r>
+            <a:r>
+              <a:rPr lang="en-US" altLang="zh-CN"/>
+              <a:t>/</a:t>
+            </a:r>
+            <a:r>
+              <a:rPr lang="zh-CN" altLang="en-US"/>
+              <a:t>个人</a:t>
+            </a:r>
+            <a:r>
+              <a:rPr lang="zh-CN" altLang="en-US"/>
+              <a:t>头像</a:t>
+            </a:r>
+            <a:endParaRPr lang="zh-CN" altLang="en-US"/>
+          </a:p>
+        </p:txBody>
+      </p:sp>
+      <p:sp>
+        <p:nvSpPr>
+          <p:cNvPr id="9" name="文本框 8"/>
+          <p:cNvSpPr txBox="1"/>
+          <p:nvPr/>
+        </p:nvSpPr>
+        <p:spPr>
+          <a:xfrm>
+            <a:off x="2821940" y="277495"/>
+            <a:ext cx="864870" cy="368300"/>
+          </a:xfrm>
+          <a:prstGeom prst="rect">
+            <a:avLst/>
+          </a:prstGeom>
+          <a:noFill/>
+        </p:spPr>
+        <p:txBody>
+          <a:bodyPr wrap="square" rtlCol="0">
+            <a:spAutoFit/>
+          </a:bodyPr>
+          <a:p>
+            <a:r>
+              <a:rPr lang="zh-CN" altLang="en-US"/>
+              <a:t>首页</a:t>
+            </a:r>
+            <a:endParaRPr lang="zh-CN" altLang="en-US"/>
+          </a:p>
+        </p:txBody>
+      </p:sp>
+      <p:sp>
+        <p:nvSpPr>
+          <p:cNvPr id="10" name="文本框 9"/>
+          <p:cNvSpPr txBox="1"/>
+          <p:nvPr/>
+        </p:nvSpPr>
+        <p:spPr>
+          <a:xfrm>
+            <a:off x="3948430" y="277495"/>
+            <a:ext cx="4064000" cy="368300"/>
+          </a:xfrm>
+          <a:prstGeom prst="rect">
+            <a:avLst/>
+          </a:prstGeom>
+          <a:noFill/>
+        </p:spPr>
+        <p:txBody>
+          <a:bodyPr wrap="square" rtlCol="0">
+            <a:spAutoFit/>
+          </a:bodyPr>
+          <a:p>
+            <a:r>
+              <a:rPr lang="zh-CN" altLang="en-US"/>
+              <a:t>概况</a:t>
+            </a:r>
+            <a:endParaRPr lang="zh-CN" altLang="en-US"/>
+          </a:p>
+        </p:txBody>
+      </p:sp>
+      <p:sp>
+        <p:nvSpPr>
+          <p:cNvPr id="11" name="文本框 10"/>
+          <p:cNvSpPr txBox="1"/>
+          <p:nvPr/>
+        </p:nvSpPr>
+        <p:spPr>
+          <a:xfrm>
+            <a:off x="5270500" y="299720"/>
+            <a:ext cx="1625600" cy="368300"/>
+          </a:xfrm>
+          <a:prstGeom prst="rect">
+            <a:avLst/>
+          </a:prstGeom>
+          <a:noFill/>
+        </p:spPr>
+        <p:txBody>
+          <a:bodyPr wrap="square" rtlCol="0">
+            <a:spAutoFit/>
+          </a:bodyPr>
+          <a:p>
+            <a:r>
+              <a:rPr lang="en-US" altLang="zh-CN"/>
+              <a:t>...</a:t>
+            </a:r>
+            <a:endParaRPr lang="zh-CN" altLang="en-US">
+              <a:highlight>
+                <a:srgbClr val="FFFF00"/>
+              </a:highlight>
+            </a:endParaRPr>
+          </a:p>
+        </p:txBody>
+      </p:sp>
+      <p:sp>
+        <p:nvSpPr>
+          <p:cNvPr id="12" name="矩形 11"/>
+          <p:cNvSpPr/>
+          <p:nvPr/>
+        </p:nvSpPr>
+        <p:spPr>
+          <a:xfrm>
+            <a:off x="2927985" y="1179195"/>
+            <a:ext cx="8696325" cy="4169410"/>
+          </a:xfrm>
+          <a:prstGeom prst="rect">
+            <a:avLst/>
+          </a:prstGeom>
+          <a:noFill/>
+        </p:spPr>
+        <p:style>
+          <a:lnRef idx="2">
+            <a:schemeClr val="accent1">
+              <a:lumMod val="75000"/>
+            </a:schemeClr>
+          </a:lnRef>
+          <a:fillRef idx="1">
+            <a:schemeClr val="accent1"/>
+          </a:fillRef>
+          <a:effectRef idx="0">
+            <a:srgbClr val="FFFFFF"/>
+          </a:effectRef>
+          <a:fontRef idx="minor">
+            <a:schemeClr val="lt1"/>
+          </a:fontRef>
+        </p:style>
+        <p:txBody>
+          <a:bodyPr rtlCol="0" anchor="ctr"/>
+          <a:p>
+            <a:pPr algn="ctr"/>
+            <a:endParaRPr lang="zh-CN" altLang="en-US"/>
+          </a:p>
+        </p:txBody>
+      </p:sp>
+      <p:sp>
+        <p:nvSpPr>
+          <p:cNvPr id="18" name="矩形 17"/>
+          <p:cNvSpPr/>
+          <p:nvPr/>
+        </p:nvSpPr>
+        <p:spPr>
+          <a:xfrm>
+            <a:off x="2997200" y="5859780"/>
+            <a:ext cx="8696325" cy="591185"/>
+          </a:xfrm>
+          <a:prstGeom prst="rect">
+            <a:avLst/>
+          </a:prstGeom>
+          <a:noFill/>
+        </p:spPr>
+        <p:style>
+          <a:lnRef idx="2">
+            <a:schemeClr val="accent1">
+              <a:lumMod val="75000"/>
+            </a:schemeClr>
+          </a:lnRef>
+          <a:fillRef idx="1">
+            <a:schemeClr val="accent1"/>
+          </a:fillRef>
+          <a:effectRef idx="0">
+            <a:srgbClr val="FFFFFF"/>
+          </a:effectRef>
+          <a:fontRef idx="minor">
+            <a:schemeClr val="lt1"/>
+          </a:fontRef>
+        </p:style>
+        <p:txBody>
+          <a:bodyPr rtlCol="0" anchor="ctr"/>
+          <a:p>
+            <a:pPr algn="ctr"/>
+            <a:endParaRPr lang="zh-CN" altLang="en-US"/>
+          </a:p>
+        </p:txBody>
+      </p:sp>
+      <p:sp>
+        <p:nvSpPr>
+          <p:cNvPr id="19" name="文本框 18"/>
+          <p:cNvSpPr txBox="1"/>
+          <p:nvPr/>
+        </p:nvSpPr>
+        <p:spPr>
+          <a:xfrm>
+            <a:off x="3209290" y="5932805"/>
+            <a:ext cx="4507230" cy="368300"/>
+          </a:xfrm>
+          <a:prstGeom prst="rect">
+            <a:avLst/>
+          </a:prstGeom>
+          <a:noFill/>
+        </p:spPr>
+        <p:txBody>
+          <a:bodyPr wrap="square" rtlCol="0">
+            <a:spAutoFit/>
+          </a:bodyPr>
+          <a:p>
+            <a:r>
+              <a:rPr lang="zh-CN" altLang="en-US"/>
+              <a:t>备案号</a:t>
+            </a:r>
+            <a:r>
+              <a:rPr lang="en-US" altLang="zh-CN"/>
+              <a:t>	</a:t>
+            </a:r>
+            <a:r>
+              <a:rPr lang="zh-CN" altLang="en-US"/>
+              <a:t>友情链接</a:t>
+            </a:r>
+            <a:r>
+              <a:rPr lang="en-US" altLang="zh-CN"/>
+              <a:t>	</a:t>
+            </a:r>
+            <a:r>
+              <a:rPr lang="zh-CN" altLang="en-US"/>
+              <a:t>联系我们：</a:t>
+            </a:r>
+            <a:r>
+              <a:rPr lang="en-US" altLang="zh-CN"/>
+              <a:t>XXX</a:t>
+            </a:r>
+            <a:endParaRPr lang="en-US" altLang="zh-CN"/>
+          </a:p>
+        </p:txBody>
+      </p:sp>
+      <p:sp>
+        <p:nvSpPr>
+          <p:cNvPr id="2" name="文本框 1"/>
+          <p:cNvSpPr txBox="1"/>
+          <p:nvPr/>
+        </p:nvSpPr>
+        <p:spPr>
+          <a:xfrm>
+            <a:off x="8295640" y="5932805"/>
+            <a:ext cx="4064000" cy="368300"/>
+          </a:xfrm>
+          <a:prstGeom prst="rect">
+            <a:avLst/>
+          </a:prstGeom>
+          <a:noFill/>
+        </p:spPr>
+        <p:txBody>
+          <a:bodyPr wrap="square" rtlCol="0">
+            <a:spAutoFit/>
+          </a:bodyPr>
+          <a:p>
+            <a:r>
+              <a:rPr lang="zh-CN" altLang="en-US"/>
+              <a:t>地址</a:t>
+            </a:r>
+            <a:endParaRPr lang="zh-CN" altLang="en-US"/>
+          </a:p>
+        </p:txBody>
+      </p:sp>
+      <p:sp>
+        <p:nvSpPr>
+          <p:cNvPr id="4" name="矩形 3"/>
+          <p:cNvSpPr/>
+          <p:nvPr/>
+        </p:nvSpPr>
+        <p:spPr>
+          <a:xfrm>
+            <a:off x="3239135" y="1438910"/>
+            <a:ext cx="8063230" cy="3389630"/>
+          </a:xfrm>
+          <a:prstGeom prst="rect">
+            <a:avLst/>
+          </a:prstGeom>
+          <a:noFill/>
+        </p:spPr>
+        <p:style>
+          <a:lnRef idx="2">
+            <a:schemeClr val="accent1">
+              <a:lumMod val="75000"/>
+            </a:schemeClr>
+          </a:lnRef>
+          <a:fillRef idx="1">
+            <a:schemeClr val="accent1"/>
+          </a:fillRef>
+          <a:effectRef idx="0">
+            <a:srgbClr val="FFFFFF"/>
+          </a:effectRef>
+          <a:fontRef idx="minor">
+            <a:schemeClr val="lt1"/>
+          </a:fontRef>
+        </p:style>
+        <p:txBody>
+          <a:bodyPr rtlCol="0" anchor="ctr"/>
+          <a:p>
+            <a:pPr algn="ctr"/>
+            <a:endParaRPr lang="zh-CN" altLang="en-US"/>
+          </a:p>
+        </p:txBody>
+      </p:sp>
+      <p:sp>
+        <p:nvSpPr>
+          <p:cNvPr id="3" name="文本框 2"/>
+          <p:cNvSpPr txBox="1"/>
+          <p:nvPr/>
+        </p:nvSpPr>
+        <p:spPr>
+          <a:xfrm>
+            <a:off x="8384540" y="319405"/>
+            <a:ext cx="1151890" cy="622935"/>
+          </a:xfrm>
+          <a:prstGeom prst="rect">
+            <a:avLst/>
+          </a:prstGeom>
+          <a:noFill/>
+        </p:spPr>
+        <p:txBody>
+          <a:bodyPr wrap="square" rtlCol="0">
+            <a:noAutofit/>
+          </a:bodyPr>
+          <a:p>
+            <a:r>
+              <a:rPr lang="en-US" altLang="zh-CN"/>
+              <a:t>zh/en</a:t>
+            </a:r>
+            <a:endParaRPr lang="en-US" altLang="zh-CN"/>
+          </a:p>
+          <a:p>
+            <a:r>
+              <a:rPr lang="en-US" altLang="zh-CN"/>
+              <a:t>[MAYBE]</a:t>
+            </a:r>
+            <a:endParaRPr lang="en-US" altLang="zh-CN"/>
+          </a:p>
+        </p:txBody>
+      </p:sp>
+      <p:sp>
+        <p:nvSpPr>
+          <p:cNvPr id="14" name="文本框 13"/>
+          <p:cNvSpPr txBox="1"/>
+          <p:nvPr/>
+        </p:nvSpPr>
+        <p:spPr>
+          <a:xfrm>
+            <a:off x="6188075" y="2231390"/>
+            <a:ext cx="4064000" cy="368300"/>
+          </a:xfrm>
+          <a:prstGeom prst="rect">
+            <a:avLst/>
+          </a:prstGeom>
+          <a:noFill/>
+        </p:spPr>
+        <p:txBody>
+          <a:bodyPr wrap="square" rtlCol="0">
+            <a:spAutoFit/>
+          </a:bodyPr>
+          <a:p>
+            <a:r>
+              <a:rPr lang="zh-CN" altLang="en-US"/>
+              <a:t>登录注册</a:t>
+            </a:r>
+            <a:r>
+              <a:rPr lang="zh-CN" altLang="en-US"/>
+              <a:t>页面</a:t>
+            </a:r>
+            <a:endParaRPr lang="zh-CN" altLang="en-US"/>
+          </a:p>
+        </p:txBody>
+      </p:sp>
+      <p:sp>
+        <p:nvSpPr>
+          <p:cNvPr id="15" name="文本框 14"/>
+          <p:cNvSpPr txBox="1"/>
+          <p:nvPr/>
+        </p:nvSpPr>
+        <p:spPr>
+          <a:xfrm>
+            <a:off x="386715" y="1456690"/>
+            <a:ext cx="4064000" cy="922020"/>
+          </a:xfrm>
+          <a:prstGeom prst="rect">
+            <a:avLst/>
+          </a:prstGeom>
+          <a:noFill/>
+        </p:spPr>
+        <p:txBody>
+          <a:bodyPr wrap="square" rtlCol="0">
+            <a:spAutoFit/>
+          </a:bodyPr>
+          <a:p>
+            <a:r>
+              <a:rPr lang="en-US" altLang="zh-CN"/>
+              <a:t>jwt</a:t>
+            </a:r>
+            <a:r>
+              <a:rPr lang="zh-CN" altLang="en-US"/>
+              <a:t>验证</a:t>
+            </a:r>
+            <a:endParaRPr lang="zh-CN" altLang="en-US"/>
+          </a:p>
+          <a:p>
+            <a:r>
+              <a:rPr lang="zh-CN" altLang="en-US"/>
+              <a:t>选择身份</a:t>
+            </a:r>
+            <a:r>
+              <a:rPr lang="en-US" altLang="zh-CN"/>
+              <a:t>[</a:t>
+            </a:r>
+            <a:r>
+              <a:rPr lang="zh-CN" altLang="en-US"/>
+              <a:t>用户</a:t>
+            </a:r>
+            <a:r>
+              <a:rPr lang="en-US" altLang="zh-CN"/>
+              <a:t>/</a:t>
+            </a:r>
+            <a:r>
+              <a:rPr lang="zh-CN" altLang="en-US"/>
+              <a:t>管理员</a:t>
+            </a:r>
+            <a:r>
+              <a:rPr lang="en-US" altLang="zh-CN"/>
+              <a:t>]</a:t>
+            </a:r>
+            <a:endParaRPr lang="zh-CN" altLang="en-US"/>
+          </a:p>
+          <a:p>
+            <a:r>
+              <a:rPr lang="en-US" altLang="zh-CN"/>
+              <a:t>app</a:t>
+            </a:r>
+            <a:r>
+              <a:rPr lang="zh-CN" altLang="en-US"/>
+              <a:t>端验证登录</a:t>
+            </a:r>
+            <a:r>
+              <a:rPr lang="en-US" altLang="zh-CN"/>
+              <a:t>[MAYBE]</a:t>
+            </a:r>
+            <a:endParaRPr lang="en-US" altLang="zh-CN"/>
+          </a:p>
+        </p:txBody>
+      </p:sp>
+    </p:spTree>
+  </p:cSld>
+  <p:clrMapOvr>
+    <a:masterClrMapping/>
+  </p:clrMapOvr>
+</p:sld>
+</file>
+
+<file path=ppt/slides/slide17.xml><?xml version="1.0" encoding="utf-8"?>
 <p:sld xmlns:a="http://schemas.openxmlformats.org/drawingml/2006/main" xmlns:r="http://schemas.openxmlformats.org/officeDocument/2006/relationships" xmlns:p="http://schemas.openxmlformats.org/presentationml/2006/main">
   <p:cSld>
     <p:spTree>
@@ -8997,7 +10401,7 @@
 </p:sld>
 </file>
 
-<file path=ppt/slides/slide17.xml><?xml version="1.0" encoding="utf-8"?>
+<file path=ppt/slides/slide18.xml><?xml version="1.0" encoding="utf-8"?>
 <p:sld xmlns:a="http://schemas.openxmlformats.org/drawingml/2006/main" xmlns:r="http://schemas.openxmlformats.org/officeDocument/2006/relationships" xmlns:p="http://schemas.openxmlformats.org/presentationml/2006/main">
   <p:cSld>
     <p:spTree>
@@ -10003,7 +11407,7 @@
 </p:sld>
 </file>
 
-<file path=ppt/slides/slide18.xml><?xml version="1.0" encoding="utf-8"?>
+<file path=ppt/slides/slide19.xml><?xml version="1.0" encoding="utf-8"?>
 <p:sld xmlns:a="http://schemas.openxmlformats.org/drawingml/2006/main" xmlns:r="http://schemas.openxmlformats.org/officeDocument/2006/relationships" xmlns:p="http://schemas.openxmlformats.org/presentationml/2006/main">
   <p:cSld>
     <p:spTree>
@@ -11009,7 +12413,761 @@
 </p:sld>
 </file>
 
-<file path=ppt/slides/slide19.xml><?xml version="1.0" encoding="utf-8"?>
+<file path=ppt/slides/slide2.xml><?xml version="1.0" encoding="utf-8"?>
+<p:sld xmlns:a="http://schemas.openxmlformats.org/drawingml/2006/main" xmlns:r="http://schemas.openxmlformats.org/officeDocument/2006/relationships" xmlns:p="http://schemas.openxmlformats.org/presentationml/2006/main">
+  <p:cSld>
+    <p:spTree>
+      <p:nvGrpSpPr>
+        <p:cNvPr id="1" name=""/>
+        <p:cNvGrpSpPr/>
+        <p:nvPr/>
+      </p:nvGrpSpPr>
+      <p:grpSpPr/>
+      <p:sp>
+        <p:nvSpPr>
+          <p:cNvPr id="5" name="文本框 4"/>
+          <p:cNvSpPr txBox="1"/>
+          <p:nvPr/>
+        </p:nvSpPr>
+        <p:spPr>
+          <a:xfrm>
+            <a:off x="351790" y="319405"/>
+            <a:ext cx="4064000" cy="706755"/>
+          </a:xfrm>
+          <a:prstGeom prst="rect">
+            <a:avLst/>
+          </a:prstGeom>
+          <a:noFill/>
+        </p:spPr>
+        <p:txBody>
+          <a:bodyPr wrap="square" rtlCol="0">
+            <a:spAutoFit/>
+          </a:bodyPr>
+          <a:p>
+            <a:r>
+              <a:rPr lang="en-US" altLang="zh-CN" sz="4000"/>
+              <a:t>1 </a:t>
+            </a:r>
+            <a:r>
+              <a:rPr lang="zh-CN" altLang="en-US" sz="4000"/>
+              <a:t>首页</a:t>
+            </a:r>
+            <a:endParaRPr lang="zh-CN" altLang="en-US" sz="4000"/>
+          </a:p>
+        </p:txBody>
+      </p:sp>
+      <p:sp>
+        <p:nvSpPr>
+          <p:cNvPr id="6" name="矩形 5"/>
+          <p:cNvSpPr/>
+          <p:nvPr/>
+        </p:nvSpPr>
+        <p:spPr>
+          <a:xfrm>
+            <a:off x="2821940" y="24765"/>
+            <a:ext cx="8985885" cy="6689090"/>
+          </a:xfrm>
+          <a:prstGeom prst="rect">
+            <a:avLst/>
+          </a:prstGeom>
+          <a:noFill/>
+          <a:ln>
+            <a:solidFill>
+              <a:schemeClr val="tx1"/>
+            </a:solidFill>
+          </a:ln>
+        </p:spPr>
+        <p:style>
+          <a:lnRef idx="2">
+            <a:schemeClr val="accent1">
+              <a:lumMod val="75000"/>
+            </a:schemeClr>
+          </a:lnRef>
+          <a:fillRef idx="1">
+            <a:schemeClr val="accent1"/>
+          </a:fillRef>
+          <a:effectRef idx="0">
+            <a:srgbClr val="FFFFFF"/>
+          </a:effectRef>
+          <a:fontRef idx="minor">
+            <a:schemeClr val="lt1"/>
+          </a:fontRef>
+        </p:style>
+        <p:txBody>
+          <a:bodyPr rtlCol="0" anchor="ctr"/>
+          <a:p>
+            <a:pPr algn="ctr"/>
+            <a:endParaRPr lang="zh-CN" altLang="en-US"/>
+          </a:p>
+        </p:txBody>
+      </p:sp>
+      <p:sp>
+        <p:nvSpPr>
+          <p:cNvPr id="7" name="矩形 6"/>
+          <p:cNvSpPr/>
+          <p:nvPr/>
+        </p:nvSpPr>
+        <p:spPr>
+          <a:xfrm>
+            <a:off x="2875915" y="83185"/>
+            <a:ext cx="8817610" cy="756920"/>
+          </a:xfrm>
+          <a:prstGeom prst="rect">
+            <a:avLst/>
+          </a:prstGeom>
+          <a:noFill/>
+        </p:spPr>
+        <p:style>
+          <a:lnRef idx="2">
+            <a:schemeClr val="accent1">
+              <a:lumMod val="75000"/>
+            </a:schemeClr>
+          </a:lnRef>
+          <a:fillRef idx="1">
+            <a:schemeClr val="accent1"/>
+          </a:fillRef>
+          <a:effectRef idx="0">
+            <a:srgbClr val="FFFFFF"/>
+          </a:effectRef>
+          <a:fontRef idx="minor">
+            <a:schemeClr val="lt1"/>
+          </a:fontRef>
+        </p:style>
+        <p:txBody>
+          <a:bodyPr rtlCol="0" anchor="ctr"/>
+          <a:p>
+            <a:pPr algn="ctr"/>
+            <a:endParaRPr lang="zh-CN" altLang="en-US"/>
+          </a:p>
+        </p:txBody>
+      </p:sp>
+      <p:sp>
+        <p:nvSpPr>
+          <p:cNvPr id="8" name="文本框 7"/>
+          <p:cNvSpPr txBox="1"/>
+          <p:nvPr/>
+        </p:nvSpPr>
+        <p:spPr>
+          <a:xfrm>
+            <a:off x="9465310" y="277495"/>
+            <a:ext cx="2394585" cy="368300"/>
+          </a:xfrm>
+          <a:prstGeom prst="rect">
+            <a:avLst/>
+          </a:prstGeom>
+          <a:noFill/>
+        </p:spPr>
+        <p:txBody>
+          <a:bodyPr wrap="square" rtlCol="0">
+            <a:spAutoFit/>
+          </a:bodyPr>
+          <a:p>
+            <a:r>
+              <a:rPr lang="zh-CN" altLang="en-US"/>
+              <a:t>注册</a:t>
+            </a:r>
+            <a:r>
+              <a:rPr lang="en-US" altLang="zh-CN"/>
+              <a:t>/</a:t>
+            </a:r>
+            <a:r>
+              <a:rPr lang="zh-CN" altLang="en-US"/>
+              <a:t>登录</a:t>
+            </a:r>
+            <a:r>
+              <a:rPr lang="en-US" altLang="zh-CN"/>
+              <a:t>/</a:t>
+            </a:r>
+            <a:r>
+              <a:rPr lang="zh-CN" altLang="en-US"/>
+              <a:t>个人</a:t>
+            </a:r>
+            <a:r>
+              <a:rPr lang="zh-CN" altLang="en-US"/>
+              <a:t>头像</a:t>
+            </a:r>
+            <a:endParaRPr lang="zh-CN" altLang="en-US"/>
+          </a:p>
+        </p:txBody>
+      </p:sp>
+      <p:sp>
+        <p:nvSpPr>
+          <p:cNvPr id="9" name="文本框 8"/>
+          <p:cNvSpPr txBox="1"/>
+          <p:nvPr/>
+        </p:nvSpPr>
+        <p:spPr>
+          <a:xfrm>
+            <a:off x="2821940" y="277495"/>
+            <a:ext cx="864870" cy="368300"/>
+          </a:xfrm>
+          <a:prstGeom prst="rect">
+            <a:avLst/>
+          </a:prstGeom>
+          <a:noFill/>
+        </p:spPr>
+        <p:txBody>
+          <a:bodyPr wrap="square" rtlCol="0">
+            <a:spAutoFit/>
+          </a:bodyPr>
+          <a:p>
+            <a:r>
+              <a:rPr lang="zh-CN" altLang="en-US">
+                <a:highlight>
+                  <a:srgbClr val="FFFF00"/>
+                </a:highlight>
+              </a:rPr>
+              <a:t>首页</a:t>
+            </a:r>
+            <a:endParaRPr lang="zh-CN" altLang="en-US">
+              <a:highlight>
+                <a:srgbClr val="FFFF00"/>
+              </a:highlight>
+            </a:endParaRPr>
+          </a:p>
+        </p:txBody>
+      </p:sp>
+      <p:sp>
+        <p:nvSpPr>
+          <p:cNvPr id="10" name="文本框 9"/>
+          <p:cNvSpPr txBox="1"/>
+          <p:nvPr/>
+        </p:nvSpPr>
+        <p:spPr>
+          <a:xfrm>
+            <a:off x="3948430" y="277495"/>
+            <a:ext cx="4064000" cy="368300"/>
+          </a:xfrm>
+          <a:prstGeom prst="rect">
+            <a:avLst/>
+          </a:prstGeom>
+          <a:noFill/>
+        </p:spPr>
+        <p:txBody>
+          <a:bodyPr wrap="square" rtlCol="0">
+            <a:spAutoFit/>
+          </a:bodyPr>
+          <a:p>
+            <a:r>
+              <a:rPr lang="zh-CN" altLang="en-US"/>
+              <a:t>概况</a:t>
+            </a:r>
+            <a:endParaRPr lang="zh-CN" altLang="en-US"/>
+          </a:p>
+        </p:txBody>
+      </p:sp>
+      <p:sp>
+        <p:nvSpPr>
+          <p:cNvPr id="11" name="文本框 10"/>
+          <p:cNvSpPr txBox="1"/>
+          <p:nvPr/>
+        </p:nvSpPr>
+        <p:spPr>
+          <a:xfrm>
+            <a:off x="5270500" y="277495"/>
+            <a:ext cx="4064000" cy="368300"/>
+          </a:xfrm>
+          <a:prstGeom prst="rect">
+            <a:avLst/>
+          </a:prstGeom>
+          <a:noFill/>
+        </p:spPr>
+        <p:txBody>
+          <a:bodyPr wrap="square" rtlCol="0">
+            <a:spAutoFit/>
+          </a:bodyPr>
+          <a:p>
+            <a:r>
+              <a:rPr lang="en-US" altLang="zh-CN"/>
+              <a:t>...</a:t>
+            </a:r>
+            <a:endParaRPr lang="en-US" altLang="zh-CN"/>
+          </a:p>
+        </p:txBody>
+      </p:sp>
+      <p:sp>
+        <p:nvSpPr>
+          <p:cNvPr id="12" name="矩形 11"/>
+          <p:cNvSpPr/>
+          <p:nvPr/>
+        </p:nvSpPr>
+        <p:spPr>
+          <a:xfrm>
+            <a:off x="2927985" y="1179195"/>
+            <a:ext cx="8696325" cy="1626870"/>
+          </a:xfrm>
+          <a:prstGeom prst="rect">
+            <a:avLst/>
+          </a:prstGeom>
+          <a:noFill/>
+        </p:spPr>
+        <p:style>
+          <a:lnRef idx="2">
+            <a:schemeClr val="accent1">
+              <a:lumMod val="75000"/>
+            </a:schemeClr>
+          </a:lnRef>
+          <a:fillRef idx="1">
+            <a:schemeClr val="accent1"/>
+          </a:fillRef>
+          <a:effectRef idx="0">
+            <a:srgbClr val="FFFFFF"/>
+          </a:effectRef>
+          <a:fontRef idx="minor">
+            <a:schemeClr val="lt1"/>
+          </a:fontRef>
+        </p:style>
+        <p:txBody>
+          <a:bodyPr rtlCol="0" anchor="ctr"/>
+          <a:p>
+            <a:pPr algn="ctr"/>
+            <a:endParaRPr lang="zh-CN" altLang="en-US"/>
+          </a:p>
+        </p:txBody>
+      </p:sp>
+      <p:sp>
+        <p:nvSpPr>
+          <p:cNvPr id="13" name="文本框 12"/>
+          <p:cNvSpPr txBox="1"/>
+          <p:nvPr/>
+        </p:nvSpPr>
+        <p:spPr>
+          <a:xfrm>
+            <a:off x="4093845" y="1726565"/>
+            <a:ext cx="4064000" cy="368300"/>
+          </a:xfrm>
+          <a:prstGeom prst="rect">
+            <a:avLst/>
+          </a:prstGeom>
+          <a:noFill/>
+        </p:spPr>
+        <p:txBody>
+          <a:bodyPr wrap="square" rtlCol="0">
+            <a:spAutoFit/>
+          </a:bodyPr>
+          <a:p>
+            <a:r>
+              <a:rPr lang="zh-CN" altLang="en-US"/>
+              <a:t>图片（链接到概况和全景</a:t>
+            </a:r>
+            <a:r>
+              <a:rPr lang="zh-CN" altLang="en-US"/>
+              <a:t>参观）</a:t>
+            </a:r>
+            <a:endParaRPr lang="zh-CN" altLang="en-US"/>
+          </a:p>
+        </p:txBody>
+      </p:sp>
+      <p:sp>
+        <p:nvSpPr>
+          <p:cNvPr id="14" name="矩形 13"/>
+          <p:cNvSpPr/>
+          <p:nvPr/>
+        </p:nvSpPr>
+        <p:spPr>
+          <a:xfrm>
+            <a:off x="2997200" y="3145155"/>
+            <a:ext cx="8696325" cy="1208405"/>
+          </a:xfrm>
+          <a:prstGeom prst="rect">
+            <a:avLst/>
+          </a:prstGeom>
+          <a:noFill/>
+        </p:spPr>
+        <p:style>
+          <a:lnRef idx="2">
+            <a:schemeClr val="accent1">
+              <a:lumMod val="75000"/>
+            </a:schemeClr>
+          </a:lnRef>
+          <a:fillRef idx="1">
+            <a:schemeClr val="accent1"/>
+          </a:fillRef>
+          <a:effectRef idx="0">
+            <a:srgbClr val="FFFFFF"/>
+          </a:effectRef>
+          <a:fontRef idx="minor">
+            <a:schemeClr val="lt1"/>
+          </a:fontRef>
+        </p:style>
+        <p:txBody>
+          <a:bodyPr rtlCol="0" anchor="ctr"/>
+          <a:p>
+            <a:pPr algn="ctr"/>
+            <a:endParaRPr lang="zh-CN" altLang="en-US"/>
+          </a:p>
+        </p:txBody>
+      </p:sp>
+      <p:sp>
+        <p:nvSpPr>
+          <p:cNvPr id="15" name="文本框 14"/>
+          <p:cNvSpPr txBox="1"/>
+          <p:nvPr/>
+        </p:nvSpPr>
+        <p:spPr>
+          <a:xfrm>
+            <a:off x="3209290" y="3339465"/>
+            <a:ext cx="4064000" cy="368300"/>
+          </a:xfrm>
+          <a:prstGeom prst="rect">
+            <a:avLst/>
+          </a:prstGeom>
+          <a:noFill/>
+        </p:spPr>
+        <p:txBody>
+          <a:bodyPr wrap="square" rtlCol="0">
+            <a:spAutoFit/>
+          </a:bodyPr>
+          <a:p>
+            <a:r>
+              <a:rPr lang="zh-CN" altLang="en-US"/>
+              <a:t>公告栏</a:t>
+            </a:r>
+            <a:endParaRPr lang="zh-CN" altLang="en-US"/>
+          </a:p>
+        </p:txBody>
+      </p:sp>
+      <p:sp>
+        <p:nvSpPr>
+          <p:cNvPr id="16" name="矩形 15"/>
+          <p:cNvSpPr/>
+          <p:nvPr/>
+        </p:nvSpPr>
+        <p:spPr>
+          <a:xfrm>
+            <a:off x="2997200" y="4480560"/>
+            <a:ext cx="8696325" cy="895350"/>
+          </a:xfrm>
+          <a:prstGeom prst="rect">
+            <a:avLst/>
+          </a:prstGeom>
+          <a:noFill/>
+        </p:spPr>
+        <p:style>
+          <a:lnRef idx="2">
+            <a:schemeClr val="accent1">
+              <a:lumMod val="75000"/>
+            </a:schemeClr>
+          </a:lnRef>
+          <a:fillRef idx="1">
+            <a:schemeClr val="accent1"/>
+          </a:fillRef>
+          <a:effectRef idx="0">
+            <a:srgbClr val="FFFFFF"/>
+          </a:effectRef>
+          <a:fontRef idx="minor">
+            <a:schemeClr val="lt1"/>
+          </a:fontRef>
+        </p:style>
+        <p:txBody>
+          <a:bodyPr rtlCol="0" anchor="ctr"/>
+          <a:p>
+            <a:pPr algn="ctr"/>
+            <a:endParaRPr lang="zh-CN" altLang="en-US"/>
+          </a:p>
+        </p:txBody>
+      </p:sp>
+      <p:sp>
+        <p:nvSpPr>
+          <p:cNvPr id="17" name="文本框 16"/>
+          <p:cNvSpPr txBox="1"/>
+          <p:nvPr/>
+        </p:nvSpPr>
+        <p:spPr>
+          <a:xfrm>
+            <a:off x="3209290" y="4544695"/>
+            <a:ext cx="4064000" cy="368300"/>
+          </a:xfrm>
+          <a:prstGeom prst="rect">
+            <a:avLst/>
+          </a:prstGeom>
+          <a:noFill/>
+        </p:spPr>
+        <p:txBody>
+          <a:bodyPr wrap="square" rtlCol="0">
+            <a:spAutoFit/>
+          </a:bodyPr>
+          <a:p>
+            <a:r>
+              <a:rPr lang="zh-CN" altLang="en-US"/>
+              <a:t>新闻</a:t>
+            </a:r>
+            <a:r>
+              <a:rPr lang="zh-CN" altLang="en-US"/>
+              <a:t>动态</a:t>
+            </a:r>
+            <a:endParaRPr lang="zh-CN" altLang="en-US"/>
+          </a:p>
+        </p:txBody>
+      </p:sp>
+      <p:sp>
+        <p:nvSpPr>
+          <p:cNvPr id="18" name="矩形 17"/>
+          <p:cNvSpPr/>
+          <p:nvPr/>
+        </p:nvSpPr>
+        <p:spPr>
+          <a:xfrm>
+            <a:off x="2997200" y="5555615"/>
+            <a:ext cx="8696325" cy="895350"/>
+          </a:xfrm>
+          <a:prstGeom prst="rect">
+            <a:avLst/>
+          </a:prstGeom>
+          <a:noFill/>
+        </p:spPr>
+        <p:style>
+          <a:lnRef idx="2">
+            <a:schemeClr val="accent1">
+              <a:lumMod val="75000"/>
+            </a:schemeClr>
+          </a:lnRef>
+          <a:fillRef idx="1">
+            <a:schemeClr val="accent1"/>
+          </a:fillRef>
+          <a:effectRef idx="0">
+            <a:srgbClr val="FFFFFF"/>
+          </a:effectRef>
+          <a:fontRef idx="minor">
+            <a:schemeClr val="lt1"/>
+          </a:fontRef>
+        </p:style>
+        <p:txBody>
+          <a:bodyPr rtlCol="0" anchor="ctr"/>
+          <a:p>
+            <a:pPr algn="ctr"/>
+            <a:endParaRPr lang="zh-CN" altLang="en-US"/>
+          </a:p>
+        </p:txBody>
+      </p:sp>
+      <p:sp>
+        <p:nvSpPr>
+          <p:cNvPr id="19" name="文本框 18"/>
+          <p:cNvSpPr txBox="1"/>
+          <p:nvPr/>
+        </p:nvSpPr>
+        <p:spPr>
+          <a:xfrm>
+            <a:off x="3209290" y="5671820"/>
+            <a:ext cx="2424430" cy="429260"/>
+          </a:xfrm>
+          <a:prstGeom prst="rect">
+            <a:avLst/>
+          </a:prstGeom>
+          <a:noFill/>
+        </p:spPr>
+        <p:txBody>
+          <a:bodyPr wrap="square" rtlCol="0">
+            <a:noAutofit/>
+          </a:bodyPr>
+          <a:p>
+            <a:r>
+              <a:rPr lang="zh-CN" altLang="en-US"/>
+              <a:t>备案号</a:t>
+            </a:r>
+            <a:r>
+              <a:rPr lang="en-US" altLang="zh-CN"/>
+              <a:t>	</a:t>
+            </a:r>
+            <a:r>
+              <a:rPr lang="zh-CN" altLang="en-US"/>
+              <a:t>友情链接</a:t>
+            </a:r>
+            <a:r>
+              <a:rPr lang="en-US" altLang="zh-CN"/>
+              <a:t>	</a:t>
+            </a:r>
+            <a:r>
+              <a:rPr lang="en-US" altLang="zh-CN">
+                <a:sym typeface="+mn-ea"/>
+              </a:rPr>
+              <a:t>	</a:t>
+            </a:r>
+            <a:endParaRPr lang="en-US" altLang="zh-CN">
+              <a:sym typeface="+mn-ea"/>
+            </a:endParaRPr>
+          </a:p>
+          <a:p>
+            <a:endParaRPr lang="en-US" altLang="zh-CN"/>
+          </a:p>
+        </p:txBody>
+      </p:sp>
+      <p:sp>
+        <p:nvSpPr>
+          <p:cNvPr id="21" name="文本框 20"/>
+          <p:cNvSpPr txBox="1"/>
+          <p:nvPr/>
+        </p:nvSpPr>
+        <p:spPr>
+          <a:xfrm>
+            <a:off x="8552180" y="4544695"/>
+            <a:ext cx="4064000" cy="368300"/>
+          </a:xfrm>
+          <a:prstGeom prst="rect">
+            <a:avLst/>
+          </a:prstGeom>
+          <a:noFill/>
+        </p:spPr>
+        <p:txBody>
+          <a:bodyPr wrap="square" rtlCol="0">
+            <a:spAutoFit/>
+          </a:bodyPr>
+          <a:p>
+            <a:r>
+              <a:rPr lang="zh-CN" altLang="en-US"/>
+              <a:t>查看更多</a:t>
+            </a:r>
+            <a:r>
+              <a:rPr lang="en-US" altLang="zh-CN"/>
+              <a:t>&gt;</a:t>
+            </a:r>
+            <a:r>
+              <a:rPr lang="zh-CN" altLang="en-US"/>
+              <a:t>（链接到新闻</a:t>
+            </a:r>
+            <a:r>
+              <a:rPr lang="zh-CN" altLang="en-US"/>
+              <a:t>页面）</a:t>
+            </a:r>
+            <a:endParaRPr lang="zh-CN" altLang="en-US"/>
+          </a:p>
+        </p:txBody>
+      </p:sp>
+      <p:sp>
+        <p:nvSpPr>
+          <p:cNvPr id="22" name="文本框 21"/>
+          <p:cNvSpPr txBox="1"/>
+          <p:nvPr/>
+        </p:nvSpPr>
+        <p:spPr>
+          <a:xfrm>
+            <a:off x="1486535" y="71755"/>
+            <a:ext cx="4064000" cy="368300"/>
+          </a:xfrm>
+          <a:prstGeom prst="rect">
+            <a:avLst/>
+          </a:prstGeom>
+          <a:noFill/>
+        </p:spPr>
+        <p:txBody>
+          <a:bodyPr wrap="square" rtlCol="0">
+            <a:spAutoFit/>
+          </a:bodyPr>
+          <a:p>
+            <a:r>
+              <a:rPr lang="en-US" altLang="zh-CN"/>
+              <a:t>N</a:t>
+            </a:r>
+            <a:r>
+              <a:rPr lang="en-US" altLang="zh-CN"/>
+              <a:t>avBar.vue</a:t>
+            </a:r>
+            <a:endParaRPr lang="en-US" altLang="zh-CN"/>
+          </a:p>
+        </p:txBody>
+      </p:sp>
+      <p:sp>
+        <p:nvSpPr>
+          <p:cNvPr id="25" name="文本框 24"/>
+          <p:cNvSpPr txBox="1"/>
+          <p:nvPr/>
+        </p:nvSpPr>
+        <p:spPr>
+          <a:xfrm>
+            <a:off x="1206500" y="6207125"/>
+            <a:ext cx="4064000" cy="368300"/>
+          </a:xfrm>
+          <a:prstGeom prst="rect">
+            <a:avLst/>
+          </a:prstGeom>
+          <a:noFill/>
+        </p:spPr>
+        <p:txBody>
+          <a:bodyPr wrap="square" rtlCol="0">
+            <a:spAutoFit/>
+          </a:bodyPr>
+          <a:p>
+            <a:r>
+              <a:rPr lang="en-US" altLang="zh-CN"/>
+              <a:t>Footer.vue</a:t>
+            </a:r>
+            <a:endParaRPr lang="en-US" altLang="zh-CN"/>
+          </a:p>
+        </p:txBody>
+      </p:sp>
+      <p:sp>
+        <p:nvSpPr>
+          <p:cNvPr id="26" name="文本框 25"/>
+          <p:cNvSpPr txBox="1"/>
+          <p:nvPr/>
+        </p:nvSpPr>
+        <p:spPr>
+          <a:xfrm>
+            <a:off x="5966460" y="5671185"/>
+            <a:ext cx="5084445" cy="659130"/>
+          </a:xfrm>
+          <a:prstGeom prst="rect">
+            <a:avLst/>
+          </a:prstGeom>
+          <a:noFill/>
+        </p:spPr>
+        <p:txBody>
+          <a:bodyPr wrap="square" rtlCol="0">
+            <a:noAutofit/>
+          </a:bodyPr>
+          <a:p>
+            <a:r>
+              <a:rPr lang="zh-CN" altLang="en-US">
+                <a:sym typeface="+mn-ea"/>
+              </a:rPr>
+              <a:t>联系我们：</a:t>
+            </a:r>
+            <a:r>
+              <a:rPr lang="zh-CN" altLang="en-US">
+                <a:sym typeface="+mn-ea"/>
+              </a:rPr>
+              <a:t>海洋馆联系方式网站客服</a:t>
+            </a:r>
+            <a:r>
+              <a:rPr lang="en-US" altLang="zh-CN">
+                <a:sym typeface="+mn-ea"/>
+              </a:rPr>
+              <a:t>/</a:t>
+            </a:r>
+            <a:r>
+              <a:rPr lang="zh-CN" altLang="en-US">
+                <a:sym typeface="+mn-ea"/>
+              </a:rPr>
+              <a:t>管理员联系方式</a:t>
+            </a:r>
+            <a:r>
+              <a:rPr lang="en-US" altLang="zh-CN">
+                <a:sym typeface="+mn-ea"/>
+              </a:rPr>
+              <a:t>/</a:t>
+            </a:r>
+            <a:r>
+              <a:rPr lang="zh-CN" altLang="en-US">
+                <a:sym typeface="+mn-ea"/>
+              </a:rPr>
+              <a:t>海洋馆地址</a:t>
+            </a:r>
+            <a:endParaRPr lang="en-US" altLang="zh-CN"/>
+          </a:p>
+          <a:p>
+            <a:endParaRPr lang="zh-CN" altLang="en-US"/>
+          </a:p>
+        </p:txBody>
+      </p:sp>
+    </p:spTree>
+  </p:cSld>
+  <p:clrMapOvr>
+    <a:masterClrMapping/>
+  </p:clrMapOvr>
+</p:sld>
+</file>
+
+<file path=ppt/slides/slide20.xml><?xml version="1.0" encoding="utf-8"?>
 <p:sld xmlns:a="http://schemas.openxmlformats.org/drawingml/2006/main" xmlns:r="http://schemas.openxmlformats.org/officeDocument/2006/relationships" xmlns:p="http://schemas.openxmlformats.org/presentationml/2006/main">
   <p:cSld>
     <p:spTree>
@@ -12080,761 +14238,7 @@
 </p:sld>
 </file>
 
-<file path=ppt/slides/slide2.xml><?xml version="1.0" encoding="utf-8"?>
-<p:sld xmlns:a="http://schemas.openxmlformats.org/drawingml/2006/main" xmlns:r="http://schemas.openxmlformats.org/officeDocument/2006/relationships" xmlns:p="http://schemas.openxmlformats.org/presentationml/2006/main">
-  <p:cSld>
-    <p:spTree>
-      <p:nvGrpSpPr>
-        <p:cNvPr id="1" name=""/>
-        <p:cNvGrpSpPr/>
-        <p:nvPr/>
-      </p:nvGrpSpPr>
-      <p:grpSpPr/>
-      <p:sp>
-        <p:nvSpPr>
-          <p:cNvPr id="5" name="文本框 4"/>
-          <p:cNvSpPr txBox="1"/>
-          <p:nvPr/>
-        </p:nvSpPr>
-        <p:spPr>
-          <a:xfrm>
-            <a:off x="351790" y="319405"/>
-            <a:ext cx="4064000" cy="706755"/>
-          </a:xfrm>
-          <a:prstGeom prst="rect">
-            <a:avLst/>
-          </a:prstGeom>
-          <a:noFill/>
-        </p:spPr>
-        <p:txBody>
-          <a:bodyPr wrap="square" rtlCol="0">
-            <a:spAutoFit/>
-          </a:bodyPr>
-          <a:p>
-            <a:r>
-              <a:rPr lang="en-US" altLang="zh-CN" sz="4000"/>
-              <a:t>1 </a:t>
-            </a:r>
-            <a:r>
-              <a:rPr lang="zh-CN" altLang="en-US" sz="4000"/>
-              <a:t>首页</a:t>
-            </a:r>
-            <a:endParaRPr lang="zh-CN" altLang="en-US" sz="4000"/>
-          </a:p>
-        </p:txBody>
-      </p:sp>
-      <p:sp>
-        <p:nvSpPr>
-          <p:cNvPr id="6" name="矩形 5"/>
-          <p:cNvSpPr/>
-          <p:nvPr/>
-        </p:nvSpPr>
-        <p:spPr>
-          <a:xfrm>
-            <a:off x="2821940" y="24765"/>
-            <a:ext cx="8985885" cy="6689090"/>
-          </a:xfrm>
-          <a:prstGeom prst="rect">
-            <a:avLst/>
-          </a:prstGeom>
-          <a:noFill/>
-          <a:ln>
-            <a:solidFill>
-              <a:schemeClr val="tx1"/>
-            </a:solidFill>
-          </a:ln>
-        </p:spPr>
-        <p:style>
-          <a:lnRef idx="2">
-            <a:schemeClr val="accent1">
-              <a:lumMod val="75000"/>
-            </a:schemeClr>
-          </a:lnRef>
-          <a:fillRef idx="1">
-            <a:schemeClr val="accent1"/>
-          </a:fillRef>
-          <a:effectRef idx="0">
-            <a:srgbClr val="FFFFFF"/>
-          </a:effectRef>
-          <a:fontRef idx="minor">
-            <a:schemeClr val="lt1"/>
-          </a:fontRef>
-        </p:style>
-        <p:txBody>
-          <a:bodyPr rtlCol="0" anchor="ctr"/>
-          <a:p>
-            <a:pPr algn="ctr"/>
-            <a:endParaRPr lang="zh-CN" altLang="en-US"/>
-          </a:p>
-        </p:txBody>
-      </p:sp>
-      <p:sp>
-        <p:nvSpPr>
-          <p:cNvPr id="7" name="矩形 6"/>
-          <p:cNvSpPr/>
-          <p:nvPr/>
-        </p:nvSpPr>
-        <p:spPr>
-          <a:xfrm>
-            <a:off x="2875915" y="83185"/>
-            <a:ext cx="8817610" cy="756920"/>
-          </a:xfrm>
-          <a:prstGeom prst="rect">
-            <a:avLst/>
-          </a:prstGeom>
-          <a:noFill/>
-        </p:spPr>
-        <p:style>
-          <a:lnRef idx="2">
-            <a:schemeClr val="accent1">
-              <a:lumMod val="75000"/>
-            </a:schemeClr>
-          </a:lnRef>
-          <a:fillRef idx="1">
-            <a:schemeClr val="accent1"/>
-          </a:fillRef>
-          <a:effectRef idx="0">
-            <a:srgbClr val="FFFFFF"/>
-          </a:effectRef>
-          <a:fontRef idx="minor">
-            <a:schemeClr val="lt1"/>
-          </a:fontRef>
-        </p:style>
-        <p:txBody>
-          <a:bodyPr rtlCol="0" anchor="ctr"/>
-          <a:p>
-            <a:pPr algn="ctr"/>
-            <a:endParaRPr lang="zh-CN" altLang="en-US"/>
-          </a:p>
-        </p:txBody>
-      </p:sp>
-      <p:sp>
-        <p:nvSpPr>
-          <p:cNvPr id="8" name="文本框 7"/>
-          <p:cNvSpPr txBox="1"/>
-          <p:nvPr/>
-        </p:nvSpPr>
-        <p:spPr>
-          <a:xfrm>
-            <a:off x="9465310" y="277495"/>
-            <a:ext cx="2394585" cy="368300"/>
-          </a:xfrm>
-          <a:prstGeom prst="rect">
-            <a:avLst/>
-          </a:prstGeom>
-          <a:noFill/>
-        </p:spPr>
-        <p:txBody>
-          <a:bodyPr wrap="square" rtlCol="0">
-            <a:spAutoFit/>
-          </a:bodyPr>
-          <a:p>
-            <a:r>
-              <a:rPr lang="zh-CN" altLang="en-US"/>
-              <a:t>注册</a:t>
-            </a:r>
-            <a:r>
-              <a:rPr lang="en-US" altLang="zh-CN"/>
-              <a:t>/</a:t>
-            </a:r>
-            <a:r>
-              <a:rPr lang="zh-CN" altLang="en-US"/>
-              <a:t>登录</a:t>
-            </a:r>
-            <a:r>
-              <a:rPr lang="en-US" altLang="zh-CN"/>
-              <a:t>/</a:t>
-            </a:r>
-            <a:r>
-              <a:rPr lang="zh-CN" altLang="en-US"/>
-              <a:t>个人</a:t>
-            </a:r>
-            <a:r>
-              <a:rPr lang="zh-CN" altLang="en-US"/>
-              <a:t>头像</a:t>
-            </a:r>
-            <a:endParaRPr lang="zh-CN" altLang="en-US"/>
-          </a:p>
-        </p:txBody>
-      </p:sp>
-      <p:sp>
-        <p:nvSpPr>
-          <p:cNvPr id="9" name="文本框 8"/>
-          <p:cNvSpPr txBox="1"/>
-          <p:nvPr/>
-        </p:nvSpPr>
-        <p:spPr>
-          <a:xfrm>
-            <a:off x="2821940" y="277495"/>
-            <a:ext cx="864870" cy="368300"/>
-          </a:xfrm>
-          <a:prstGeom prst="rect">
-            <a:avLst/>
-          </a:prstGeom>
-          <a:noFill/>
-        </p:spPr>
-        <p:txBody>
-          <a:bodyPr wrap="square" rtlCol="0">
-            <a:spAutoFit/>
-          </a:bodyPr>
-          <a:p>
-            <a:r>
-              <a:rPr lang="zh-CN" altLang="en-US">
-                <a:highlight>
-                  <a:srgbClr val="FFFF00"/>
-                </a:highlight>
-              </a:rPr>
-              <a:t>首页</a:t>
-            </a:r>
-            <a:endParaRPr lang="zh-CN" altLang="en-US">
-              <a:highlight>
-                <a:srgbClr val="FFFF00"/>
-              </a:highlight>
-            </a:endParaRPr>
-          </a:p>
-        </p:txBody>
-      </p:sp>
-      <p:sp>
-        <p:nvSpPr>
-          <p:cNvPr id="10" name="文本框 9"/>
-          <p:cNvSpPr txBox="1"/>
-          <p:nvPr/>
-        </p:nvSpPr>
-        <p:spPr>
-          <a:xfrm>
-            <a:off x="3948430" y="277495"/>
-            <a:ext cx="4064000" cy="368300"/>
-          </a:xfrm>
-          <a:prstGeom prst="rect">
-            <a:avLst/>
-          </a:prstGeom>
-          <a:noFill/>
-        </p:spPr>
-        <p:txBody>
-          <a:bodyPr wrap="square" rtlCol="0">
-            <a:spAutoFit/>
-          </a:bodyPr>
-          <a:p>
-            <a:r>
-              <a:rPr lang="zh-CN" altLang="en-US"/>
-              <a:t>概况</a:t>
-            </a:r>
-            <a:endParaRPr lang="zh-CN" altLang="en-US"/>
-          </a:p>
-        </p:txBody>
-      </p:sp>
-      <p:sp>
-        <p:nvSpPr>
-          <p:cNvPr id="11" name="文本框 10"/>
-          <p:cNvSpPr txBox="1"/>
-          <p:nvPr/>
-        </p:nvSpPr>
-        <p:spPr>
-          <a:xfrm>
-            <a:off x="5270500" y="277495"/>
-            <a:ext cx="4064000" cy="368300"/>
-          </a:xfrm>
-          <a:prstGeom prst="rect">
-            <a:avLst/>
-          </a:prstGeom>
-          <a:noFill/>
-        </p:spPr>
-        <p:txBody>
-          <a:bodyPr wrap="square" rtlCol="0">
-            <a:spAutoFit/>
-          </a:bodyPr>
-          <a:p>
-            <a:r>
-              <a:rPr lang="en-US" altLang="zh-CN"/>
-              <a:t>...</a:t>
-            </a:r>
-            <a:endParaRPr lang="en-US" altLang="zh-CN"/>
-          </a:p>
-        </p:txBody>
-      </p:sp>
-      <p:sp>
-        <p:nvSpPr>
-          <p:cNvPr id="12" name="矩形 11"/>
-          <p:cNvSpPr/>
-          <p:nvPr/>
-        </p:nvSpPr>
-        <p:spPr>
-          <a:xfrm>
-            <a:off x="2927985" y="1179195"/>
-            <a:ext cx="8696325" cy="1626870"/>
-          </a:xfrm>
-          <a:prstGeom prst="rect">
-            <a:avLst/>
-          </a:prstGeom>
-          <a:noFill/>
-        </p:spPr>
-        <p:style>
-          <a:lnRef idx="2">
-            <a:schemeClr val="accent1">
-              <a:lumMod val="75000"/>
-            </a:schemeClr>
-          </a:lnRef>
-          <a:fillRef idx="1">
-            <a:schemeClr val="accent1"/>
-          </a:fillRef>
-          <a:effectRef idx="0">
-            <a:srgbClr val="FFFFFF"/>
-          </a:effectRef>
-          <a:fontRef idx="minor">
-            <a:schemeClr val="lt1"/>
-          </a:fontRef>
-        </p:style>
-        <p:txBody>
-          <a:bodyPr rtlCol="0" anchor="ctr"/>
-          <a:p>
-            <a:pPr algn="ctr"/>
-            <a:endParaRPr lang="zh-CN" altLang="en-US"/>
-          </a:p>
-        </p:txBody>
-      </p:sp>
-      <p:sp>
-        <p:nvSpPr>
-          <p:cNvPr id="13" name="文本框 12"/>
-          <p:cNvSpPr txBox="1"/>
-          <p:nvPr/>
-        </p:nvSpPr>
-        <p:spPr>
-          <a:xfrm>
-            <a:off x="4093845" y="1726565"/>
-            <a:ext cx="4064000" cy="368300"/>
-          </a:xfrm>
-          <a:prstGeom prst="rect">
-            <a:avLst/>
-          </a:prstGeom>
-          <a:noFill/>
-        </p:spPr>
-        <p:txBody>
-          <a:bodyPr wrap="square" rtlCol="0">
-            <a:spAutoFit/>
-          </a:bodyPr>
-          <a:p>
-            <a:r>
-              <a:rPr lang="zh-CN" altLang="en-US"/>
-              <a:t>图片（链接到概况和全景</a:t>
-            </a:r>
-            <a:r>
-              <a:rPr lang="zh-CN" altLang="en-US"/>
-              <a:t>参观）</a:t>
-            </a:r>
-            <a:endParaRPr lang="zh-CN" altLang="en-US"/>
-          </a:p>
-        </p:txBody>
-      </p:sp>
-      <p:sp>
-        <p:nvSpPr>
-          <p:cNvPr id="14" name="矩形 13"/>
-          <p:cNvSpPr/>
-          <p:nvPr/>
-        </p:nvSpPr>
-        <p:spPr>
-          <a:xfrm>
-            <a:off x="2997200" y="3145155"/>
-            <a:ext cx="8696325" cy="1208405"/>
-          </a:xfrm>
-          <a:prstGeom prst="rect">
-            <a:avLst/>
-          </a:prstGeom>
-          <a:noFill/>
-        </p:spPr>
-        <p:style>
-          <a:lnRef idx="2">
-            <a:schemeClr val="accent1">
-              <a:lumMod val="75000"/>
-            </a:schemeClr>
-          </a:lnRef>
-          <a:fillRef idx="1">
-            <a:schemeClr val="accent1"/>
-          </a:fillRef>
-          <a:effectRef idx="0">
-            <a:srgbClr val="FFFFFF"/>
-          </a:effectRef>
-          <a:fontRef idx="minor">
-            <a:schemeClr val="lt1"/>
-          </a:fontRef>
-        </p:style>
-        <p:txBody>
-          <a:bodyPr rtlCol="0" anchor="ctr"/>
-          <a:p>
-            <a:pPr algn="ctr"/>
-            <a:endParaRPr lang="zh-CN" altLang="en-US"/>
-          </a:p>
-        </p:txBody>
-      </p:sp>
-      <p:sp>
-        <p:nvSpPr>
-          <p:cNvPr id="15" name="文本框 14"/>
-          <p:cNvSpPr txBox="1"/>
-          <p:nvPr/>
-        </p:nvSpPr>
-        <p:spPr>
-          <a:xfrm>
-            <a:off x="3209290" y="3339465"/>
-            <a:ext cx="4064000" cy="368300"/>
-          </a:xfrm>
-          <a:prstGeom prst="rect">
-            <a:avLst/>
-          </a:prstGeom>
-          <a:noFill/>
-        </p:spPr>
-        <p:txBody>
-          <a:bodyPr wrap="square" rtlCol="0">
-            <a:spAutoFit/>
-          </a:bodyPr>
-          <a:p>
-            <a:r>
-              <a:rPr lang="zh-CN" altLang="en-US"/>
-              <a:t>公告栏</a:t>
-            </a:r>
-            <a:endParaRPr lang="zh-CN" altLang="en-US"/>
-          </a:p>
-        </p:txBody>
-      </p:sp>
-      <p:sp>
-        <p:nvSpPr>
-          <p:cNvPr id="16" name="矩形 15"/>
-          <p:cNvSpPr/>
-          <p:nvPr/>
-        </p:nvSpPr>
-        <p:spPr>
-          <a:xfrm>
-            <a:off x="2997200" y="4480560"/>
-            <a:ext cx="8696325" cy="895350"/>
-          </a:xfrm>
-          <a:prstGeom prst="rect">
-            <a:avLst/>
-          </a:prstGeom>
-          <a:noFill/>
-        </p:spPr>
-        <p:style>
-          <a:lnRef idx="2">
-            <a:schemeClr val="accent1">
-              <a:lumMod val="75000"/>
-            </a:schemeClr>
-          </a:lnRef>
-          <a:fillRef idx="1">
-            <a:schemeClr val="accent1"/>
-          </a:fillRef>
-          <a:effectRef idx="0">
-            <a:srgbClr val="FFFFFF"/>
-          </a:effectRef>
-          <a:fontRef idx="minor">
-            <a:schemeClr val="lt1"/>
-          </a:fontRef>
-        </p:style>
-        <p:txBody>
-          <a:bodyPr rtlCol="0" anchor="ctr"/>
-          <a:p>
-            <a:pPr algn="ctr"/>
-            <a:endParaRPr lang="zh-CN" altLang="en-US"/>
-          </a:p>
-        </p:txBody>
-      </p:sp>
-      <p:sp>
-        <p:nvSpPr>
-          <p:cNvPr id="17" name="文本框 16"/>
-          <p:cNvSpPr txBox="1"/>
-          <p:nvPr/>
-        </p:nvSpPr>
-        <p:spPr>
-          <a:xfrm>
-            <a:off x="3209290" y="4544695"/>
-            <a:ext cx="4064000" cy="368300"/>
-          </a:xfrm>
-          <a:prstGeom prst="rect">
-            <a:avLst/>
-          </a:prstGeom>
-          <a:noFill/>
-        </p:spPr>
-        <p:txBody>
-          <a:bodyPr wrap="square" rtlCol="0">
-            <a:spAutoFit/>
-          </a:bodyPr>
-          <a:p>
-            <a:r>
-              <a:rPr lang="zh-CN" altLang="en-US"/>
-              <a:t>新闻</a:t>
-            </a:r>
-            <a:r>
-              <a:rPr lang="zh-CN" altLang="en-US"/>
-              <a:t>动态</a:t>
-            </a:r>
-            <a:endParaRPr lang="zh-CN" altLang="en-US"/>
-          </a:p>
-        </p:txBody>
-      </p:sp>
-      <p:sp>
-        <p:nvSpPr>
-          <p:cNvPr id="18" name="矩形 17"/>
-          <p:cNvSpPr/>
-          <p:nvPr/>
-        </p:nvSpPr>
-        <p:spPr>
-          <a:xfrm>
-            <a:off x="2997200" y="5555615"/>
-            <a:ext cx="8696325" cy="895350"/>
-          </a:xfrm>
-          <a:prstGeom prst="rect">
-            <a:avLst/>
-          </a:prstGeom>
-          <a:noFill/>
-        </p:spPr>
-        <p:style>
-          <a:lnRef idx="2">
-            <a:schemeClr val="accent1">
-              <a:lumMod val="75000"/>
-            </a:schemeClr>
-          </a:lnRef>
-          <a:fillRef idx="1">
-            <a:schemeClr val="accent1"/>
-          </a:fillRef>
-          <a:effectRef idx="0">
-            <a:srgbClr val="FFFFFF"/>
-          </a:effectRef>
-          <a:fontRef idx="minor">
-            <a:schemeClr val="lt1"/>
-          </a:fontRef>
-        </p:style>
-        <p:txBody>
-          <a:bodyPr rtlCol="0" anchor="ctr"/>
-          <a:p>
-            <a:pPr algn="ctr"/>
-            <a:endParaRPr lang="zh-CN" altLang="en-US"/>
-          </a:p>
-        </p:txBody>
-      </p:sp>
-      <p:sp>
-        <p:nvSpPr>
-          <p:cNvPr id="19" name="文本框 18"/>
-          <p:cNvSpPr txBox="1"/>
-          <p:nvPr/>
-        </p:nvSpPr>
-        <p:spPr>
-          <a:xfrm>
-            <a:off x="3209290" y="5671820"/>
-            <a:ext cx="2424430" cy="429260"/>
-          </a:xfrm>
-          <a:prstGeom prst="rect">
-            <a:avLst/>
-          </a:prstGeom>
-          <a:noFill/>
-        </p:spPr>
-        <p:txBody>
-          <a:bodyPr wrap="square" rtlCol="0">
-            <a:noAutofit/>
-          </a:bodyPr>
-          <a:p>
-            <a:r>
-              <a:rPr lang="zh-CN" altLang="en-US"/>
-              <a:t>备案号</a:t>
-            </a:r>
-            <a:r>
-              <a:rPr lang="en-US" altLang="zh-CN"/>
-              <a:t>	</a:t>
-            </a:r>
-            <a:r>
-              <a:rPr lang="zh-CN" altLang="en-US"/>
-              <a:t>友情链接</a:t>
-            </a:r>
-            <a:r>
-              <a:rPr lang="en-US" altLang="zh-CN"/>
-              <a:t>	</a:t>
-            </a:r>
-            <a:r>
-              <a:rPr lang="en-US" altLang="zh-CN">
-                <a:sym typeface="+mn-ea"/>
-              </a:rPr>
-              <a:t>	</a:t>
-            </a:r>
-            <a:endParaRPr lang="en-US" altLang="zh-CN">
-              <a:sym typeface="+mn-ea"/>
-            </a:endParaRPr>
-          </a:p>
-          <a:p>
-            <a:endParaRPr lang="en-US" altLang="zh-CN"/>
-          </a:p>
-        </p:txBody>
-      </p:sp>
-      <p:sp>
-        <p:nvSpPr>
-          <p:cNvPr id="21" name="文本框 20"/>
-          <p:cNvSpPr txBox="1"/>
-          <p:nvPr/>
-        </p:nvSpPr>
-        <p:spPr>
-          <a:xfrm>
-            <a:off x="8552180" y="4544695"/>
-            <a:ext cx="4064000" cy="368300"/>
-          </a:xfrm>
-          <a:prstGeom prst="rect">
-            <a:avLst/>
-          </a:prstGeom>
-          <a:noFill/>
-        </p:spPr>
-        <p:txBody>
-          <a:bodyPr wrap="square" rtlCol="0">
-            <a:spAutoFit/>
-          </a:bodyPr>
-          <a:p>
-            <a:r>
-              <a:rPr lang="zh-CN" altLang="en-US"/>
-              <a:t>查看更多</a:t>
-            </a:r>
-            <a:r>
-              <a:rPr lang="en-US" altLang="zh-CN"/>
-              <a:t>&gt;</a:t>
-            </a:r>
-            <a:r>
-              <a:rPr lang="zh-CN" altLang="en-US"/>
-              <a:t>（链接到新闻</a:t>
-            </a:r>
-            <a:r>
-              <a:rPr lang="zh-CN" altLang="en-US"/>
-              <a:t>页面）</a:t>
-            </a:r>
-            <a:endParaRPr lang="zh-CN" altLang="en-US"/>
-          </a:p>
-        </p:txBody>
-      </p:sp>
-      <p:sp>
-        <p:nvSpPr>
-          <p:cNvPr id="22" name="文本框 21"/>
-          <p:cNvSpPr txBox="1"/>
-          <p:nvPr/>
-        </p:nvSpPr>
-        <p:spPr>
-          <a:xfrm>
-            <a:off x="1486535" y="71755"/>
-            <a:ext cx="4064000" cy="368300"/>
-          </a:xfrm>
-          <a:prstGeom prst="rect">
-            <a:avLst/>
-          </a:prstGeom>
-          <a:noFill/>
-        </p:spPr>
-        <p:txBody>
-          <a:bodyPr wrap="square" rtlCol="0">
-            <a:spAutoFit/>
-          </a:bodyPr>
-          <a:p>
-            <a:r>
-              <a:rPr lang="en-US" altLang="zh-CN"/>
-              <a:t>N</a:t>
-            </a:r>
-            <a:r>
-              <a:rPr lang="en-US" altLang="zh-CN"/>
-              <a:t>avBar.vue</a:t>
-            </a:r>
-            <a:endParaRPr lang="en-US" altLang="zh-CN"/>
-          </a:p>
-        </p:txBody>
-      </p:sp>
-      <p:sp>
-        <p:nvSpPr>
-          <p:cNvPr id="25" name="文本框 24"/>
-          <p:cNvSpPr txBox="1"/>
-          <p:nvPr/>
-        </p:nvSpPr>
-        <p:spPr>
-          <a:xfrm>
-            <a:off x="1206500" y="6207125"/>
-            <a:ext cx="4064000" cy="368300"/>
-          </a:xfrm>
-          <a:prstGeom prst="rect">
-            <a:avLst/>
-          </a:prstGeom>
-          <a:noFill/>
-        </p:spPr>
-        <p:txBody>
-          <a:bodyPr wrap="square" rtlCol="0">
-            <a:spAutoFit/>
-          </a:bodyPr>
-          <a:p>
-            <a:r>
-              <a:rPr lang="en-US" altLang="zh-CN"/>
-              <a:t>Footer.vue</a:t>
-            </a:r>
-            <a:endParaRPr lang="en-US" altLang="zh-CN"/>
-          </a:p>
-        </p:txBody>
-      </p:sp>
-      <p:sp>
-        <p:nvSpPr>
-          <p:cNvPr id="26" name="文本框 25"/>
-          <p:cNvSpPr txBox="1"/>
-          <p:nvPr/>
-        </p:nvSpPr>
-        <p:spPr>
-          <a:xfrm>
-            <a:off x="5966460" y="5671185"/>
-            <a:ext cx="5084445" cy="659130"/>
-          </a:xfrm>
-          <a:prstGeom prst="rect">
-            <a:avLst/>
-          </a:prstGeom>
-          <a:noFill/>
-        </p:spPr>
-        <p:txBody>
-          <a:bodyPr wrap="square" rtlCol="0">
-            <a:noAutofit/>
-          </a:bodyPr>
-          <a:p>
-            <a:r>
-              <a:rPr lang="zh-CN" altLang="en-US">
-                <a:sym typeface="+mn-ea"/>
-              </a:rPr>
-              <a:t>联系我们：</a:t>
-            </a:r>
-            <a:r>
-              <a:rPr lang="zh-CN" altLang="en-US">
-                <a:sym typeface="+mn-ea"/>
-              </a:rPr>
-              <a:t>海洋馆联系方式网站客服</a:t>
-            </a:r>
-            <a:r>
-              <a:rPr lang="en-US" altLang="zh-CN">
-                <a:sym typeface="+mn-ea"/>
-              </a:rPr>
-              <a:t>/</a:t>
-            </a:r>
-            <a:r>
-              <a:rPr lang="zh-CN" altLang="en-US">
-                <a:sym typeface="+mn-ea"/>
-              </a:rPr>
-              <a:t>管理员联系方式</a:t>
-            </a:r>
-            <a:r>
-              <a:rPr lang="en-US" altLang="zh-CN">
-                <a:sym typeface="+mn-ea"/>
-              </a:rPr>
-              <a:t>/</a:t>
-            </a:r>
-            <a:r>
-              <a:rPr lang="zh-CN" altLang="en-US">
-                <a:sym typeface="+mn-ea"/>
-              </a:rPr>
-              <a:t>海洋馆地址</a:t>
-            </a:r>
-            <a:endParaRPr lang="en-US" altLang="zh-CN"/>
-          </a:p>
-          <a:p>
-            <a:endParaRPr lang="zh-CN" altLang="en-US"/>
-          </a:p>
-        </p:txBody>
-      </p:sp>
-    </p:spTree>
-  </p:cSld>
-  <p:clrMapOvr>
-    <a:masterClrMapping/>
-  </p:clrMapOvr>
-</p:sld>
-</file>
-
-<file path=ppt/slides/slide20.xml><?xml version="1.0" encoding="utf-8"?>
+<file path=ppt/slides/slide21.xml><?xml version="1.0" encoding="utf-8"?>
 <p:sld xmlns:a="http://schemas.openxmlformats.org/drawingml/2006/main" xmlns:r="http://schemas.openxmlformats.org/officeDocument/2006/relationships" xmlns:p="http://schemas.openxmlformats.org/presentationml/2006/main">
   <p:cSld>
     <p:spTree>
@@ -13716,7 +15120,7 @@
 </p:sld>
 </file>
 
-<file path=ppt/slides/slide21.xml><?xml version="1.0" encoding="utf-8"?>
+<file path=ppt/slides/slide22.xml><?xml version="1.0" encoding="utf-8"?>
 <p:sld xmlns:a="http://schemas.openxmlformats.org/drawingml/2006/main" xmlns:r="http://schemas.openxmlformats.org/officeDocument/2006/relationships" xmlns:p="http://schemas.openxmlformats.org/presentationml/2006/main">
   <p:cSld>
     <p:spTree>
@@ -14521,7 +15925,7 @@
 </p:sld>
 </file>
 
-<file path=ppt/slides/slide22.xml><?xml version="1.0" encoding="utf-8"?>
+<file path=ppt/slides/slide23.xml><?xml version="1.0" encoding="utf-8"?>
 <p:sld xmlns:a="http://schemas.openxmlformats.org/drawingml/2006/main" xmlns:r="http://schemas.openxmlformats.org/officeDocument/2006/relationships" xmlns:p="http://schemas.openxmlformats.org/presentationml/2006/main">
   <p:cSld>
     <p:spTree>
@@ -15413,7 +16817,7 @@
 </p:sld>
 </file>
 
-<file path=ppt/slides/slide23.xml><?xml version="1.0" encoding="utf-8"?>
+<file path=ppt/slides/slide24.xml><?xml version="1.0" encoding="utf-8"?>
 <p:sld xmlns:a="http://schemas.openxmlformats.org/drawingml/2006/main" xmlns:r="http://schemas.openxmlformats.org/officeDocument/2006/relationships" xmlns:p="http://schemas.openxmlformats.org/presentationml/2006/main">
   <p:cSld>
     <p:spTree>
@@ -16518,7 +17922,7 @@
 </p:sld>
 </file>
 
-<file path=ppt/slides/slide24.xml><?xml version="1.0" encoding="utf-8"?>
+<file path=ppt/slides/slide25.xml><?xml version="1.0" encoding="utf-8"?>
 <p:sld xmlns:a="http://schemas.openxmlformats.org/drawingml/2006/main" xmlns:r="http://schemas.openxmlformats.org/officeDocument/2006/relationships" xmlns:p="http://schemas.openxmlformats.org/presentationml/2006/main">
   <p:cSld>
     <p:spTree>
@@ -17827,7 +19231,7 @@
 </p:sld>
 </file>
 
-<file path=ppt/slides/slide25.xml><?xml version="1.0" encoding="utf-8"?>
+<file path=ppt/slides/slide26.xml><?xml version="1.0" encoding="utf-8"?>
 <p:sld xmlns:a="http://schemas.openxmlformats.org/drawingml/2006/main" xmlns:r="http://schemas.openxmlformats.org/officeDocument/2006/relationships" xmlns:p="http://schemas.openxmlformats.org/presentationml/2006/main">
   <p:cSld>
     <p:spTree>
@@ -19074,7 +20478,7 @@
 </p:sld>
 </file>
 
-<file path=ppt/slides/slide26.xml><?xml version="1.0" encoding="utf-8"?>
+<file path=ppt/slides/slide27.xml><?xml version="1.0" encoding="utf-8"?>
 <p:sld xmlns:a="http://schemas.openxmlformats.org/drawingml/2006/main" xmlns:r="http://schemas.openxmlformats.org/officeDocument/2006/relationships" xmlns:p="http://schemas.openxmlformats.org/presentationml/2006/main">
   <p:cSld>
     <p:spTree>
@@ -20211,7 +21615,7 @@
 </p:sld>
 </file>
 
-<file path=ppt/slides/slide27.xml><?xml version="1.0" encoding="utf-8"?>
+<file path=ppt/slides/slide28.xml><?xml version="1.0" encoding="utf-8"?>
 <p:sld xmlns:a="http://schemas.openxmlformats.org/drawingml/2006/main" xmlns:r="http://schemas.openxmlformats.org/officeDocument/2006/relationships" xmlns:p="http://schemas.openxmlformats.org/presentationml/2006/main">
   <p:cSld>
     <p:spTree>
@@ -21352,7 +22756,7 @@
 </p:sld>
 </file>
 
-<file path=ppt/slides/slide28.xml><?xml version="1.0" encoding="utf-8"?>
+<file path=ppt/slides/slide29.xml><?xml version="1.0" encoding="utf-8"?>
 <p:sld xmlns:a="http://schemas.openxmlformats.org/drawingml/2006/main" xmlns:r="http://schemas.openxmlformats.org/officeDocument/2006/relationships" xmlns:p="http://schemas.openxmlformats.org/presentationml/2006/main">
   <p:cSld>
     <p:spTree>

--- a/其他/项目前端设计.pptx
+++ b/其他/项目前端设计.pptx
@@ -12151,260 +12151,362 @@
           </a:p>
         </p:txBody>
       </p:sp>
-      <p:grpSp>
-        <p:nvGrpSpPr>
-          <p:cNvPr id="30" name="组合 29"/>
-          <p:cNvGrpSpPr/>
-          <p:nvPr/>
-        </p:nvGrpSpPr>
-        <p:grpSpPr>
-          <a:xfrm>
-            <a:off x="5060950" y="1570990"/>
-            <a:ext cx="9331325" cy="4133215"/>
-            <a:chOff x="7970" y="2474"/>
-            <a:chExt cx="14695" cy="6509"/>
-          </a:xfrm>
-        </p:grpSpPr>
-        <p:sp>
-          <p:nvSpPr>
-            <p:cNvPr id="22" name="矩形 21"/>
-            <p:cNvSpPr/>
-            <p:nvPr/>
-          </p:nvSpPr>
-          <p:spPr>
-            <a:xfrm>
-              <a:off x="7970" y="3512"/>
-              <a:ext cx="9968" cy="873"/>
-            </a:xfrm>
-            <a:prstGeom prst="rect">
-              <a:avLst/>
-            </a:prstGeom>
-            <a:noFill/>
-          </p:spPr>
-          <p:style>
-            <a:lnRef idx="2">
-              <a:schemeClr val="accent1">
-                <a:lumMod val="75000"/>
-              </a:schemeClr>
-            </a:lnRef>
-            <a:fillRef idx="1">
-              <a:schemeClr val="accent1"/>
-            </a:fillRef>
-            <a:effectRef idx="0">
-              <a:srgbClr val="FFFFFF"/>
-            </a:effectRef>
-            <a:fontRef idx="minor">
-              <a:schemeClr val="lt1"/>
-            </a:fontRef>
-          </p:style>
-          <p:txBody>
-            <a:bodyPr rtlCol="0" anchor="ctr"/>
-            <a:p>
-              <a:pPr algn="ctr"/>
-              <a:endParaRPr lang="zh-CN" altLang="en-US"/>
-            </a:p>
-          </p:txBody>
-        </p:sp>
-        <p:sp>
-          <p:nvSpPr>
-            <p:cNvPr id="23" name="文本框 22"/>
-            <p:cNvSpPr txBox="1"/>
-            <p:nvPr/>
-          </p:nvSpPr>
-          <p:spPr>
-            <a:xfrm>
-              <a:off x="8109" y="3658"/>
-              <a:ext cx="9828" cy="580"/>
-            </a:xfrm>
-            <a:prstGeom prst="rect">
-              <a:avLst/>
-            </a:prstGeom>
-            <a:noFill/>
-          </p:spPr>
-          <p:txBody>
-            <a:bodyPr wrap="square" rtlCol="0">
-              <a:spAutoFit/>
-            </a:bodyPr>
-            <a:p>
-              <a:r>
-                <a:rPr lang="zh-CN" altLang="en-US"/>
-                <a:t>文章标题</a:t>
-              </a:r>
-              <a:r>
-                <a:rPr lang="en-US" altLang="zh-CN"/>
-                <a:t>[</a:t>
-              </a:r>
-              <a:r>
-                <a:rPr lang="zh-CN" altLang="en-US"/>
-                <a:t>链接到文章详情</a:t>
-              </a:r>
-              <a:r>
-                <a:rPr lang="en-US" altLang="zh-CN"/>
-                <a:t>] [</a:t>
-              </a:r>
-              <a:r>
-                <a:rPr lang="zh-CN" altLang="en-US"/>
-                <a:t>点赞日期</a:t>
-              </a:r>
-              <a:r>
-                <a:rPr lang="en-US" altLang="zh-CN"/>
-                <a:t>]                     [</a:t>
-              </a:r>
-              <a:r>
-                <a:rPr lang="zh-CN" altLang="en-US"/>
-                <a:t>取消点赞</a:t>
-              </a:r>
-              <a:r>
-                <a:rPr lang="en-US" altLang="zh-CN"/>
-                <a:t>]</a:t>
-              </a:r>
-              <a:endParaRPr lang="zh-CN" altLang="en-US"/>
-            </a:p>
-          </p:txBody>
-        </p:sp>
-        <p:sp>
-          <p:nvSpPr>
-            <p:cNvPr id="24" name="矩形 23"/>
-            <p:cNvSpPr/>
-            <p:nvPr/>
-          </p:nvSpPr>
-          <p:spPr>
-            <a:xfrm>
-              <a:off x="16265" y="8110"/>
-              <a:ext cx="1319" cy="873"/>
-            </a:xfrm>
-            <a:prstGeom prst="rect">
-              <a:avLst/>
-            </a:prstGeom>
-            <a:noFill/>
-          </p:spPr>
-          <p:style>
-            <a:lnRef idx="2">
-              <a:schemeClr val="accent1">
-                <a:lumMod val="75000"/>
-              </a:schemeClr>
-            </a:lnRef>
-            <a:fillRef idx="1">
-              <a:schemeClr val="accent1"/>
-            </a:fillRef>
-            <a:effectRef idx="0">
-              <a:srgbClr val="FFFFFF"/>
-            </a:effectRef>
-            <a:fontRef idx="minor">
-              <a:schemeClr val="lt1"/>
-            </a:fontRef>
-          </p:style>
-          <p:txBody>
-            <a:bodyPr rtlCol="0" anchor="ctr"/>
-            <a:p>
-              <a:pPr algn="ctr"/>
-              <a:endParaRPr lang="zh-CN" altLang="en-US"/>
-            </a:p>
-          </p:txBody>
-        </p:sp>
-        <p:sp>
-          <p:nvSpPr>
-            <p:cNvPr id="25" name="文本框 24"/>
-            <p:cNvSpPr txBox="1"/>
-            <p:nvPr/>
-          </p:nvSpPr>
-          <p:spPr>
-            <a:xfrm>
-              <a:off x="16265" y="8256"/>
-              <a:ext cx="6400" cy="580"/>
-            </a:xfrm>
-            <a:prstGeom prst="rect">
-              <a:avLst/>
-            </a:prstGeom>
-            <a:noFill/>
-          </p:spPr>
-          <p:txBody>
-            <a:bodyPr wrap="square" rtlCol="0">
-              <a:spAutoFit/>
-            </a:bodyPr>
-            <a:p>
-              <a:r>
-                <a:rPr lang="zh-CN" altLang="en-US"/>
-                <a:t>分页</a:t>
-              </a:r>
-              <a:endParaRPr lang="zh-CN" altLang="en-US"/>
-            </a:p>
-          </p:txBody>
-        </p:sp>
-        <p:sp>
-          <p:nvSpPr>
-            <p:cNvPr id="26" name="矩形 25"/>
-            <p:cNvSpPr/>
-            <p:nvPr/>
-          </p:nvSpPr>
-          <p:spPr>
-            <a:xfrm>
-              <a:off x="8248" y="2474"/>
-              <a:ext cx="3285" cy="832"/>
-            </a:xfrm>
-            <a:prstGeom prst="rect">
-              <a:avLst/>
-            </a:prstGeom>
-            <a:noFill/>
-          </p:spPr>
-          <p:style>
-            <a:lnRef idx="2">
-              <a:schemeClr val="accent1">
-                <a:lumMod val="75000"/>
-              </a:schemeClr>
-            </a:lnRef>
-            <a:fillRef idx="1">
-              <a:schemeClr val="accent1"/>
-            </a:fillRef>
-            <a:effectRef idx="0">
-              <a:srgbClr val="FFFFFF"/>
-            </a:effectRef>
-            <a:fontRef idx="minor">
-              <a:schemeClr val="lt1"/>
-            </a:fontRef>
-          </p:style>
-          <p:txBody>
-            <a:bodyPr rtlCol="0" anchor="ctr"/>
-            <a:p>
-              <a:pPr algn="ctr"/>
-              <a:endParaRPr lang="zh-CN" altLang="en-US"/>
-            </a:p>
-          </p:txBody>
-        </p:sp>
-        <p:sp>
-          <p:nvSpPr>
-            <p:cNvPr id="28" name="文本框 27"/>
-            <p:cNvSpPr txBox="1"/>
-            <p:nvPr/>
-          </p:nvSpPr>
-          <p:spPr>
-            <a:xfrm>
-              <a:off x="8483" y="2600"/>
-              <a:ext cx="6400" cy="580"/>
-            </a:xfrm>
-            <a:prstGeom prst="rect">
-              <a:avLst/>
-            </a:prstGeom>
-            <a:noFill/>
-          </p:spPr>
-          <p:txBody>
-            <a:bodyPr wrap="square" rtlCol="0">
-              <a:spAutoFit/>
-            </a:bodyPr>
-            <a:p>
-              <a:r>
-                <a:rPr lang="zh-CN" altLang="en-US"/>
-                <a:t>搜索框</a:t>
-              </a:r>
-              <a:r>
-                <a:rPr lang="en-US" altLang="zh-CN"/>
-                <a:t>[MAYBE]</a:t>
-              </a:r>
-              <a:endParaRPr lang="en-US" altLang="zh-CN"/>
-            </a:p>
-          </p:txBody>
-        </p:sp>
-      </p:grpSp>
+      <p:sp>
+        <p:nvSpPr>
+          <p:cNvPr id="22" name="矩形 21"/>
+          <p:cNvSpPr/>
+          <p:nvPr/>
+        </p:nvSpPr>
+        <p:spPr>
+          <a:xfrm>
+            <a:off x="5060950" y="2230120"/>
+            <a:ext cx="6329680" cy="554355"/>
+          </a:xfrm>
+          <a:prstGeom prst="rect">
+            <a:avLst/>
+          </a:prstGeom>
+          <a:noFill/>
+        </p:spPr>
+        <p:style>
+          <a:lnRef idx="2">
+            <a:schemeClr val="accent1">
+              <a:lumMod val="75000"/>
+            </a:schemeClr>
+          </a:lnRef>
+          <a:fillRef idx="1">
+            <a:schemeClr val="accent1"/>
+          </a:fillRef>
+          <a:effectRef idx="0">
+            <a:srgbClr val="FFFFFF"/>
+          </a:effectRef>
+          <a:fontRef idx="minor">
+            <a:schemeClr val="lt1"/>
+          </a:fontRef>
+        </p:style>
+        <p:txBody>
+          <a:bodyPr rtlCol="0" anchor="ctr"/>
+          <a:p>
+            <a:pPr algn="ctr"/>
+            <a:endParaRPr lang="zh-CN" altLang="en-US"/>
+          </a:p>
+        </p:txBody>
+      </p:sp>
+      <p:sp>
+        <p:nvSpPr>
+          <p:cNvPr id="23" name="文本框 22"/>
+          <p:cNvSpPr txBox="1"/>
+          <p:nvPr/>
+        </p:nvSpPr>
+        <p:spPr>
+          <a:xfrm>
+            <a:off x="5149215" y="2322830"/>
+            <a:ext cx="6240780" cy="368300"/>
+          </a:xfrm>
+          <a:prstGeom prst="rect">
+            <a:avLst/>
+          </a:prstGeom>
+          <a:noFill/>
+        </p:spPr>
+        <p:txBody>
+          <a:bodyPr wrap="square" rtlCol="0">
+            <a:spAutoFit/>
+          </a:bodyPr>
+          <a:p>
+            <a:r>
+              <a:rPr lang="zh-CN" altLang="en-US"/>
+              <a:t>文章标题</a:t>
+            </a:r>
+            <a:r>
+              <a:rPr lang="en-US" altLang="zh-CN"/>
+              <a:t>[</a:t>
+            </a:r>
+            <a:r>
+              <a:rPr lang="zh-CN" altLang="en-US"/>
+              <a:t>点赞日期</a:t>
+            </a:r>
+            <a:r>
+              <a:rPr lang="en-US" altLang="zh-CN"/>
+              <a:t>]                     [</a:t>
+            </a:r>
+            <a:r>
+              <a:rPr lang="zh-CN" altLang="en-US"/>
+              <a:t>文章详情</a:t>
+            </a:r>
+            <a:r>
+              <a:rPr lang="en-US" altLang="zh-CN"/>
+              <a:t>]</a:t>
+            </a:r>
+            <a:endParaRPr lang="zh-CN" altLang="en-US"/>
+          </a:p>
+        </p:txBody>
+      </p:sp>
+      <p:sp>
+        <p:nvSpPr>
+          <p:cNvPr id="24" name="矩形 23"/>
+          <p:cNvSpPr/>
+          <p:nvPr/>
+        </p:nvSpPr>
+        <p:spPr>
+          <a:xfrm>
+            <a:off x="10328275" y="5149850"/>
+            <a:ext cx="837565" cy="554355"/>
+          </a:xfrm>
+          <a:prstGeom prst="rect">
+            <a:avLst/>
+          </a:prstGeom>
+          <a:noFill/>
+        </p:spPr>
+        <p:style>
+          <a:lnRef idx="2">
+            <a:schemeClr val="accent1">
+              <a:lumMod val="75000"/>
+            </a:schemeClr>
+          </a:lnRef>
+          <a:fillRef idx="1">
+            <a:schemeClr val="accent1"/>
+          </a:fillRef>
+          <a:effectRef idx="0">
+            <a:srgbClr val="FFFFFF"/>
+          </a:effectRef>
+          <a:fontRef idx="minor">
+            <a:schemeClr val="lt1"/>
+          </a:fontRef>
+        </p:style>
+        <p:txBody>
+          <a:bodyPr rtlCol="0" anchor="ctr"/>
+          <a:p>
+            <a:pPr algn="ctr"/>
+            <a:endParaRPr lang="zh-CN" altLang="en-US"/>
+          </a:p>
+        </p:txBody>
+      </p:sp>
+      <p:sp>
+        <p:nvSpPr>
+          <p:cNvPr id="25" name="文本框 24"/>
+          <p:cNvSpPr txBox="1"/>
+          <p:nvPr/>
+        </p:nvSpPr>
+        <p:spPr>
+          <a:xfrm>
+            <a:off x="10328275" y="5242560"/>
+            <a:ext cx="4064000" cy="368300"/>
+          </a:xfrm>
+          <a:prstGeom prst="rect">
+            <a:avLst/>
+          </a:prstGeom>
+          <a:noFill/>
+        </p:spPr>
+        <p:txBody>
+          <a:bodyPr wrap="square" rtlCol="0">
+            <a:spAutoFit/>
+          </a:bodyPr>
+          <a:p>
+            <a:r>
+              <a:rPr lang="zh-CN" altLang="en-US"/>
+              <a:t>分页</a:t>
+            </a:r>
+            <a:endParaRPr lang="zh-CN" altLang="en-US"/>
+          </a:p>
+        </p:txBody>
+      </p:sp>
+      <p:sp>
+        <p:nvSpPr>
+          <p:cNvPr id="26" name="矩形 25"/>
+          <p:cNvSpPr/>
+          <p:nvPr/>
+        </p:nvSpPr>
+        <p:spPr>
+          <a:xfrm>
+            <a:off x="7536180" y="1617980"/>
+            <a:ext cx="2358390" cy="528320"/>
+          </a:xfrm>
+          <a:prstGeom prst="rect">
+            <a:avLst/>
+          </a:prstGeom>
+          <a:noFill/>
+        </p:spPr>
+        <p:style>
+          <a:lnRef idx="2">
+            <a:schemeClr val="accent1">
+              <a:lumMod val="75000"/>
+            </a:schemeClr>
+          </a:lnRef>
+          <a:fillRef idx="1">
+            <a:schemeClr val="accent1"/>
+          </a:fillRef>
+          <a:effectRef idx="0">
+            <a:srgbClr val="FFFFFF"/>
+          </a:effectRef>
+          <a:fontRef idx="minor">
+            <a:schemeClr val="lt1"/>
+          </a:fontRef>
+        </p:style>
+        <p:txBody>
+          <a:bodyPr rtlCol="0" anchor="ctr"/>
+          <a:p>
+            <a:pPr algn="ctr"/>
+            <a:endParaRPr lang="zh-CN" altLang="en-US"/>
+          </a:p>
+        </p:txBody>
+      </p:sp>
+      <p:sp>
+        <p:nvSpPr>
+          <p:cNvPr id="28" name="文本框 27"/>
+          <p:cNvSpPr txBox="1"/>
+          <p:nvPr/>
+        </p:nvSpPr>
+        <p:spPr>
+          <a:xfrm>
+            <a:off x="7639050" y="1651000"/>
+            <a:ext cx="1760855" cy="368300"/>
+          </a:xfrm>
+          <a:prstGeom prst="rect">
+            <a:avLst/>
+          </a:prstGeom>
+          <a:noFill/>
+        </p:spPr>
+        <p:txBody>
+          <a:bodyPr wrap="square" rtlCol="0">
+            <a:spAutoFit/>
+          </a:bodyPr>
+          <a:p>
+            <a:r>
+              <a:rPr lang="zh-CN" altLang="en-US"/>
+              <a:t>搜索框</a:t>
+            </a:r>
+            <a:endParaRPr lang="en-US" altLang="zh-CN"/>
+          </a:p>
+        </p:txBody>
+      </p:sp>
+      <p:sp>
+        <p:nvSpPr>
+          <p:cNvPr id="15" name="矩形 14"/>
+          <p:cNvSpPr/>
+          <p:nvPr/>
+        </p:nvSpPr>
+        <p:spPr>
+          <a:xfrm>
+            <a:off x="5135245" y="1617980"/>
+            <a:ext cx="1769745" cy="528320"/>
+          </a:xfrm>
+          <a:prstGeom prst="rect">
+            <a:avLst/>
+          </a:prstGeom>
+          <a:noFill/>
+        </p:spPr>
+        <p:style>
+          <a:lnRef idx="2">
+            <a:schemeClr val="accent1">
+              <a:lumMod val="75000"/>
+            </a:schemeClr>
+          </a:lnRef>
+          <a:fillRef idx="1">
+            <a:schemeClr val="accent1"/>
+          </a:fillRef>
+          <a:effectRef idx="0">
+            <a:srgbClr val="FFFFFF"/>
+          </a:effectRef>
+          <a:fontRef idx="minor">
+            <a:schemeClr val="lt1"/>
+          </a:fontRef>
+        </p:style>
+        <p:txBody>
+          <a:bodyPr rtlCol="0" anchor="ctr"/>
+          <a:p>
+            <a:pPr algn="ctr"/>
+            <a:endParaRPr lang="zh-CN" altLang="en-US"/>
+          </a:p>
+        </p:txBody>
+      </p:sp>
+      <p:sp>
+        <p:nvSpPr>
+          <p:cNvPr id="21" name="文本框 20"/>
+          <p:cNvSpPr txBox="1"/>
+          <p:nvPr/>
+        </p:nvSpPr>
+        <p:spPr>
+          <a:xfrm>
+            <a:off x="5135245" y="1697990"/>
+            <a:ext cx="2948940" cy="645160"/>
+          </a:xfrm>
+          <a:prstGeom prst="rect">
+            <a:avLst/>
+          </a:prstGeom>
+          <a:noFill/>
+        </p:spPr>
+        <p:txBody>
+          <a:bodyPr wrap="square" rtlCol="0">
+            <a:spAutoFit/>
+          </a:bodyPr>
+          <a:p>
+            <a:r>
+              <a:rPr lang="zh-CN" altLang="en-US"/>
+              <a:t>下拉菜单：</a:t>
+            </a:r>
+            <a:endParaRPr lang="zh-CN" altLang="en-US"/>
+          </a:p>
+          <a:p>
+            <a:r>
+              <a:rPr lang="zh-CN" altLang="en-US"/>
+              <a:t>类别</a:t>
+            </a:r>
+            <a:r>
+              <a:rPr lang="en-US" altLang="zh-CN"/>
+              <a:t>(</a:t>
+            </a:r>
+            <a:r>
+              <a:rPr lang="zh-CN" altLang="en-US"/>
+              <a:t>展品</a:t>
+            </a:r>
+            <a:r>
+              <a:rPr lang="en-US" altLang="zh-CN"/>
+              <a:t>/</a:t>
+            </a:r>
+            <a:r>
+              <a:rPr lang="zh-CN" altLang="en-US"/>
+              <a:t>文章</a:t>
+            </a:r>
+            <a:r>
+              <a:rPr lang="en-US" altLang="zh-CN"/>
+              <a:t>)</a:t>
+            </a:r>
+            <a:endParaRPr lang="en-US" altLang="zh-CN"/>
+          </a:p>
+        </p:txBody>
+      </p:sp>
+      <p:sp>
+        <p:nvSpPr>
+          <p:cNvPr id="27" name="文本框 26"/>
+          <p:cNvSpPr txBox="1"/>
+          <p:nvPr/>
+        </p:nvSpPr>
+        <p:spPr>
+          <a:xfrm>
+            <a:off x="10380980" y="1993265"/>
+            <a:ext cx="4064000" cy="368300"/>
+          </a:xfrm>
+          <a:prstGeom prst="rect">
+            <a:avLst/>
+          </a:prstGeom>
+          <a:noFill/>
+        </p:spPr>
+        <p:txBody>
+          <a:bodyPr wrap="square" rtlCol="0">
+            <a:spAutoFit/>
+          </a:bodyPr>
+          <a:p>
+            <a:r>
+              <a:rPr lang="zh-CN" altLang="en-US"/>
+              <a:t>日期倒</a:t>
+            </a:r>
+            <a:r>
+              <a:rPr lang="zh-CN" altLang="en-US"/>
+              <a:t>序</a:t>
+            </a:r>
+            <a:endParaRPr lang="zh-CN" altLang="en-US"/>
+          </a:p>
+        </p:txBody>
+      </p:sp>
     </p:spTree>
   </p:cSld>
   <p:clrMapOvr>

--- a/其他/项目前端设计.pptx
+++ b/其他/项目前端设计.pptx
@@ -3569,30 +3569,104 @@
           </a:p>
         </p:txBody>
       </p:sp>
-      <p:pic>
-        <p:nvPicPr>
-          <p:cNvPr id="4" name="图片 3" descr="项目模块设计图"/>
-          <p:cNvPicPr>
-            <a:picLocks noChangeAspect="1"/>
-          </p:cNvPicPr>
-          <p:nvPr/>
-        </p:nvPicPr>
-        <p:blipFill>
-          <a:blip r:embed="rId1"/>
-          <a:stretch>
-            <a:fillRect/>
-          </a:stretch>
-        </p:blipFill>
-        <p:spPr>
-          <a:xfrm>
-            <a:off x="1055370" y="1026160"/>
-            <a:ext cx="10081260" cy="4655820"/>
-          </a:xfrm>
-          <a:prstGeom prst="rect">
-            <a:avLst/>
-          </a:prstGeom>
-        </p:spPr>
-      </p:pic>
+      <p:graphicFrame>
+        <p:nvGraphicFramePr>
+          <p:cNvPr id="2" name="对象 1"/>
+          <p:cNvGraphicFramePr/>
+          <p:nvPr/>
+        </p:nvGraphicFramePr>
+        <p:xfrm>
+          <a:off x="1050290" y="1097915"/>
+          <a:ext cx="10090785" cy="4662170"/>
+        </p:xfrm>
+        <a:graphic>
+          <a:graphicData uri="http://schemas.openxmlformats.org/presentationml/2006/ole">
+            <mc:AlternateContent xmlns:mc="http://schemas.openxmlformats.org/markup-compatibility/2006">
+              <mc:Choice xmlns:v="urn:schemas-microsoft-com:vml" Requires="v">
+                <p:oleObj spid="_x0000_s3" name="" r:id="rId1" imgW="6558915" imgH="3044825" progId="Visio.Drawing.15">
+                  <p:embed/>
+                </p:oleObj>
+              </mc:Choice>
+              <mc:Fallback>
+                <p:oleObj name="" r:id="rId1" imgW="6558915" imgH="3044825" progId="Visio.Drawing.15">
+                  <p:embed/>
+                  <p:pic>
+                    <p:nvPicPr>
+                      <p:cNvPr id="0" name="图片 2"/>
+                      <p:cNvPicPr/>
+                      <p:nvPr/>
+                    </p:nvPicPr>
+                    <p:blipFill>
+                      <a:blip r:embed="rId2"/>
+                      <a:stretch>
+                        <a:fillRect/>
+                      </a:stretch>
+                    </p:blipFill>
+                    <p:spPr>
+                      <a:xfrm>
+                        <a:off x="1050290" y="1097915"/>
+                        <a:ext cx="10090785" cy="4662170"/>
+                      </a:xfrm>
+                      <a:prstGeom prst="rect">
+                        <a:avLst/>
+                      </a:prstGeom>
+                    </p:spPr>
+                  </p:pic>
+                </p:oleObj>
+              </mc:Fallback>
+            </mc:AlternateContent>
+          </a:graphicData>
+        </a:graphic>
+      </p:graphicFrame>
+      <p:graphicFrame>
+        <p:nvGraphicFramePr>
+          <p:cNvPr id="7" name="对象 6"/>
+          <p:cNvGraphicFramePr/>
+          <p:nvPr/>
+        </p:nvGraphicFramePr>
+        <p:xfrm>
+          <a:off x="1050290" y="1097915"/>
+          <a:ext cx="10090785" cy="4662170"/>
+        </p:xfrm>
+        <a:graphic>
+          <a:graphicData uri="http://schemas.openxmlformats.org/presentationml/2006/ole">
+            <mc:AlternateContent xmlns:mc="http://schemas.openxmlformats.org/markup-compatibility/2006">
+              <mc:Choice xmlns:v="urn:schemas-microsoft-com:vml" Requires="v">
+                <p:oleObj spid="_x0000_s8" name="" r:id="rId3" imgW="6558915" imgH="3044825" progId="Visio.Drawing.15">
+                  <p:embed/>
+                </p:oleObj>
+              </mc:Choice>
+              <mc:Fallback>
+                <p:oleObj name="" r:id="rId3" imgW="6558915" imgH="3044825" progId="Visio.Drawing.15">
+                  <p:embed/>
+                  <p:pic>
+                    <p:nvPicPr>
+                      <p:cNvPr id="0" name="图片 7"/>
+                      <p:cNvPicPr/>
+                      <p:nvPr/>
+                    </p:nvPicPr>
+                    <p:blipFill>
+                      <a:blip r:embed="rId4"/>
+                      <a:stretch>
+                        <a:fillRect/>
+                      </a:stretch>
+                    </p:blipFill>
+                    <p:spPr>
+                      <a:xfrm>
+                        <a:off x="1050290" y="1097915"/>
+                        <a:ext cx="10090785" cy="4662170"/>
+                      </a:xfrm>
+                      <a:prstGeom prst="rect">
+                        <a:avLst/>
+                      </a:prstGeom>
+                    </p:spPr>
+                  </p:pic>
+                </p:oleObj>
+              </mc:Fallback>
+            </mc:AlternateContent>
+          </a:graphicData>
+        </a:graphic>
+      </p:graphicFrame>
     </p:spTree>
   </p:cSld>
   <p:clrMapOvr>
